--- a/模板.pptx
+++ b/模板.pptx
@@ -5,29 +5,29 @@
     <p:sldMasterId id="2147483648" r:id="rId1"/>
   </p:sldMasterIdLst>
   <p:notesMasterIdLst>
-    <p:notesMasterId r:id="rId4"/>
+    <p:notesMasterId r:id="rId19"/>
   </p:notesMasterIdLst>
   <p:handoutMasterIdLst>
-    <p:handoutMasterId r:id="rId21"/>
+    <p:handoutMasterId r:id="rId20"/>
   </p:handoutMasterIdLst>
   <p:sldIdLst>
-    <p:sldId id="307" r:id="rId3"/>
-    <p:sldId id="308" r:id="rId5"/>
-    <p:sldId id="659" r:id="rId6"/>
-    <p:sldId id="567" r:id="rId7"/>
-    <p:sldId id="847" r:id="rId8"/>
-    <p:sldId id="848" r:id="rId9"/>
-    <p:sldId id="897" r:id="rId10"/>
-    <p:sldId id="537" r:id="rId11"/>
-    <p:sldId id="536" r:id="rId12"/>
-    <p:sldId id="540" r:id="rId13"/>
-    <p:sldId id="960" r:id="rId14"/>
-    <p:sldId id="541" r:id="rId15"/>
-    <p:sldId id="314" r:id="rId16"/>
-    <p:sldId id="315" r:id="rId17"/>
-    <p:sldId id="515" r:id="rId18"/>
-    <p:sldId id="367" r:id="rId19"/>
-    <p:sldId id="653" r:id="rId20"/>
+    <p:sldId id="307" r:id="rId2"/>
+    <p:sldId id="308" r:id="rId3"/>
+    <p:sldId id="659" r:id="rId4"/>
+    <p:sldId id="567" r:id="rId5"/>
+    <p:sldId id="847" r:id="rId6"/>
+    <p:sldId id="848" r:id="rId7"/>
+    <p:sldId id="897" r:id="rId8"/>
+    <p:sldId id="537" r:id="rId9"/>
+    <p:sldId id="536" r:id="rId10"/>
+    <p:sldId id="540" r:id="rId11"/>
+    <p:sldId id="960" r:id="rId12"/>
+    <p:sldId id="541" r:id="rId13"/>
+    <p:sldId id="314" r:id="rId14"/>
+    <p:sldId id="315" r:id="rId15"/>
+    <p:sldId id="515" r:id="rId16"/>
+    <p:sldId id="367" r:id="rId17"/>
+    <p:sldId id="653" r:id="rId18"/>
   </p:sldIdLst>
   <p:sldSz cx="12192000" cy="6858000"/>
   <p:notesSz cx="6858000" cy="9144000"/>
@@ -126,6 +126,11 @@
       </a:defRPr>
     </a:lvl9pPr>
   </p:defaultTextStyle>
+  <p:extLst>
+    <p:ext uri="{EFAFB233-063F-42B5-8137-9DF3F51BA10A}">
+      <p15:sldGuideLst xmlns:p15="http://schemas.microsoft.com/office/powerpoint/2012/main"/>
+    </p:ext>
+  </p:extLst>
 </p:presentation>
 </file>
 
@@ -217,8 +222,9 @@
                 <a:latin typeface="微软雅黑" panose="020B0503020204020204" charset="-122"/>
                 <a:ea typeface="微软雅黑" panose="020B0503020204020204" charset="-122"/>
               </a:rPr>
+              <a:t>2021/12/23</a:t>
             </a:fld>
-            <a:endParaRPr lang="zh-CN" altLang="en-US" smtClean="0">
+            <a:endParaRPr lang="zh-CN" altLang="en-US">
               <a:latin typeface="微软雅黑" panose="020B0503020204020204" charset="-122"/>
               <a:ea typeface="微软雅黑" panose="020B0503020204020204" charset="-122"/>
             </a:endParaRPr>
@@ -291,8 +297,9 @@
                 <a:latin typeface="微软雅黑" panose="020B0503020204020204" charset="-122"/>
                 <a:ea typeface="微软雅黑" panose="020B0503020204020204" charset="-122"/>
               </a:rPr>
+              <a:t>‹#›</a:t>
             </a:fld>
-            <a:endParaRPr lang="zh-CN" altLang="en-US" smtClean="0">
+            <a:endParaRPr lang="zh-CN" altLang="en-US">
               <a:latin typeface="微软雅黑" panose="020B0503020204020204" charset="-122"/>
               <a:ea typeface="微软雅黑" panose="020B0503020204020204" charset="-122"/>
             </a:endParaRPr>
@@ -300,6 +307,11 @@
         </p:txBody>
       </p:sp>
     </p:spTree>
+    <p:extLst>
+      <p:ext uri="{BB962C8B-B14F-4D97-AF65-F5344CB8AC3E}">
+        <p14:creationId xmlns:p14="http://schemas.microsoft.com/office/powerpoint/2010/main" val="1"/>
+      </p:ext>
+    </p:extLst>
   </p:cSld>
   <p:clrMap bg1="lt1" tx1="dk1" bg2="lt2" tx2="dk2" accent1="accent1" accent2="accent2" accent3="accent3" accent4="accent4" accent5="accent5" accent6="accent6" hlink="hlink" folHlink="folHlink"/>
 </p:handoutMaster>
@@ -393,6 +405,7 @@
           <a:p>
             <a:fld id="{1AC49D05-6128-4D0D-A32A-06A5E73B386C}" type="datetimeFigureOut">
               <a:rPr lang="zh-CN" altLang="en-US" smtClean="0"/>
+              <a:t>2021/12/23</a:t>
             </a:fld>
             <a:endParaRPr lang="zh-CN" altLang="en-US"/>
           </a:p>
@@ -459,7 +472,6 @@
               <a:rPr lang="zh-CN" altLang="en-US"/>
               <a:t>单击此处编辑母版文本样式</a:t>
             </a:r>
-            <a:endParaRPr lang="zh-CN" altLang="en-US"/>
           </a:p>
           <a:p>
             <a:pPr lvl="1"/>
@@ -467,7 +479,6 @@
               <a:rPr lang="zh-CN" altLang="en-US"/>
               <a:t>第二级</a:t>
             </a:r>
-            <a:endParaRPr lang="zh-CN" altLang="en-US"/>
           </a:p>
           <a:p>
             <a:pPr lvl="2"/>
@@ -475,7 +486,6 @@
               <a:rPr lang="zh-CN" altLang="en-US"/>
               <a:t>第三级</a:t>
             </a:r>
-            <a:endParaRPr lang="zh-CN" altLang="en-US"/>
           </a:p>
           <a:p>
             <a:pPr lvl="3"/>
@@ -483,7 +493,6 @@
               <a:rPr lang="zh-CN" altLang="en-US"/>
               <a:t>第四级</a:t>
             </a:r>
-            <a:endParaRPr lang="zh-CN" altLang="en-US"/>
           </a:p>
           <a:p>
             <a:pPr lvl="4"/>
@@ -491,7 +500,6 @@
               <a:rPr lang="zh-CN" altLang="en-US"/>
               <a:t>第五级</a:t>
             </a:r>
-            <a:endParaRPr lang="zh-CN" altLang="en-US"/>
           </a:p>
         </p:txBody>
       </p:sp>
@@ -561,6 +569,7 @@
           <a:p>
             <a:fld id="{5849F42C-2DAE-424C-A4B8-3140182C3E9F}" type="slidenum">
               <a:rPr lang="zh-CN" altLang="en-US" smtClean="0"/>
+              <a:t>‹#›</a:t>
             </a:fld>
             <a:endParaRPr lang="zh-CN" altLang="en-US"/>
           </a:p>
@@ -712,7 +721,6 @@
               <a:rPr lang="zh-CN" altLang="en-US"/>
               <a:t>ss</a:t>
             </a:r>
-            <a:endParaRPr lang="zh-CN" altLang="en-US"/>
           </a:p>
         </p:txBody>
       </p:sp>
@@ -733,6 +741,7 @@
           <a:p>
             <a:fld id="{85D0DACE-38E0-42D2-9336-2B707D34BC6D}" type="slidenum">
               <a:rPr lang="zh-CN" altLang="en-US" smtClean="0"/>
+              <a:t>1</a:t>
             </a:fld>
             <a:endParaRPr lang="zh-CN" altLang="en-US"/>
           </a:p>
@@ -783,6 +792,7 @@
           <a:bodyPr wrap="none" rtlCol="0">
             <a:spAutoFit/>
           </a:bodyPr>
+          <a:lstStyle/>
           <a:p>
             <a:r>
               <a:rPr lang="zh-CN" altLang="en-US" sz="3600">
@@ -808,11 +818,6 @@
               </a:rPr>
               <a:t>群进行交流，</a:t>
             </a:r>
-            <a:endParaRPr lang="zh-CN" altLang="en-US" sz="3600">
-              <a:latin typeface="+mj-ea"/>
-              <a:ea typeface="+mj-ea"/>
-              <a:cs typeface="+mj-ea"/>
-            </a:endParaRPr>
           </a:p>
           <a:p>
             <a:r>
@@ -823,11 +828,6 @@
               </a:rPr>
               <a:t>获得代码、课件等资料：</a:t>
             </a:r>
-            <a:endParaRPr lang="zh-CN" altLang="en-US" sz="3600">
-              <a:latin typeface="+mj-ea"/>
-              <a:ea typeface="+mj-ea"/>
-              <a:cs typeface="+mj-ea"/>
-            </a:endParaRPr>
           </a:p>
         </p:txBody>
       </p:sp>
@@ -851,6 +851,7 @@
           <a:bodyPr wrap="square" rtlCol="0">
             <a:spAutoFit/>
           </a:bodyPr>
+          <a:lstStyle/>
           <a:p>
             <a:pPr algn="l"/>
             <a:r>
@@ -869,7 +870,6 @@
               <a:rPr lang="zh-CN" altLang="en-US" sz="4000"/>
               <a:t>！</a:t>
             </a:r>
-            <a:endParaRPr lang="zh-CN" altLang="en-US" sz="4000"/>
           </a:p>
         </p:txBody>
       </p:sp>
@@ -931,7 +931,7 @@
           <p:nvPr>
             <p:ph type="body" idx="1"/>
             <p:custDataLst>
-              <p:tags r:id="rId2"/>
+              <p:tags r:id="rId1"/>
             </p:custDataLst>
           </p:nvPr>
         </p:nvSpPr>
@@ -1046,7 +1046,6 @@
               <a:rPr lang="zh-CN" altLang="en-US" dirty="0"/>
               <a:t>单击此处编辑母版文本样式</a:t>
             </a:r>
-            <a:endParaRPr lang="zh-CN" altLang="en-US" dirty="0"/>
           </a:p>
         </p:txBody>
       </p:sp>
@@ -1070,6 +1069,7 @@
           <a:bodyPr wrap="square" rtlCol="0">
             <a:spAutoFit/>
           </a:bodyPr>
+          <a:lstStyle/>
           <a:p>
             <a:pPr algn="ctr"/>
             <a:r>
@@ -1079,10 +1079,6 @@
               </a:rPr>
               <a:t>扩展阅读</a:t>
             </a:r>
-            <a:endParaRPr lang="zh-CN" altLang="en-US" sz="2800" b="1">
-              <a:latin typeface="+mj-ea"/>
-              <a:ea typeface="+mj-ea"/>
-            </a:endParaRPr>
           </a:p>
         </p:txBody>
       </p:sp>
@@ -1120,7 +1116,7 @@
           <p:nvPr>
             <p:ph type="dt" sz="half" idx="10"/>
             <p:custDataLst>
-              <p:tags r:id="rId2"/>
+              <p:tags r:id="rId1"/>
             </p:custDataLst>
           </p:nvPr>
         </p:nvSpPr>
@@ -1136,6 +1132,7 @@
           <a:p>
             <a:fld id="{9EFD9D74-47D9-4702-A33C-335B63B48DBF}" type="datetimeFigureOut">
               <a:rPr lang="zh-CN" altLang="en-US" smtClean="0"/>
+              <a:t>2021/12/23</a:t>
             </a:fld>
             <a:endParaRPr lang="zh-CN" altLang="en-US" dirty="0"/>
           </a:p>
@@ -1150,7 +1147,7 @@
           <p:nvPr>
             <p:ph type="ftr" sz="quarter" idx="11"/>
             <p:custDataLst>
-              <p:tags r:id="rId3"/>
+              <p:tags r:id="rId2"/>
             </p:custDataLst>
           </p:nvPr>
         </p:nvSpPr>
@@ -1177,7 +1174,7 @@
           <p:nvPr>
             <p:ph type="sldNum" sz="quarter" idx="12"/>
             <p:custDataLst>
-              <p:tags r:id="rId4"/>
+              <p:tags r:id="rId3"/>
             </p:custDataLst>
           </p:nvPr>
         </p:nvSpPr>
@@ -1193,6 +1190,7 @@
           <a:p>
             <a:fld id="{FABC47A4-756D-490B-A52F-7D9E2C9FC05F}" type="slidenum">
               <a:rPr lang="zh-CN" altLang="en-US" smtClean="0"/>
+              <a:t>‹#›</a:t>
             </a:fld>
             <a:endParaRPr lang="zh-CN" altLang="en-US"/>
           </a:p>
@@ -1218,6 +1216,7 @@
           <a:bodyPr wrap="square" rtlCol="0">
             <a:spAutoFit/>
           </a:bodyPr>
+          <a:lstStyle/>
           <a:p>
             <a:pPr algn="ctr"/>
             <a:r>
@@ -1228,11 +1227,6 @@
               </a:rPr>
               <a:t>问答</a:t>
             </a:r>
-            <a:endParaRPr lang="zh-CN" altLang="en-US" sz="5400">
-              <a:latin typeface="+mj-ea"/>
-              <a:ea typeface="+mj-ea"/>
-              <a:cs typeface="+mj-ea"/>
-            </a:endParaRPr>
           </a:p>
         </p:txBody>
       </p:sp>
@@ -1270,7 +1264,7 @@
           <p:nvPr>
             <p:ph type="body" idx="1"/>
             <p:custDataLst>
-              <p:tags r:id="rId2"/>
+              <p:tags r:id="rId1"/>
             </p:custDataLst>
           </p:nvPr>
         </p:nvSpPr>
@@ -1385,7 +1379,6 @@
               <a:rPr lang="zh-CN" altLang="en-US" dirty="0"/>
               <a:t>单击此处编辑母版文本样式</a:t>
             </a:r>
-            <a:endParaRPr lang="zh-CN" altLang="en-US" dirty="0"/>
           </a:p>
         </p:txBody>
       </p:sp>
@@ -1409,6 +1402,7 @@
           <a:bodyPr wrap="square" rtlCol="0">
             <a:spAutoFit/>
           </a:bodyPr>
+          <a:lstStyle/>
           <a:p>
             <a:pPr algn="ctr"/>
             <a:r>
@@ -1418,10 +1412,6 @@
               </a:rPr>
               <a:t>下节课预告</a:t>
             </a:r>
-            <a:endParaRPr lang="zh-CN" altLang="en-US" sz="2800" b="1">
-              <a:latin typeface="+mj-ea"/>
-              <a:ea typeface="+mj-ea"/>
-            </a:endParaRPr>
           </a:p>
         </p:txBody>
       </p:sp>
@@ -1459,7 +1449,7 @@
           <p:nvPr>
             <p:ph type="dt" sz="half" idx="10"/>
             <p:custDataLst>
-              <p:tags r:id="rId2"/>
+              <p:tags r:id="rId1"/>
             </p:custDataLst>
           </p:nvPr>
         </p:nvSpPr>
@@ -1475,6 +1465,7 @@
           <a:p>
             <a:fld id="{760FBDFE-C587-4B4C-A407-44438C67B59E}" type="datetimeFigureOut">
               <a:rPr lang="zh-CN" altLang="en-US" smtClean="0"/>
+              <a:t>2021/12/23</a:t>
             </a:fld>
             <a:endParaRPr lang="zh-CN" altLang="en-US"/>
           </a:p>
@@ -1489,7 +1480,7 @@
           <p:nvPr>
             <p:ph type="ftr" sz="quarter" idx="11"/>
             <p:custDataLst>
-              <p:tags r:id="rId3"/>
+              <p:tags r:id="rId2"/>
             </p:custDataLst>
           </p:nvPr>
         </p:nvSpPr>
@@ -1516,7 +1507,7 @@
           <p:nvPr>
             <p:ph type="sldNum" sz="quarter" idx="12"/>
             <p:custDataLst>
-              <p:tags r:id="rId4"/>
+              <p:tags r:id="rId3"/>
             </p:custDataLst>
           </p:nvPr>
         </p:nvSpPr>
@@ -1532,6 +1523,7 @@
           <a:p>
             <a:fld id="{49AE70B2-8BF9-45C0-BB95-33D1B9D3A854}" type="slidenum">
               <a:rPr lang="zh-CN" altLang="en-US" smtClean="0"/>
+              <a:t>‹#›</a:t>
             </a:fld>
             <a:endParaRPr lang="zh-CN" altLang="en-US"/>
           </a:p>
@@ -1546,7 +1538,7 @@
           <p:nvPr>
             <p:ph type="title" hasCustomPrompt="1"/>
             <p:custDataLst>
-              <p:tags r:id="rId5"/>
+              <p:tags r:id="rId4"/>
             </p:custDataLst>
           </p:nvPr>
         </p:nvSpPr>
@@ -1593,9 +1585,6 @@
               </a:rPr>
               <a:t>单击此处编辑标题</a:t>
             </a:r>
-            <a:endParaRPr>
-              <a:sym typeface="+mn-ea"/>
-            </a:endParaRPr>
           </a:p>
         </p:txBody>
       </p:sp>
@@ -1633,7 +1622,7 @@
           <p:nvPr>
             <p:ph type="dt" sz="half" idx="10"/>
             <p:custDataLst>
-              <p:tags r:id="rId2"/>
+              <p:tags r:id="rId1"/>
             </p:custDataLst>
           </p:nvPr>
         </p:nvSpPr>
@@ -1649,6 +1638,7 @@
           <a:p>
             <a:fld id="{9EFD9D74-47D9-4702-A33C-335B63B48DBF}" type="datetimeFigureOut">
               <a:rPr lang="zh-CN" altLang="en-US" smtClean="0"/>
+              <a:t>2021/12/23</a:t>
             </a:fld>
             <a:endParaRPr lang="zh-CN" altLang="en-US" dirty="0"/>
           </a:p>
@@ -1663,7 +1653,7 @@
           <p:nvPr>
             <p:ph type="ftr" sz="quarter" idx="11"/>
             <p:custDataLst>
-              <p:tags r:id="rId3"/>
+              <p:tags r:id="rId2"/>
             </p:custDataLst>
           </p:nvPr>
         </p:nvSpPr>
@@ -1690,7 +1680,7 @@
           <p:nvPr>
             <p:ph type="sldNum" sz="quarter" idx="12"/>
             <p:custDataLst>
-              <p:tags r:id="rId4"/>
+              <p:tags r:id="rId3"/>
             </p:custDataLst>
           </p:nvPr>
         </p:nvSpPr>
@@ -1706,6 +1696,7 @@
           <a:p>
             <a:fld id="{FABC47A4-756D-490B-A52F-7D9E2C9FC05F}" type="slidenum">
               <a:rPr lang="zh-CN" altLang="en-US" smtClean="0"/>
+              <a:t>‹#›</a:t>
             </a:fld>
             <a:endParaRPr lang="zh-CN" altLang="en-US"/>
           </a:p>
@@ -1731,6 +1722,7 @@
           <a:bodyPr wrap="square" rtlCol="0">
             <a:spAutoFit/>
           </a:bodyPr>
+          <a:lstStyle/>
           <a:p>
             <a:pPr algn="ctr"/>
             <a:r>
@@ -1749,11 +1741,6 @@
               </a:rPr>
               <a:t>~</a:t>
             </a:r>
-            <a:endParaRPr lang="en-US" altLang="zh-CN" sz="5400">
-              <a:latin typeface="+mj-ea"/>
-              <a:ea typeface="+mj-ea"/>
-              <a:cs typeface="+mj-ea"/>
-            </a:endParaRPr>
           </a:p>
         </p:txBody>
       </p:sp>
@@ -1791,7 +1778,7 @@
           <p:nvPr>
             <p:ph type="title"/>
             <p:custDataLst>
-              <p:tags r:id="rId2"/>
+              <p:tags r:id="rId1"/>
             </p:custDataLst>
           </p:nvPr>
         </p:nvSpPr>
@@ -1831,9 +1818,6 @@
               </a:rPr>
               <a:t>单击此处编辑母版标题样式</a:t>
             </a:r>
-            <a:endParaRPr dirty="0">
-              <a:sym typeface="+mn-ea"/>
-            </a:endParaRPr>
           </a:p>
         </p:txBody>
       </p:sp>
@@ -1846,7 +1830,7 @@
           <p:nvPr>
             <p:ph sz="half" idx="1"/>
             <p:custDataLst>
-              <p:tags r:id="rId3"/>
+              <p:tags r:id="rId2"/>
             </p:custDataLst>
           </p:nvPr>
         </p:nvSpPr>
@@ -2003,9 +1987,6 @@
               </a:rPr>
               <a:t>单击此处编辑母版文本样式</a:t>
             </a:r>
-            <a:endParaRPr dirty="0">
-              <a:sym typeface="+mn-ea"/>
-            </a:endParaRPr>
           </a:p>
           <a:p>
             <a:pPr lvl="1"/>
@@ -2015,9 +1996,6 @@
               </a:rPr>
               <a:t>第二级</a:t>
             </a:r>
-            <a:endParaRPr dirty="0">
-              <a:sym typeface="+mn-ea"/>
-            </a:endParaRPr>
           </a:p>
           <a:p>
             <a:pPr lvl="2"/>
@@ -2027,9 +2005,6 @@
               </a:rPr>
               <a:t>第三级</a:t>
             </a:r>
-            <a:endParaRPr dirty="0">
-              <a:sym typeface="+mn-ea"/>
-            </a:endParaRPr>
           </a:p>
           <a:p>
             <a:pPr lvl="3"/>
@@ -2039,9 +2014,6 @@
               </a:rPr>
               <a:t>第四级</a:t>
             </a:r>
-            <a:endParaRPr dirty="0">
-              <a:sym typeface="+mn-ea"/>
-            </a:endParaRPr>
           </a:p>
           <a:p>
             <a:pPr lvl="4"/>
@@ -2051,9 +2023,6 @@
               </a:rPr>
               <a:t>第五级</a:t>
             </a:r>
-            <a:endParaRPr dirty="0">
-              <a:sym typeface="+mn-ea"/>
-            </a:endParaRPr>
           </a:p>
         </p:txBody>
       </p:sp>
@@ -2066,7 +2035,7 @@
           <p:nvPr>
             <p:ph sz="half" idx="2"/>
             <p:custDataLst>
-              <p:tags r:id="rId4"/>
+              <p:tags r:id="rId3"/>
             </p:custDataLst>
           </p:nvPr>
         </p:nvSpPr>
@@ -2138,7 +2107,6 @@
               <a:rPr lang="zh-CN" altLang="en-US" dirty="0"/>
               <a:t>单击此处编辑母版文本样式</a:t>
             </a:r>
-            <a:endParaRPr lang="zh-CN" altLang="en-US" dirty="0"/>
           </a:p>
           <a:p>
             <a:pPr lvl="1"/>
@@ -2146,7 +2114,6 @@
               <a:rPr lang="zh-CN" altLang="en-US" dirty="0"/>
               <a:t>第二级</a:t>
             </a:r>
-            <a:endParaRPr lang="zh-CN" altLang="en-US" dirty="0"/>
           </a:p>
           <a:p>
             <a:pPr lvl="2"/>
@@ -2154,7 +2121,6 @@
               <a:rPr lang="zh-CN" altLang="en-US" dirty="0"/>
               <a:t>第三级</a:t>
             </a:r>
-            <a:endParaRPr lang="zh-CN" altLang="en-US" dirty="0"/>
           </a:p>
           <a:p>
             <a:pPr lvl="3"/>
@@ -2162,7 +2128,6 @@
               <a:rPr lang="zh-CN" altLang="en-US" dirty="0"/>
               <a:t>第四级</a:t>
             </a:r>
-            <a:endParaRPr lang="zh-CN" altLang="en-US" dirty="0"/>
           </a:p>
           <a:p>
             <a:pPr lvl="4"/>
@@ -2170,7 +2135,6 @@
               <a:rPr lang="zh-CN" altLang="en-US" dirty="0"/>
               <a:t>第五级</a:t>
             </a:r>
-            <a:endParaRPr lang="zh-CN" altLang="en-US" dirty="0"/>
           </a:p>
         </p:txBody>
       </p:sp>
@@ -2183,7 +2147,7 @@
           <p:nvPr>
             <p:ph type="dt" sz="half" idx="10"/>
             <p:custDataLst>
-              <p:tags r:id="rId5"/>
+              <p:tags r:id="rId4"/>
             </p:custDataLst>
           </p:nvPr>
         </p:nvSpPr>
@@ -2199,6 +2163,7 @@
           <a:p>
             <a:fld id="{760FBDFE-C587-4B4C-A407-44438C67B59E}" type="datetimeFigureOut">
               <a:rPr lang="zh-CN" altLang="en-US" smtClean="0"/>
+              <a:t>2021/12/23</a:t>
             </a:fld>
             <a:endParaRPr lang="zh-CN" altLang="en-US"/>
           </a:p>
@@ -2213,7 +2178,7 @@
           <p:nvPr>
             <p:ph type="ftr" sz="quarter" idx="11"/>
             <p:custDataLst>
-              <p:tags r:id="rId6"/>
+              <p:tags r:id="rId5"/>
             </p:custDataLst>
           </p:nvPr>
         </p:nvSpPr>
@@ -2240,7 +2205,7 @@
           <p:nvPr>
             <p:ph type="sldNum" sz="quarter" idx="12"/>
             <p:custDataLst>
-              <p:tags r:id="rId7"/>
+              <p:tags r:id="rId6"/>
             </p:custDataLst>
           </p:nvPr>
         </p:nvSpPr>
@@ -2256,6 +2221,7 @@
           <a:p>
             <a:fld id="{49AE70B2-8BF9-45C0-BB95-33D1B9D3A854}" type="slidenum">
               <a:rPr lang="zh-CN" altLang="en-US" smtClean="0"/>
+              <a:t>‹#›</a:t>
             </a:fld>
             <a:endParaRPr lang="zh-CN" altLang="en-US"/>
           </a:p>
@@ -2295,7 +2261,7 @@
           <p:nvPr>
             <p:ph type="title"/>
             <p:custDataLst>
-              <p:tags r:id="rId2"/>
+              <p:tags r:id="rId1"/>
             </p:custDataLst>
           </p:nvPr>
         </p:nvSpPr>
@@ -2335,9 +2301,6 @@
               </a:rPr>
               <a:t>单击此处编辑母版标题样式</a:t>
             </a:r>
-            <a:endParaRPr dirty="0">
-              <a:sym typeface="+mn-ea"/>
-            </a:endParaRPr>
           </a:p>
         </p:txBody>
       </p:sp>
@@ -2350,7 +2313,7 @@
           <p:nvPr>
             <p:ph type="body" idx="1" hasCustomPrompt="1"/>
             <p:custDataLst>
-              <p:tags r:id="rId3"/>
+              <p:tags r:id="rId2"/>
             </p:custDataLst>
           </p:nvPr>
         </p:nvSpPr>
@@ -2419,7 +2382,6 @@
               <a:rPr lang="zh-CN" altLang="en-US" dirty="0"/>
               <a:t>单击此处编辑文本</a:t>
             </a:r>
-            <a:endParaRPr lang="zh-CN" altLang="en-US" dirty="0"/>
           </a:p>
         </p:txBody>
       </p:sp>
@@ -2432,7 +2394,7 @@
           <p:nvPr>
             <p:ph sz="half" idx="2"/>
             <p:custDataLst>
-              <p:tags r:id="rId4"/>
+              <p:tags r:id="rId3"/>
             </p:custDataLst>
           </p:nvPr>
         </p:nvSpPr>
@@ -2589,9 +2551,6 @@
               </a:rPr>
               <a:t>单击此处编辑母版文本样式</a:t>
             </a:r>
-            <a:endParaRPr dirty="0">
-              <a:sym typeface="+mn-ea"/>
-            </a:endParaRPr>
           </a:p>
           <a:p>
             <a:pPr lvl="1"/>
@@ -2601,9 +2560,6 @@
               </a:rPr>
               <a:t>第二级</a:t>
             </a:r>
-            <a:endParaRPr dirty="0">
-              <a:sym typeface="+mn-ea"/>
-            </a:endParaRPr>
           </a:p>
           <a:p>
             <a:pPr lvl="2"/>
@@ -2613,9 +2569,6 @@
               </a:rPr>
               <a:t>第三级</a:t>
             </a:r>
-            <a:endParaRPr dirty="0">
-              <a:sym typeface="+mn-ea"/>
-            </a:endParaRPr>
           </a:p>
           <a:p>
             <a:pPr lvl="3"/>
@@ -2625,9 +2578,6 @@
               </a:rPr>
               <a:t>第四级</a:t>
             </a:r>
-            <a:endParaRPr dirty="0">
-              <a:sym typeface="+mn-ea"/>
-            </a:endParaRPr>
           </a:p>
           <a:p>
             <a:pPr lvl="4"/>
@@ -2637,9 +2587,6 @@
               </a:rPr>
               <a:t>第五级</a:t>
             </a:r>
-            <a:endParaRPr dirty="0">
-              <a:sym typeface="+mn-ea"/>
-            </a:endParaRPr>
           </a:p>
         </p:txBody>
       </p:sp>
@@ -2652,7 +2599,7 @@
           <p:nvPr>
             <p:ph type="body" sz="quarter" idx="3" hasCustomPrompt="1"/>
             <p:custDataLst>
-              <p:tags r:id="rId5"/>
+              <p:tags r:id="rId4"/>
             </p:custDataLst>
           </p:nvPr>
         </p:nvSpPr>
@@ -2731,9 +2678,6 @@
               </a:rPr>
               <a:t>单击此处编辑文本</a:t>
             </a:r>
-            <a:endParaRPr>
-              <a:sym typeface="+mn-ea"/>
-            </a:endParaRPr>
           </a:p>
         </p:txBody>
       </p:sp>
@@ -2746,7 +2690,7 @@
           <p:nvPr>
             <p:ph sz="quarter" idx="4"/>
             <p:custDataLst>
-              <p:tags r:id="rId6"/>
+              <p:tags r:id="rId5"/>
             </p:custDataLst>
           </p:nvPr>
         </p:nvSpPr>
@@ -2903,9 +2847,6 @@
               </a:rPr>
               <a:t>单击此处编辑母版文本样式</a:t>
             </a:r>
-            <a:endParaRPr dirty="0">
-              <a:sym typeface="+mn-ea"/>
-            </a:endParaRPr>
           </a:p>
           <a:p>
             <a:pPr lvl="1"/>
@@ -2915,9 +2856,6 @@
               </a:rPr>
               <a:t>第二级</a:t>
             </a:r>
-            <a:endParaRPr dirty="0">
-              <a:sym typeface="+mn-ea"/>
-            </a:endParaRPr>
           </a:p>
           <a:p>
             <a:pPr lvl="2"/>
@@ -2927,9 +2865,6 @@
               </a:rPr>
               <a:t>第三级</a:t>
             </a:r>
-            <a:endParaRPr dirty="0">
-              <a:sym typeface="+mn-ea"/>
-            </a:endParaRPr>
           </a:p>
           <a:p>
             <a:pPr lvl="3"/>
@@ -2939,9 +2874,6 @@
               </a:rPr>
               <a:t>第四级</a:t>
             </a:r>
-            <a:endParaRPr dirty="0">
-              <a:sym typeface="+mn-ea"/>
-            </a:endParaRPr>
           </a:p>
           <a:p>
             <a:pPr lvl="4"/>
@@ -2951,9 +2883,6 @@
               </a:rPr>
               <a:t>第五级</a:t>
             </a:r>
-            <a:endParaRPr dirty="0">
-              <a:sym typeface="+mn-ea"/>
-            </a:endParaRPr>
           </a:p>
         </p:txBody>
       </p:sp>
@@ -2966,7 +2895,7 @@
           <p:nvPr>
             <p:ph type="dt" sz="half" idx="10"/>
             <p:custDataLst>
-              <p:tags r:id="rId7"/>
+              <p:tags r:id="rId6"/>
             </p:custDataLst>
           </p:nvPr>
         </p:nvSpPr>
@@ -2982,6 +2911,7 @@
           <a:p>
             <a:fld id="{760FBDFE-C587-4B4C-A407-44438C67B59E}" type="datetimeFigureOut">
               <a:rPr lang="zh-CN" altLang="en-US" smtClean="0"/>
+              <a:t>2021/12/23</a:t>
             </a:fld>
             <a:endParaRPr lang="zh-CN" altLang="en-US"/>
           </a:p>
@@ -2996,7 +2926,7 @@
           <p:nvPr>
             <p:ph type="ftr" sz="quarter" idx="11"/>
             <p:custDataLst>
-              <p:tags r:id="rId8"/>
+              <p:tags r:id="rId7"/>
             </p:custDataLst>
           </p:nvPr>
         </p:nvSpPr>
@@ -3023,7 +2953,7 @@
           <p:nvPr>
             <p:ph type="sldNum" sz="quarter" idx="12"/>
             <p:custDataLst>
-              <p:tags r:id="rId9"/>
+              <p:tags r:id="rId8"/>
             </p:custDataLst>
           </p:nvPr>
         </p:nvSpPr>
@@ -3039,6 +2969,7 @@
           <a:p>
             <a:fld id="{49AE70B2-8BF9-45C0-BB95-33D1B9D3A854}" type="slidenum">
               <a:rPr lang="zh-CN" altLang="en-US" smtClean="0"/>
+              <a:t>‹#›</a:t>
             </a:fld>
             <a:endParaRPr lang="zh-CN" altLang="en-US"/>
           </a:p>
@@ -3078,7 +3009,7 @@
           <p:nvPr>
             <p:ph type="title"/>
             <p:custDataLst>
-              <p:tags r:id="rId2"/>
+              <p:tags r:id="rId1"/>
             </p:custDataLst>
           </p:nvPr>
         </p:nvSpPr>
@@ -3118,9 +3049,6 @@
               </a:rPr>
               <a:t>单击此处编辑母版标题样式</a:t>
             </a:r>
-            <a:endParaRPr>
-              <a:sym typeface="+mn-ea"/>
-            </a:endParaRPr>
           </a:p>
         </p:txBody>
       </p:sp>
@@ -3133,7 +3061,7 @@
           <p:nvPr>
             <p:ph type="dt" sz="half" idx="10"/>
             <p:custDataLst>
-              <p:tags r:id="rId3"/>
+              <p:tags r:id="rId2"/>
             </p:custDataLst>
           </p:nvPr>
         </p:nvSpPr>
@@ -3149,6 +3077,7 @@
           <a:p>
             <a:fld id="{760FBDFE-C587-4B4C-A407-44438C67B59E}" type="datetimeFigureOut">
               <a:rPr lang="zh-CN" altLang="en-US" smtClean="0"/>
+              <a:t>2021/12/23</a:t>
             </a:fld>
             <a:endParaRPr lang="zh-CN" altLang="en-US"/>
           </a:p>
@@ -3163,7 +3092,7 @@
           <p:nvPr>
             <p:ph type="ftr" sz="quarter" idx="11"/>
             <p:custDataLst>
-              <p:tags r:id="rId4"/>
+              <p:tags r:id="rId3"/>
             </p:custDataLst>
           </p:nvPr>
         </p:nvSpPr>
@@ -3190,7 +3119,7 @@
           <p:nvPr>
             <p:ph type="sldNum" sz="quarter" idx="12"/>
             <p:custDataLst>
-              <p:tags r:id="rId5"/>
+              <p:tags r:id="rId4"/>
             </p:custDataLst>
           </p:nvPr>
         </p:nvSpPr>
@@ -3206,6 +3135,7 @@
           <a:p>
             <a:fld id="{49AE70B2-8BF9-45C0-BB95-33D1B9D3A854}" type="slidenum">
               <a:rPr lang="zh-CN" altLang="en-US" smtClean="0"/>
+              <a:t>‹#›</a:t>
             </a:fld>
             <a:endParaRPr lang="zh-CN" altLang="en-US"/>
           </a:p>
@@ -3245,7 +3175,7 @@
           <p:nvPr>
             <p:ph type="dt" sz="half" idx="10"/>
             <p:custDataLst>
-              <p:tags r:id="rId2"/>
+              <p:tags r:id="rId1"/>
             </p:custDataLst>
           </p:nvPr>
         </p:nvSpPr>
@@ -3261,6 +3191,7 @@
           <a:p>
             <a:fld id="{760FBDFE-C587-4B4C-A407-44438C67B59E}" type="datetimeFigureOut">
               <a:rPr lang="zh-CN" altLang="en-US" smtClean="0"/>
+              <a:t>2021/12/23</a:t>
             </a:fld>
             <a:endParaRPr lang="zh-CN" altLang="en-US"/>
           </a:p>
@@ -3275,7 +3206,7 @@
           <p:nvPr>
             <p:ph type="ftr" sz="quarter" idx="11"/>
             <p:custDataLst>
-              <p:tags r:id="rId3"/>
+              <p:tags r:id="rId2"/>
             </p:custDataLst>
           </p:nvPr>
         </p:nvSpPr>
@@ -3302,7 +3233,7 @@
           <p:nvPr>
             <p:ph type="sldNum" sz="quarter" idx="12"/>
             <p:custDataLst>
-              <p:tags r:id="rId4"/>
+              <p:tags r:id="rId3"/>
             </p:custDataLst>
           </p:nvPr>
         </p:nvSpPr>
@@ -3318,6 +3249,7 @@
           <a:p>
             <a:fld id="{49AE70B2-8BF9-45C0-BB95-33D1B9D3A854}" type="slidenum">
               <a:rPr lang="zh-CN" altLang="en-US" smtClean="0"/>
+              <a:t>‹#›</a:t>
             </a:fld>
             <a:endParaRPr lang="zh-CN" altLang="en-US"/>
           </a:p>
@@ -3357,7 +3289,7 @@
           <p:nvPr>
             <p:ph type="pic" idx="1"/>
             <p:custDataLst>
-              <p:tags r:id="rId2"/>
+              <p:tags r:id="rId1"/>
             </p:custDataLst>
           </p:nvPr>
         </p:nvSpPr>
@@ -3511,7 +3443,7 @@
           <p:nvPr>
             <p:ph type="body" sz="half" idx="2"/>
             <p:custDataLst>
-              <p:tags r:id="rId3"/>
+              <p:tags r:id="rId2"/>
             </p:custDataLst>
           </p:nvPr>
         </p:nvSpPr>
@@ -3561,9 +3493,6 @@
               </a:rPr>
               <a:t>单击此处编辑母版文本样式</a:t>
             </a:r>
-            <a:endParaRPr>
-              <a:sym typeface="+mn-ea"/>
-            </a:endParaRPr>
           </a:p>
         </p:txBody>
       </p:sp>
@@ -3576,7 +3505,7 @@
           <p:nvPr>
             <p:ph type="dt" sz="half" idx="10"/>
             <p:custDataLst>
-              <p:tags r:id="rId4"/>
+              <p:tags r:id="rId3"/>
             </p:custDataLst>
           </p:nvPr>
         </p:nvSpPr>
@@ -3592,6 +3521,7 @@
           <a:p>
             <a:fld id="{9EFD9D74-47D9-4702-A33C-335B63B48DBF}" type="datetimeFigureOut">
               <a:rPr lang="zh-CN" altLang="en-US" smtClean="0"/>
+              <a:t>2021/12/23</a:t>
             </a:fld>
             <a:endParaRPr lang="zh-CN" altLang="en-US" dirty="0"/>
           </a:p>
@@ -3606,7 +3536,7 @@
           <p:nvPr>
             <p:ph type="ftr" sz="quarter" idx="11"/>
             <p:custDataLst>
-              <p:tags r:id="rId5"/>
+              <p:tags r:id="rId4"/>
             </p:custDataLst>
           </p:nvPr>
         </p:nvSpPr>
@@ -3633,7 +3563,7 @@
           <p:nvPr>
             <p:ph type="sldNum" sz="quarter" idx="12"/>
             <p:custDataLst>
-              <p:tags r:id="rId6"/>
+              <p:tags r:id="rId5"/>
             </p:custDataLst>
           </p:nvPr>
         </p:nvSpPr>
@@ -3649,6 +3579,7 @@
           <a:p>
             <a:fld id="{FABC47A4-756D-490B-A52F-7D9E2C9FC05F}" type="slidenum">
               <a:rPr lang="zh-CN" altLang="en-US" smtClean="0"/>
+              <a:t>‹#›</a:t>
             </a:fld>
             <a:endParaRPr lang="zh-CN" altLang="en-US"/>
           </a:p>
@@ -3663,7 +3594,7 @@
           <p:nvPr>
             <p:ph type="title"/>
             <p:custDataLst>
-              <p:tags r:id="rId7"/>
+              <p:tags r:id="rId6"/>
             </p:custDataLst>
           </p:nvPr>
         </p:nvSpPr>
@@ -3681,7 +3612,6 @@
               <a:rPr lang="zh-CN" altLang="en-US"/>
               <a:t>单击此处编辑母版标题样式</a:t>
             </a:r>
-            <a:endParaRPr lang="zh-CN" altLang="en-US"/>
           </a:p>
         </p:txBody>
       </p:sp>
@@ -3719,7 +3649,7 @@
           <p:nvPr>
             <p:ph type="body" idx="1"/>
             <p:custDataLst>
-              <p:tags r:id="rId2"/>
+              <p:tags r:id="rId1"/>
             </p:custDataLst>
           </p:nvPr>
         </p:nvSpPr>
@@ -3834,7 +3764,6 @@
               <a:rPr lang="zh-CN" altLang="en-US" dirty="0"/>
               <a:t>单击此处编辑母版文本样式</a:t>
             </a:r>
-            <a:endParaRPr lang="zh-CN" altLang="en-US" dirty="0"/>
           </a:p>
         </p:txBody>
       </p:sp>
@@ -3847,7 +3776,7 @@
           <p:nvPr>
             <p:ph type="title"/>
             <p:custDataLst>
-              <p:tags r:id="rId3"/>
+              <p:tags r:id="rId2"/>
             </p:custDataLst>
           </p:nvPr>
         </p:nvSpPr>
@@ -3887,9 +3816,6 @@
               </a:rPr>
               <a:t>单击此处编辑母版标题样式</a:t>
             </a:r>
-            <a:endParaRPr>
-              <a:sym typeface="+mn-ea"/>
-            </a:endParaRPr>
           </a:p>
         </p:txBody>
       </p:sp>
@@ -3927,7 +3853,7 @@
           <p:nvPr>
             <p:ph type="title" orient="vert"/>
             <p:custDataLst>
-              <p:tags r:id="rId2"/>
+              <p:tags r:id="rId1"/>
             </p:custDataLst>
           </p:nvPr>
         </p:nvSpPr>
@@ -3970,9 +3896,6 @@
               </a:rPr>
               <a:t>单击此处编辑母版标题样式</a:t>
             </a:r>
-            <a:endParaRPr>
-              <a:sym typeface="+mn-ea"/>
-            </a:endParaRPr>
           </a:p>
         </p:txBody>
       </p:sp>
@@ -3985,7 +3908,7 @@
           <p:nvPr>
             <p:ph type="body" orient="vert" idx="1"/>
             <p:custDataLst>
-              <p:tags r:id="rId3"/>
+              <p:tags r:id="rId2"/>
             </p:custDataLst>
           </p:nvPr>
         </p:nvSpPr>
@@ -4055,7 +3978,6 @@
               <a:rPr lang="zh-CN" altLang="en-US" dirty="0"/>
               <a:t>单击此处编辑母版文本样式</a:t>
             </a:r>
-            <a:endParaRPr lang="zh-CN" altLang="en-US" dirty="0"/>
           </a:p>
           <a:p>
             <a:pPr lvl="1"/>
@@ -4063,7 +3985,6 @@
               <a:rPr lang="zh-CN" altLang="en-US" dirty="0"/>
               <a:t>第二级</a:t>
             </a:r>
-            <a:endParaRPr lang="zh-CN" altLang="en-US" dirty="0"/>
           </a:p>
           <a:p>
             <a:pPr lvl="2"/>
@@ -4071,7 +3992,6 @@
               <a:rPr lang="zh-CN" altLang="en-US" dirty="0"/>
               <a:t>第三级</a:t>
             </a:r>
-            <a:endParaRPr lang="zh-CN" altLang="en-US" dirty="0"/>
           </a:p>
           <a:p>
             <a:pPr lvl="3"/>
@@ -4079,7 +3999,6 @@
               <a:rPr lang="zh-CN" altLang="en-US" dirty="0"/>
               <a:t>第四级</a:t>
             </a:r>
-            <a:endParaRPr lang="zh-CN" altLang="en-US" dirty="0"/>
           </a:p>
           <a:p>
             <a:pPr lvl="4"/>
@@ -4087,7 +4006,6 @@
               <a:rPr lang="zh-CN" altLang="en-US" dirty="0"/>
               <a:t>第五级</a:t>
             </a:r>
-            <a:endParaRPr lang="zh-CN" altLang="en-US" dirty="0"/>
           </a:p>
         </p:txBody>
       </p:sp>
@@ -4100,7 +4018,7 @@
           <p:nvPr>
             <p:ph type="dt" sz="half" idx="10"/>
             <p:custDataLst>
-              <p:tags r:id="rId4"/>
+              <p:tags r:id="rId3"/>
             </p:custDataLst>
           </p:nvPr>
         </p:nvSpPr>
@@ -4116,6 +4034,7 @@
           <a:p>
             <a:fld id="{760FBDFE-C587-4B4C-A407-44438C67B59E}" type="datetimeFigureOut">
               <a:rPr lang="zh-CN" altLang="en-US" smtClean="0"/>
+              <a:t>2021/12/23</a:t>
             </a:fld>
             <a:endParaRPr lang="zh-CN" altLang="en-US"/>
           </a:p>
@@ -4130,7 +4049,7 @@
           <p:nvPr>
             <p:ph type="ftr" sz="quarter" idx="11"/>
             <p:custDataLst>
-              <p:tags r:id="rId5"/>
+              <p:tags r:id="rId4"/>
             </p:custDataLst>
           </p:nvPr>
         </p:nvSpPr>
@@ -4157,7 +4076,7 @@
           <p:nvPr>
             <p:ph type="sldNum" sz="quarter" idx="12"/>
             <p:custDataLst>
-              <p:tags r:id="rId6"/>
+              <p:tags r:id="rId5"/>
             </p:custDataLst>
           </p:nvPr>
         </p:nvSpPr>
@@ -4173,6 +4092,7 @@
           <a:p>
             <a:fld id="{49AE70B2-8BF9-45C0-BB95-33D1B9D3A854}" type="slidenum">
               <a:rPr lang="zh-CN" altLang="en-US" smtClean="0"/>
+              <a:t>‹#›</a:t>
             </a:fld>
             <a:endParaRPr lang="zh-CN" altLang="en-US"/>
           </a:p>
@@ -4212,7 +4132,7 @@
           <p:nvPr>
             <p:ph type="dt" sz="half" idx="10"/>
             <p:custDataLst>
-              <p:tags r:id="rId2"/>
+              <p:tags r:id="rId1"/>
             </p:custDataLst>
           </p:nvPr>
         </p:nvSpPr>
@@ -4228,6 +4148,7 @@
           <a:p>
             <a:fld id="{760FBDFE-C587-4B4C-A407-44438C67B59E}" type="datetimeFigureOut">
               <a:rPr lang="zh-CN" altLang="en-US" smtClean="0"/>
+              <a:t>2021/12/23</a:t>
             </a:fld>
             <a:endParaRPr lang="zh-CN" altLang="en-US"/>
           </a:p>
@@ -4242,7 +4163,7 @@
           <p:nvPr>
             <p:ph type="ftr" sz="quarter" idx="11"/>
             <p:custDataLst>
-              <p:tags r:id="rId3"/>
+              <p:tags r:id="rId2"/>
             </p:custDataLst>
           </p:nvPr>
         </p:nvSpPr>
@@ -4269,7 +4190,7 @@
           <p:nvPr>
             <p:ph type="sldNum" sz="quarter" idx="12"/>
             <p:custDataLst>
-              <p:tags r:id="rId4"/>
+              <p:tags r:id="rId3"/>
             </p:custDataLst>
           </p:nvPr>
         </p:nvSpPr>
@@ -4285,6 +4206,7 @@
           <a:p>
             <a:fld id="{49AE70B2-8BF9-45C0-BB95-33D1B9D3A854}" type="slidenum">
               <a:rPr lang="zh-CN" altLang="en-US" smtClean="0"/>
+              <a:t>‹#›</a:t>
             </a:fld>
             <a:endParaRPr lang="zh-CN" altLang="en-US"/>
           </a:p>
@@ -4299,7 +4221,7 @@
           <p:nvPr>
             <p:ph sz="quarter" idx="13"/>
             <p:custDataLst>
-              <p:tags r:id="rId5"/>
+              <p:tags r:id="rId4"/>
             </p:custDataLst>
           </p:nvPr>
         </p:nvSpPr>
@@ -4369,7 +4291,6 @@
               <a:rPr lang="zh-CN" altLang="en-US" dirty="0"/>
               <a:t>单击此处编辑母版文本样式</a:t>
             </a:r>
-            <a:endParaRPr lang="zh-CN" altLang="en-US" dirty="0"/>
           </a:p>
           <a:p>
             <a:pPr lvl="1"/>
@@ -4377,7 +4298,6 @@
               <a:rPr lang="zh-CN" altLang="en-US" dirty="0"/>
               <a:t>第二级</a:t>
             </a:r>
-            <a:endParaRPr lang="zh-CN" altLang="en-US" dirty="0"/>
           </a:p>
           <a:p>
             <a:pPr lvl="2"/>
@@ -4385,7 +4305,6 @@
               <a:rPr lang="zh-CN" altLang="en-US" dirty="0"/>
               <a:t>第三级</a:t>
             </a:r>
-            <a:endParaRPr lang="zh-CN" altLang="en-US" dirty="0"/>
           </a:p>
           <a:p>
             <a:pPr lvl="3"/>
@@ -4393,7 +4312,6 @@
               <a:rPr lang="zh-CN" altLang="en-US" dirty="0"/>
               <a:t>第四级</a:t>
             </a:r>
-            <a:endParaRPr lang="zh-CN" altLang="en-US" dirty="0"/>
           </a:p>
           <a:p>
             <a:pPr lvl="4"/>
@@ -4401,7 +4319,6 @@
               <a:rPr lang="zh-CN" altLang="en-US" dirty="0"/>
               <a:t>第五级</a:t>
             </a:r>
-            <a:endParaRPr lang="zh-CN" altLang="en-US" dirty="0"/>
           </a:p>
         </p:txBody>
       </p:sp>
@@ -4439,7 +4356,7 @@
           <p:nvPr>
             <p:ph type="title"/>
             <p:custDataLst>
-              <p:tags r:id="rId2"/>
+              <p:tags r:id="rId1"/>
             </p:custDataLst>
           </p:nvPr>
         </p:nvSpPr>
@@ -4479,9 +4396,6 @@
               </a:rPr>
               <a:t>单击此处编辑母版标题样式</a:t>
             </a:r>
-            <a:endParaRPr dirty="0">
-              <a:sym typeface="+mn-ea"/>
-            </a:endParaRPr>
           </a:p>
         </p:txBody>
       </p:sp>
@@ -4494,7 +4408,7 @@
           <p:nvPr>
             <p:ph type="body" idx="1" hasCustomPrompt="1"/>
             <p:custDataLst>
-              <p:tags r:id="rId3"/>
+              <p:tags r:id="rId2"/>
             </p:custDataLst>
           </p:nvPr>
         </p:nvSpPr>
@@ -4563,7 +4477,6 @@
               <a:rPr lang="zh-CN" altLang="en-US" dirty="0"/>
               <a:t>单击此处编辑文本</a:t>
             </a:r>
-            <a:endParaRPr lang="zh-CN" altLang="en-US" dirty="0"/>
           </a:p>
         </p:txBody>
       </p:sp>
@@ -4576,7 +4489,7 @@
           <p:nvPr>
             <p:ph sz="half" idx="2" hasCustomPrompt="1"/>
             <p:custDataLst>
-              <p:tags r:id="rId4"/>
+              <p:tags r:id="rId3"/>
             </p:custDataLst>
           </p:nvPr>
         </p:nvSpPr>
@@ -4742,7 +4655,7 @@
           <p:nvPr>
             <p:ph type="dt" sz="half" idx="10"/>
             <p:custDataLst>
-              <p:tags r:id="rId5"/>
+              <p:tags r:id="rId4"/>
             </p:custDataLst>
           </p:nvPr>
         </p:nvSpPr>
@@ -4758,6 +4671,7 @@
           <a:p>
             <a:fld id="{760FBDFE-C587-4B4C-A407-44438C67B59E}" type="datetimeFigureOut">
               <a:rPr lang="zh-CN" altLang="en-US" smtClean="0"/>
+              <a:t>2021/12/23</a:t>
             </a:fld>
             <a:endParaRPr lang="zh-CN" altLang="en-US"/>
           </a:p>
@@ -4772,7 +4686,7 @@
           <p:nvPr>
             <p:ph type="ftr" sz="quarter" idx="11"/>
             <p:custDataLst>
-              <p:tags r:id="rId6"/>
+              <p:tags r:id="rId5"/>
             </p:custDataLst>
           </p:nvPr>
         </p:nvSpPr>
@@ -4799,7 +4713,7 @@
           <p:nvPr>
             <p:ph type="sldNum" sz="quarter" idx="12"/>
             <p:custDataLst>
-              <p:tags r:id="rId7"/>
+              <p:tags r:id="rId6"/>
             </p:custDataLst>
           </p:nvPr>
         </p:nvSpPr>
@@ -4815,6 +4729,7 @@
           <a:p>
             <a:fld id="{49AE70B2-8BF9-45C0-BB95-33D1B9D3A854}" type="slidenum">
               <a:rPr lang="zh-CN" altLang="en-US" smtClean="0"/>
+              <a:t>‹#›</a:t>
             </a:fld>
             <a:endParaRPr lang="zh-CN" altLang="en-US"/>
           </a:p>
@@ -4854,7 +4769,7 @@
           <p:nvPr>
             <p:ph type="body" idx="1"/>
             <p:custDataLst>
-              <p:tags r:id="rId2"/>
+              <p:tags r:id="rId1"/>
             </p:custDataLst>
           </p:nvPr>
         </p:nvSpPr>
@@ -4969,7 +4884,6 @@
               <a:rPr lang="zh-CN" altLang="en-US" dirty="0"/>
               <a:t>单击此处编辑母版文本样式</a:t>
             </a:r>
-            <a:endParaRPr lang="zh-CN" altLang="en-US" dirty="0"/>
           </a:p>
         </p:txBody>
       </p:sp>
@@ -4993,6 +4907,7 @@
           <a:bodyPr wrap="square" rtlCol="0">
             <a:spAutoFit/>
           </a:bodyPr>
+          <a:lstStyle/>
           <a:p>
             <a:pPr algn="ctr"/>
             <a:r>
@@ -5002,10 +4917,6 @@
               </a:rPr>
               <a:t>回顾相关课程内容</a:t>
             </a:r>
-            <a:endParaRPr lang="zh-CN" altLang="en-US" sz="2800" b="1">
-              <a:latin typeface="+mj-ea"/>
-              <a:ea typeface="+mj-ea"/>
-            </a:endParaRPr>
           </a:p>
         </p:txBody>
       </p:sp>
@@ -5043,7 +4954,7 @@
           <p:nvPr>
             <p:ph type="body" idx="1"/>
             <p:custDataLst>
-              <p:tags r:id="rId2"/>
+              <p:tags r:id="rId1"/>
             </p:custDataLst>
           </p:nvPr>
         </p:nvSpPr>
@@ -5158,7 +5069,6 @@
               <a:rPr lang="zh-CN" altLang="en-US" dirty="0"/>
               <a:t>单击此处编辑母版文本样式</a:t>
             </a:r>
-            <a:endParaRPr lang="zh-CN" altLang="en-US" dirty="0"/>
           </a:p>
         </p:txBody>
       </p:sp>
@@ -5182,6 +5092,7 @@
           <a:bodyPr wrap="square" rtlCol="0">
             <a:spAutoFit/>
           </a:bodyPr>
+          <a:lstStyle/>
           <a:p>
             <a:pPr algn="ctr"/>
             <a:r>
@@ -5191,10 +5102,6 @@
               </a:rPr>
               <a:t>提出问题</a:t>
             </a:r>
-            <a:endParaRPr lang="zh-CN" altLang="en-US" sz="2800" b="1">
-              <a:latin typeface="+mj-ea"/>
-              <a:ea typeface="+mj-ea"/>
-            </a:endParaRPr>
           </a:p>
         </p:txBody>
       </p:sp>
@@ -5232,7 +5139,7 @@
           <p:nvPr>
             <p:ph type="body" idx="1"/>
             <p:custDataLst>
-              <p:tags r:id="rId2"/>
+              <p:tags r:id="rId1"/>
             </p:custDataLst>
           </p:nvPr>
         </p:nvSpPr>
@@ -5347,7 +5254,6 @@
               <a:rPr lang="zh-CN" altLang="en-US" dirty="0"/>
               <a:t>单击此处编辑母版文本样式</a:t>
             </a:r>
-            <a:endParaRPr lang="zh-CN" altLang="en-US" dirty="0"/>
           </a:p>
         </p:txBody>
       </p:sp>
@@ -5371,6 +5277,7 @@
           <a:bodyPr wrap="square" rtlCol="0">
             <a:spAutoFit/>
           </a:bodyPr>
+          <a:lstStyle/>
           <a:p>
             <a:pPr algn="ctr"/>
             <a:r>
@@ -5380,10 +5287,6 @@
               </a:rPr>
               <a:t>内容预览</a:t>
             </a:r>
-            <a:endParaRPr lang="zh-CN" altLang="en-US" sz="2800" b="1">
-              <a:latin typeface="+mj-ea"/>
-              <a:ea typeface="+mj-ea"/>
-            </a:endParaRPr>
           </a:p>
         </p:txBody>
       </p:sp>
@@ -5421,7 +5324,7 @@
           <p:nvPr>
             <p:ph type="dt" sz="half" idx="10"/>
             <p:custDataLst>
-              <p:tags r:id="rId2"/>
+              <p:tags r:id="rId1"/>
             </p:custDataLst>
           </p:nvPr>
         </p:nvSpPr>
@@ -5437,6 +5340,7 @@
           <a:p>
             <a:fld id="{9EFD9D74-47D9-4702-A33C-335B63B48DBF}" type="datetimeFigureOut">
               <a:rPr lang="zh-CN" altLang="en-US" smtClean="0"/>
+              <a:t>2021/12/23</a:t>
             </a:fld>
             <a:endParaRPr lang="zh-CN" altLang="en-US" dirty="0"/>
           </a:p>
@@ -5451,7 +5355,7 @@
           <p:nvPr>
             <p:ph type="ftr" sz="quarter" idx="11"/>
             <p:custDataLst>
-              <p:tags r:id="rId3"/>
+              <p:tags r:id="rId2"/>
             </p:custDataLst>
           </p:nvPr>
         </p:nvSpPr>
@@ -5478,7 +5382,7 @@
           <p:nvPr>
             <p:ph type="sldNum" sz="quarter" idx="12"/>
             <p:custDataLst>
-              <p:tags r:id="rId4"/>
+              <p:tags r:id="rId3"/>
             </p:custDataLst>
           </p:nvPr>
         </p:nvSpPr>
@@ -5494,6 +5398,7 @@
           <a:p>
             <a:fld id="{FABC47A4-756D-490B-A52F-7D9E2C9FC05F}" type="slidenum">
               <a:rPr lang="zh-CN" altLang="en-US" smtClean="0"/>
+              <a:t>‹#›</a:t>
             </a:fld>
             <a:endParaRPr lang="zh-CN" altLang="en-US"/>
           </a:p>
@@ -5519,6 +5424,7 @@
           <a:bodyPr wrap="square" rtlCol="0">
             <a:spAutoFit/>
           </a:bodyPr>
+          <a:lstStyle/>
           <a:p>
             <a:pPr algn="ctr"/>
             <a:r>
@@ -5529,11 +5435,6 @@
               </a:rPr>
               <a:t>复习</a:t>
             </a:r>
-            <a:endParaRPr lang="zh-CN" altLang="en-US" sz="5400">
-              <a:latin typeface="+mj-ea"/>
-              <a:ea typeface="+mj-ea"/>
-              <a:cs typeface="+mj-ea"/>
-            </a:endParaRPr>
           </a:p>
         </p:txBody>
       </p:sp>
@@ -5571,7 +5472,7 @@
           <p:nvPr>
             <p:ph type="dt" sz="half" idx="10"/>
             <p:custDataLst>
-              <p:tags r:id="rId2"/>
+              <p:tags r:id="rId1"/>
             </p:custDataLst>
           </p:nvPr>
         </p:nvSpPr>
@@ -5587,6 +5488,7 @@
           <a:p>
             <a:fld id="{9EFD9D74-47D9-4702-A33C-335B63B48DBF}" type="datetimeFigureOut">
               <a:rPr lang="zh-CN" altLang="en-US" smtClean="0"/>
+              <a:t>2021/12/23</a:t>
             </a:fld>
             <a:endParaRPr lang="zh-CN" altLang="en-US" dirty="0"/>
           </a:p>
@@ -5601,7 +5503,7 @@
           <p:nvPr>
             <p:ph type="ftr" sz="quarter" idx="11"/>
             <p:custDataLst>
-              <p:tags r:id="rId3"/>
+              <p:tags r:id="rId2"/>
             </p:custDataLst>
           </p:nvPr>
         </p:nvSpPr>
@@ -5628,7 +5530,7 @@
           <p:nvPr>
             <p:ph type="sldNum" sz="quarter" idx="12"/>
             <p:custDataLst>
-              <p:tags r:id="rId4"/>
+              <p:tags r:id="rId3"/>
             </p:custDataLst>
           </p:nvPr>
         </p:nvSpPr>
@@ -5644,6 +5546,7 @@
           <a:p>
             <a:fld id="{FABC47A4-756D-490B-A52F-7D9E2C9FC05F}" type="slidenum">
               <a:rPr lang="zh-CN" altLang="en-US" smtClean="0"/>
+              <a:t>‹#›</a:t>
             </a:fld>
             <a:endParaRPr lang="zh-CN" altLang="en-US"/>
           </a:p>
@@ -5669,6 +5572,7 @@
           <a:bodyPr wrap="square" rtlCol="0">
             <a:spAutoFit/>
           </a:bodyPr>
+          <a:lstStyle/>
           <a:p>
             <a:pPr algn="ctr"/>
             <a:r>
@@ -5679,11 +5583,6 @@
               </a:rPr>
               <a:t>回答之前提出的问题</a:t>
             </a:r>
-            <a:endParaRPr lang="zh-CN" altLang="en-US" sz="5400">
-              <a:latin typeface="+mj-ea"/>
-              <a:ea typeface="+mj-ea"/>
-              <a:cs typeface="+mj-ea"/>
-            </a:endParaRPr>
           </a:p>
         </p:txBody>
       </p:sp>
@@ -5721,7 +5620,7 @@
           <p:nvPr>
             <p:ph type="body" idx="1"/>
             <p:custDataLst>
-              <p:tags r:id="rId2"/>
+              <p:tags r:id="rId1"/>
             </p:custDataLst>
           </p:nvPr>
         </p:nvSpPr>
@@ -5836,7 +5735,6 @@
               <a:rPr lang="zh-CN" altLang="en-US" dirty="0"/>
               <a:t>单击此处编辑母版文本样式</a:t>
             </a:r>
-            <a:endParaRPr lang="zh-CN" altLang="en-US" dirty="0"/>
           </a:p>
         </p:txBody>
       </p:sp>
@@ -5860,6 +5758,7 @@
           <a:bodyPr wrap="square" rtlCol="0">
             <a:spAutoFit/>
           </a:bodyPr>
+          <a:lstStyle/>
           <a:p>
             <a:pPr algn="ctr"/>
             <a:r>
@@ -5869,10 +5768,6 @@
               </a:rPr>
               <a:t>参考资料</a:t>
             </a:r>
-            <a:endParaRPr lang="zh-CN" altLang="en-US" sz="2800" b="1">
-              <a:latin typeface="+mj-ea"/>
-              <a:ea typeface="+mj-ea"/>
-            </a:endParaRPr>
           </a:p>
         </p:txBody>
       </p:sp>
@@ -5890,7 +5785,7 @@
     <p:bg>
       <p:bgPr>
         <a:blipFill rotWithShape="1">
-          <a:blip r:embed="rId22"/>
+          <a:blip r:embed="rId24"/>
           <a:stretch>
             <a:fillRect/>
           </a:stretch>
@@ -6309,7 +6204,9 @@
       <p:sp>
         <p:nvSpPr>
           <p:cNvPr id="6" name="标题 5"/>
-          <p:cNvSpPr/>
+          <p:cNvSpPr>
+            <a:spLocks noGrp="1"/>
+          </p:cNvSpPr>
           <p:nvPr>
             <p:ph type="ctrTitle"/>
           </p:nvPr>
@@ -6322,19 +6219,21 @@
         </p:spPr>
         <p:txBody>
           <a:bodyPr/>
+          <a:lstStyle/>
           <a:p>
             <a:r>
               <a:rPr lang="en-US" altLang="zh-CN"/>
               <a:t>z</a:t>
             </a:r>
-            <a:endParaRPr lang="en-US" altLang="zh-CN"/>
           </a:p>
         </p:txBody>
       </p:sp>
       <p:sp>
         <p:nvSpPr>
           <p:cNvPr id="7" name="副标题 6"/>
-          <p:cNvSpPr/>
+          <p:cNvSpPr>
+            <a:spLocks noGrp="1"/>
+          </p:cNvSpPr>
           <p:nvPr>
             <p:ph type="subTitle" idx="1"/>
           </p:nvPr>
@@ -6347,6 +6246,7 @@
         </p:spPr>
         <p:txBody>
           <a:bodyPr/>
+          <a:lstStyle/>
           <a:p>
             <a:endParaRPr lang="zh-CN" altLang="en-US"/>
           </a:p>
@@ -6361,7 +6261,7 @@
           <p:nvPr/>
         </p:nvPicPr>
         <p:blipFill>
-          <a:blip r:embed="rId1"/>
+          <a:blip r:embed="rId4"/>
           <a:stretch>
             <a:fillRect/>
           </a:stretch>
@@ -6378,7 +6278,7 @@
       </p:pic>
     </p:spTree>
     <p:custDataLst>
-      <p:tags r:id="rId2"/>
+      <p:tags r:id="rId1"/>
     </p:custDataLst>
   </p:cSld>
   <p:clrMapOvr>
@@ -6396,7 +6296,14 @@
         <p:cNvGrpSpPr/>
         <p:nvPr/>
       </p:nvGrpSpPr>
-      <p:grpSpPr/>
+      <p:grpSpPr>
+        <a:xfrm>
+          <a:off x="0" y="0"/>
+          <a:ext cx="0" cy="0"/>
+          <a:chOff x="0" y="0"/>
+          <a:chExt cx="0" cy="0"/>
+        </a:xfrm>
+      </p:grpSpPr>
       <p:sp>
         <p:nvSpPr>
           <p:cNvPr id="2" name="标题 1"/>
@@ -6410,6 +6317,7 @@
         <p:spPr/>
         <p:txBody>
           <a:bodyPr/>
+          <a:lstStyle/>
           <a:p>
             <a:r>
               <a:t>学生提问考老师</a:t>
@@ -6437,7 +6345,14 @@
         <p:cNvGrpSpPr/>
         <p:nvPr/>
       </p:nvGrpSpPr>
-      <p:grpSpPr/>
+      <p:grpSpPr>
+        <a:xfrm>
+          <a:off x="0" y="0"/>
+          <a:ext cx="0" cy="0"/>
+          <a:chOff x="0" y="0"/>
+          <a:chExt cx="0" cy="0"/>
+        </a:xfrm>
+      </p:grpSpPr>
       <p:sp>
         <p:nvSpPr>
           <p:cNvPr id="2" name="文本占位符 1"/>
@@ -6451,6 +6366,7 @@
         <p:spPr/>
         <p:txBody>
           <a:bodyPr/>
+          <a:lstStyle/>
           <a:p>
             <a:endParaRPr lang="zh-CN" altLang="en-US"/>
           </a:p>
@@ -6469,12 +6385,12 @@
         <p:spPr/>
         <p:txBody>
           <a:bodyPr/>
+          <a:lstStyle/>
           <a:p>
             <a:r>
               <a:rPr lang="zh-CN" altLang="en-US"/>
               <a:t>学生提问考老师</a:t>
             </a:r>
-            <a:endParaRPr lang="zh-CN" altLang="en-US"/>
           </a:p>
         </p:txBody>
       </p:sp>
@@ -6498,7 +6414,14 @@
         <p:cNvGrpSpPr/>
         <p:nvPr/>
       </p:nvGrpSpPr>
-      <p:grpSpPr/>
+      <p:grpSpPr>
+        <a:xfrm>
+          <a:off x="0" y="0"/>
+          <a:ext cx="0" cy="0"/>
+          <a:chOff x="0" y="0"/>
+          <a:chExt cx="0" cy="0"/>
+        </a:xfrm>
+      </p:grpSpPr>
       <p:sp>
         <p:nvSpPr>
           <p:cNvPr id="2" name="标题 1"/>
@@ -6512,6 +6435,7 @@
         <p:spPr/>
         <p:txBody>
           <a:bodyPr/>
+          <a:lstStyle/>
           <a:p>
             <a:r>
               <a:t>老师提问考学生</a:t>
@@ -6539,7 +6463,14 @@
         <p:cNvGrpSpPr/>
         <p:nvPr/>
       </p:nvGrpSpPr>
-      <p:grpSpPr/>
+      <p:grpSpPr>
+        <a:xfrm>
+          <a:off x="0" y="0"/>
+          <a:ext cx="0" cy="0"/>
+          <a:chOff x="0" y="0"/>
+          <a:chExt cx="0" cy="0"/>
+        </a:xfrm>
+      </p:grpSpPr>
       <p:sp>
         <p:nvSpPr>
           <p:cNvPr id="2" name="文本占位符 1"/>
@@ -6553,6 +6484,7 @@
         <p:spPr/>
         <p:txBody>
           <a:bodyPr/>
+          <a:lstStyle/>
           <a:p>
             <a:pPr marL="285750" indent="-285750">
               <a:buFont typeface="Arial" panose="020B0604020202090204" pitchFamily="34" charset="0"/>
@@ -6584,7 +6516,14 @@
         <p:cNvGrpSpPr/>
         <p:nvPr/>
       </p:nvGrpSpPr>
-      <p:grpSpPr/>
+      <p:grpSpPr>
+        <a:xfrm>
+          <a:off x="0" y="0"/>
+          <a:ext cx="0" cy="0"/>
+          <a:chOff x="0" y="0"/>
+          <a:chExt cx="0" cy="0"/>
+        </a:xfrm>
+      </p:grpSpPr>
       <p:sp>
         <p:nvSpPr>
           <p:cNvPr id="2" name="文本占位符 1"/>
@@ -6598,6 +6537,7 @@
         <p:spPr/>
         <p:txBody>
           <a:bodyPr/>
+          <a:lstStyle/>
           <a:p>
             <a:pPr marL="285750" indent="-285750">
               <a:buFont typeface="Arial" panose="020B0604020202090204" pitchFamily="34" charset="0"/>
@@ -6609,9 +6549,6 @@
               </a:rPr>
               <a:t>无</a:t>
             </a:r>
-            <a:endParaRPr>
-              <a:sym typeface="+mn-ea"/>
-            </a:endParaRPr>
           </a:p>
         </p:txBody>
       </p:sp>
@@ -6635,7 +6572,14 @@
         <p:cNvGrpSpPr/>
         <p:nvPr/>
       </p:nvGrpSpPr>
-      <p:grpSpPr/>
+      <p:grpSpPr>
+        <a:xfrm>
+          <a:off x="0" y="0"/>
+          <a:ext cx="0" cy="0"/>
+          <a:chOff x="0" y="0"/>
+          <a:chExt cx="0" cy="0"/>
+        </a:xfrm>
+      </p:grpSpPr>
       <p:sp>
         <p:nvSpPr>
           <p:cNvPr id="2" name="文本占位符 1"/>
@@ -6649,6 +6593,7 @@
         <p:spPr/>
         <p:txBody>
           <a:bodyPr/>
+          <a:lstStyle/>
           <a:p>
             <a:pPr marL="285750" indent="-285750">
               <a:buFont typeface="Arial" panose="020B0604020202090204" pitchFamily="34" charset="0"/>
@@ -6658,7 +6603,6 @@
               <a:rPr lang="zh-CN" altLang="en-US"/>
               <a:t>无</a:t>
             </a:r>
-            <a:endParaRPr lang="zh-CN" altLang="en-US"/>
           </a:p>
         </p:txBody>
       </p:sp>
@@ -6675,12 +6619,12 @@
         <p:spPr/>
         <p:txBody>
           <a:bodyPr/>
+          <a:lstStyle/>
           <a:p>
             <a:r>
               <a:rPr lang="zh-CN" altLang="en-US"/>
               <a:t>作业</a:t>
             </a:r>
-            <a:endParaRPr lang="zh-CN" altLang="en-US"/>
           </a:p>
         </p:txBody>
       </p:sp>
@@ -6704,7 +6648,14 @@
         <p:cNvGrpSpPr/>
         <p:nvPr/>
       </p:nvGrpSpPr>
-      <p:grpSpPr/>
+      <p:grpSpPr>
+        <a:xfrm>
+          <a:off x="0" y="0"/>
+          <a:ext cx="0" cy="0"/>
+          <a:chOff x="0" y="0"/>
+          <a:chExt cx="0" cy="0"/>
+        </a:xfrm>
+      </p:grpSpPr>
       <p:sp>
         <p:nvSpPr>
           <p:cNvPr id="2" name="文本占位符 1"/>
@@ -6718,11 +6669,13 @@
         <p:spPr/>
         <p:txBody>
           <a:bodyPr/>
+          <a:lstStyle/>
           <a:p>
             <a:pPr marL="285750" indent="-285750">
               <a:buFont typeface="Arial" panose="020B0604020202090204" pitchFamily="34" charset="0"/>
               <a:buChar char="•"/>
             </a:pPr>
+            <a:endParaRPr/>
           </a:p>
         </p:txBody>
       </p:sp>
@@ -6739,12 +6692,12 @@
         <p:spPr/>
         <p:txBody>
           <a:bodyPr/>
+          <a:lstStyle/>
           <a:p>
             <a:r>
               <a:rPr lang="zh-CN" altLang="en-US"/>
               <a:t>下节课预告</a:t>
             </a:r>
-            <a:endParaRPr lang="zh-CN" altLang="en-US"/>
           </a:p>
         </p:txBody>
       </p:sp>
@@ -6768,7 +6721,14 @@
         <p:cNvGrpSpPr/>
         <p:nvPr/>
       </p:nvGrpSpPr>
-      <p:grpSpPr/>
+      <p:grpSpPr>
+        <a:xfrm>
+          <a:off x="0" y="0"/>
+          <a:ext cx="0" cy="0"/>
+          <a:chOff x="0" y="0"/>
+          <a:chExt cx="0" cy="0"/>
+        </a:xfrm>
+      </p:grpSpPr>
     </p:spTree>
     <p:custDataLst>
       <p:tags r:id="rId1"/>
@@ -6789,7 +6749,14 @@
         <p:cNvGrpSpPr/>
         <p:nvPr/>
       </p:nvGrpSpPr>
-      <p:grpSpPr/>
+      <p:grpSpPr>
+        <a:xfrm>
+          <a:off x="0" y="0"/>
+          <a:ext cx="0" cy="0"/>
+          <a:chOff x="0" y="0"/>
+          <a:chExt cx="0" cy="0"/>
+        </a:xfrm>
+      </p:grpSpPr>
       <p:sp>
         <p:nvSpPr>
           <p:cNvPr id="2" name="标题 1"/>
@@ -6808,12 +6775,12 @@
         </p:spPr>
         <p:txBody>
           <a:bodyPr/>
+          <a:lstStyle/>
           <a:p>
             <a:r>
               <a:rPr lang="zh-CN" altLang="en-US"/>
               <a:t>第节课：</a:t>
             </a:r>
-            <a:endParaRPr lang="zh-CN" altLang="en-US"/>
           </a:p>
         </p:txBody>
       </p:sp>
@@ -6837,7 +6804,14 @@
         <p:cNvGrpSpPr/>
         <p:nvPr/>
       </p:nvGrpSpPr>
-      <p:grpSpPr/>
+      <p:grpSpPr>
+        <a:xfrm>
+          <a:off x="0" y="0"/>
+          <a:ext cx="0" cy="0"/>
+          <a:chOff x="0" y="0"/>
+          <a:chExt cx="0" cy="0"/>
+        </a:xfrm>
+      </p:grpSpPr>
       <p:sp>
         <p:nvSpPr>
           <p:cNvPr id="2" name="文本占位符 1"/>
@@ -6851,6 +6825,7 @@
         <p:spPr/>
         <p:txBody>
           <a:bodyPr/>
+          <a:lstStyle/>
           <a:p>
             <a:pPr marL="285750" indent="-285750">
               <a:buFont typeface="Arial" panose="020B0604020202090204" pitchFamily="34" charset="0"/>
@@ -6862,9 +6837,6 @@
               </a:rPr>
               <a:t>为什么要学习本课</a:t>
             </a:r>
-            <a:endParaRPr>
-              <a:sym typeface="+mn-ea"/>
-            </a:endParaRPr>
           </a:p>
           <a:p>
             <a:pPr marL="285750" indent="-285750">
@@ -6930,7 +6902,14 @@
         <p:cNvGrpSpPr/>
         <p:nvPr/>
       </p:nvGrpSpPr>
-      <p:grpSpPr/>
+      <p:grpSpPr>
+        <a:xfrm>
+          <a:off x="0" y="0"/>
+          <a:ext cx="0" cy="0"/>
+          <a:chOff x="0" y="0"/>
+          <a:chExt cx="0" cy="0"/>
+        </a:xfrm>
+      </p:grpSpPr>
       <p:sp>
         <p:nvSpPr>
           <p:cNvPr id="2" name="文本占位符 1"/>
@@ -6944,105 +6923,36 @@
         <p:spPr/>
         <p:txBody>
           <a:bodyPr/>
+          <a:lstStyle/>
+          <a:p>
+            <a:pPr marL="285750" indent="-285750">
+              <a:buFont typeface="Arial" panose="020B0604020202020204" pitchFamily="34" charset="0"/>
+              <a:buChar char="•"/>
+            </a:pPr>
+            <a:endParaRPr dirty="0">
+              <a:sym typeface="+mn-ea"/>
+            </a:endParaRPr>
+          </a:p>
           <a:p>
             <a:pPr marL="285750" indent="-285750">
               <a:buFont typeface="Arial" panose="020B0604020202090204" pitchFamily="34" charset="0"/>
               <a:buChar char="•"/>
             </a:pPr>
-            <a:endParaRPr>
-              <a:sym typeface="+mn-ea"/>
-            </a:endParaRPr>
+            <a:endParaRPr lang="zh-CN" altLang="en-US" dirty="0"/>
           </a:p>
           <a:p>
             <a:pPr marL="285750" indent="-285750">
               <a:buFont typeface="Arial" panose="020B0604020202090204" pitchFamily="34" charset="0"/>
               <a:buChar char="•"/>
             </a:pPr>
-            <a:endParaRPr>
-              <a:sym typeface="+mn-ea"/>
-            </a:endParaRPr>
+            <a:endParaRPr lang="zh-CN" altLang="en-US" dirty="0"/>
           </a:p>
           <a:p>
             <a:pPr marL="285750" indent="-285750">
               <a:buFont typeface="Arial" panose="020B0604020202090204" pitchFamily="34" charset="0"/>
               <a:buChar char="•"/>
             </a:pPr>
-            <a:r>
-              <a:rPr>
-                <a:sym typeface="+mn-ea"/>
-              </a:rPr>
-              <a:t>开始回答</a:t>
-            </a:r>
-            <a:br>
-              <a:rPr>
-                <a:sym typeface="+mn-ea"/>
-              </a:rPr>
-            </a:br>
-            <a:r>
-              <a:rPr lang="en-US" altLang="zh-CN">
-                <a:sym typeface="+mn-ea"/>
-              </a:rPr>
-              <a:t>- </a:t>
-            </a:r>
-            <a:r>
-              <a:rPr>
-                <a:sym typeface="+mn-ea"/>
-              </a:rPr>
-              <a:t>自学</a:t>
-            </a:r>
-            <a:br>
-              <a:rPr>
-                <a:sym typeface="+mn-ea"/>
-              </a:rPr>
-            </a:br>
-            <a:r>
-              <a:rPr lang="en-US" altLang="zh-CN">
-                <a:sym typeface="+mn-ea"/>
-              </a:rPr>
-              <a:t>- </a:t>
-            </a:r>
-            <a:r>
-              <a:rPr>
-                <a:sym typeface="+mn-ea"/>
-              </a:rPr>
-              <a:t>展学</a:t>
-            </a:r>
-            <a:endParaRPr>
-              <a:solidFill>
-                <a:schemeClr val="tx1"/>
-              </a:solidFill>
-              <a:sym typeface="+mn-ea"/>
-            </a:endParaRPr>
-          </a:p>
-          <a:p>
-            <a:pPr marL="285750" indent="-285750">
-              <a:buFont typeface="Arial" panose="020B0604020202090204" pitchFamily="34" charset="0"/>
-              <a:buChar char="•"/>
-            </a:pPr>
-            <a:endParaRPr>
-              <a:sym typeface="+mn-ea"/>
-            </a:endParaRPr>
-          </a:p>
-          <a:p>
-            <a:pPr marL="285750" indent="-285750">
-              <a:buFont typeface="Arial" panose="020B0604020202090204" pitchFamily="34" charset="0"/>
-              <a:buChar char="•"/>
-            </a:pPr>
-            <a:endParaRPr lang="zh-CN" altLang="en-US"/>
-          </a:p>
-          <a:p>
-            <a:pPr marL="285750" indent="-285750">
-              <a:buFont typeface="Arial" panose="020B0604020202090204" pitchFamily="34" charset="0"/>
-              <a:buChar char="•"/>
-            </a:pPr>
-            <a:endParaRPr lang="zh-CN" altLang="en-US"/>
-          </a:p>
-          <a:p>
-            <a:pPr marL="285750" indent="-285750">
-              <a:buFont typeface="Arial" panose="020B0604020202090204" pitchFamily="34" charset="0"/>
-              <a:buChar char="•"/>
-            </a:pPr>
-            <a:endParaRPr lang="zh-CN" altLang="en-US"/>
+            <a:endParaRPr lang="zh-CN" altLang="en-US" dirty="0"/>
           </a:p>
         </p:txBody>
       </p:sp>
@@ -7059,6 +6969,7 @@
         <p:spPr/>
         <p:txBody>
           <a:bodyPr/>
+          <a:lstStyle/>
           <a:p>
             <a:r>
               <a:rPr>
@@ -7078,13 +6989,6 @@
   <p:clrMapOvr>
     <a:masterClrMapping/>
   </p:clrMapOvr>
-  <p:timing>
-    <p:tnLst>
-      <p:par>
-        <p:cTn id="1" dur="indefinite" restart="never" nodeType="tmRoot"/>
-      </p:par>
-    </p:tnLst>
-  </p:timing>
 </p:sld>
 </file>
 
@@ -7097,7 +7001,14 @@
         <p:cNvGrpSpPr/>
         <p:nvPr/>
       </p:nvGrpSpPr>
-      <p:grpSpPr/>
+      <p:grpSpPr>
+        <a:xfrm>
+          <a:off x="0" y="0"/>
+          <a:ext cx="0" cy="0"/>
+          <a:chOff x="0" y="0"/>
+          <a:chExt cx="0" cy="0"/>
+        </a:xfrm>
+      </p:grpSpPr>
       <p:sp>
         <p:nvSpPr>
           <p:cNvPr id="2" name="标题 1"/>
@@ -7111,12 +7022,17 @@
         <p:spPr/>
         <p:txBody>
           <a:bodyPr/>
+          <a:lstStyle/>
           <a:p>
             <a:r>
               <a:rPr lang="zh-CN" altLang="en-US"/>
-              <a:t>主问题：</a:t>
-            </a:r>
-            <a:endParaRPr>
+              <a:t>主问题</a:t>
+            </a:r>
+            <a:r>
+              <a:rPr lang="zh-CN" altLang="en-US" dirty="0"/>
+              <a:t>：</a:t>
+            </a:r>
+            <a:endParaRPr dirty="0">
               <a:sym typeface="+mn-ea"/>
             </a:endParaRPr>
           </a:p>
@@ -7142,7 +7058,14 @@
         <p:cNvGrpSpPr/>
         <p:nvPr/>
       </p:nvGrpSpPr>
-      <p:grpSpPr/>
+      <p:grpSpPr>
+        <a:xfrm>
+          <a:off x="0" y="0"/>
+          <a:ext cx="0" cy="0"/>
+          <a:chOff x="0" y="0"/>
+          <a:chExt cx="0" cy="0"/>
+        </a:xfrm>
+      </p:grpSpPr>
       <p:sp>
         <p:nvSpPr>
           <p:cNvPr id="2" name="文本占位符 1"/>
@@ -7156,6 +7079,7 @@
         <p:spPr/>
         <p:txBody>
           <a:bodyPr/>
+          <a:lstStyle/>
           <a:p>
             <a:pPr marL="285750" indent="-285750">
               <a:buFont typeface="Arial" panose="020B0604020202090204" pitchFamily="34" charset="0"/>
@@ -7210,15 +7134,15 @@
               </a:rPr>
               <a:t>展学</a:t>
             </a:r>
-            <a:endParaRPr>
-              <a:sym typeface="+mn-ea"/>
-            </a:endParaRPr>
           </a:p>
           <a:p>
             <a:pPr marL="285750" indent="-285750">
               <a:buFont typeface="Arial" panose="020B0604020202090204" pitchFamily="34" charset="0"/>
               <a:buChar char="•"/>
             </a:pPr>
+            <a:endParaRPr>
+              <a:sym typeface="+mn-ea"/>
+            </a:endParaRPr>
           </a:p>
         </p:txBody>
       </p:sp>
@@ -7235,6 +7159,7 @@
         <p:spPr/>
         <p:txBody>
           <a:bodyPr/>
+          <a:lstStyle/>
           <a:p>
             <a:r>
               <a:rPr>
@@ -7254,13 +7179,6 @@
   <p:clrMapOvr>
     <a:masterClrMapping/>
   </p:clrMapOvr>
-  <p:timing>
-    <p:tnLst>
-      <p:par>
-        <p:cTn id="1" dur="indefinite" restart="never" nodeType="tmRoot"/>
-      </p:par>
-    </p:tnLst>
-  </p:timing>
 </p:sld>
 </file>
 
@@ -7273,7 +7191,14 @@
         <p:cNvGrpSpPr/>
         <p:nvPr/>
       </p:nvGrpSpPr>
-      <p:grpSpPr/>
+      <p:grpSpPr>
+        <a:xfrm>
+          <a:off x="0" y="0"/>
+          <a:ext cx="0" cy="0"/>
+          <a:chOff x="0" y="0"/>
+          <a:chExt cx="0" cy="0"/>
+        </a:xfrm>
+      </p:grpSpPr>
       <p:sp>
         <p:nvSpPr>
           <p:cNvPr id="2" name="文本占位符 1"/>
@@ -7287,6 +7212,7 @@
         <p:spPr/>
         <p:txBody>
           <a:bodyPr/>
+          <a:lstStyle/>
           <a:p>
             <a:pPr marL="285750" indent="-285750">
               <a:buFont typeface="Arial" panose="020B0604020202090204" pitchFamily="34" charset="0"/>
@@ -7365,6 +7291,7 @@
         <p:spPr/>
         <p:txBody>
           <a:bodyPr/>
+          <a:lstStyle/>
           <a:p>
             <a:r>
               <a:rPr>
@@ -7372,9 +7299,6 @@
               </a:rPr>
               <a:t>结学</a:t>
             </a:r>
-            <a:endParaRPr>
-              <a:sym typeface="+mn-ea"/>
-            </a:endParaRPr>
           </a:p>
         </p:txBody>
       </p:sp>
@@ -7386,13 +7310,6 @@
   <p:clrMapOvr>
     <a:masterClrMapping/>
   </p:clrMapOvr>
-  <p:timing>
-    <p:tnLst>
-      <p:par>
-        <p:cTn id="1" dur="indefinite" restart="never" nodeType="tmRoot"/>
-      </p:par>
-    </p:tnLst>
-  </p:timing>
 </p:sld>
 </file>
 
@@ -7405,7 +7322,14 @@
         <p:cNvGrpSpPr/>
         <p:nvPr/>
       </p:nvGrpSpPr>
-      <p:grpSpPr/>
+      <p:grpSpPr>
+        <a:xfrm>
+          <a:off x="0" y="0"/>
+          <a:ext cx="0" cy="0"/>
+          <a:chOff x="0" y="0"/>
+          <a:chExt cx="0" cy="0"/>
+        </a:xfrm>
+      </p:grpSpPr>
       <p:sp>
         <p:nvSpPr>
           <p:cNvPr id="2" name="标题 1"/>
@@ -7419,12 +7343,12 @@
         <p:spPr/>
         <p:txBody>
           <a:bodyPr/>
+          <a:lstStyle/>
           <a:p>
             <a:r>
               <a:rPr lang="zh-CN" altLang="en-US"/>
               <a:t>总结</a:t>
             </a:r>
-            <a:endParaRPr lang="zh-CN" altLang="en-US"/>
           </a:p>
         </p:txBody>
       </p:sp>
@@ -7448,7 +7372,14 @@
         <p:cNvGrpSpPr/>
         <p:nvPr/>
       </p:nvGrpSpPr>
-      <p:grpSpPr/>
+      <p:grpSpPr>
+        <a:xfrm>
+          <a:off x="0" y="0"/>
+          <a:ext cx="0" cy="0"/>
+          <a:chOff x="0" y="0"/>
+          <a:chExt cx="0" cy="0"/>
+        </a:xfrm>
+      </p:grpSpPr>
       <p:sp>
         <p:nvSpPr>
           <p:cNvPr id="2" name="文本占位符 1"/>
@@ -7462,6 +7393,7 @@
         <p:spPr/>
         <p:txBody>
           <a:bodyPr/>
+          <a:lstStyle/>
           <a:p>
             <a:pPr marL="285750" indent="-285750">
               <a:buFont typeface="Arial" panose="020B0604020202090204" pitchFamily="34" charset="0"/>
@@ -7507,15 +7439,15 @@
               </a:rPr>
               <a:t>回答所有的主问题</a:t>
             </a:r>
-            <a:endParaRPr>
-              <a:sym typeface="+mn-ea"/>
-            </a:endParaRPr>
           </a:p>
           <a:p>
             <a:pPr marL="285750" indent="-285750">
               <a:buFont typeface="Arial" panose="020B0604020202090204" pitchFamily="34" charset="0"/>
               <a:buChar char="•"/>
             </a:pPr>
+            <a:endParaRPr>
+              <a:sym typeface="+mn-ea"/>
+            </a:endParaRPr>
           </a:p>
           <a:p>
             <a:pPr marL="285750" indent="-285750">
@@ -7562,15 +7494,15 @@
               </a:rPr>
               <a:t>展学</a:t>
             </a:r>
-            <a:endParaRPr>
-              <a:sym typeface="+mn-ea"/>
-            </a:endParaRPr>
           </a:p>
           <a:p>
             <a:pPr marL="285750" indent="-285750">
               <a:buFont typeface="Arial" panose="020B0604020202090204" pitchFamily="34" charset="0"/>
               <a:buChar char="•"/>
             </a:pPr>
+            <a:endParaRPr>
+              <a:sym typeface="+mn-ea"/>
+            </a:endParaRPr>
           </a:p>
         </p:txBody>
       </p:sp>
@@ -7587,19 +7519,19 @@
         <p:spPr/>
         <p:txBody>
           <a:bodyPr/>
+          <a:lstStyle/>
           <a:p>
             <a:r>
               <a:rPr lang="zh-CN" altLang="en-US"/>
               <a:t>总结</a:t>
             </a:r>
-            <a:endParaRPr lang="zh-CN" altLang="en-US"/>
           </a:p>
         </p:txBody>
       </p:sp>
       <p:graphicFrame>
         <p:nvGraphicFramePr>
           <p:cNvPr id="4" name="对象 3">
-            <a:hlinkClick r:id="" action="ppaction://ole?verb="/>
+            <a:hlinkClick r:id="" action="ppaction://ole?verb=0"/>
           </p:cNvPr>
           <p:cNvGraphicFramePr>
             <a:graphicFrameLocks noChangeAspect="1"/>
@@ -7614,12 +7546,12 @@
           <a:graphicData uri="http://schemas.openxmlformats.org/presentationml/2006/ole">
             <mc:AlternateContent xmlns:mc="http://schemas.openxmlformats.org/markup-compatibility/2006">
               <mc:Choice xmlns:v="urn:schemas-microsoft-com:vml" Requires="v">
-                <p:oleObj spid="_x0000_s4097" name="" r:id="rId1" imgW="914400" imgH="368300" progId="Equation.KSEE3">
+                <p:oleObj spid="_x0000_s4101" r:id="rId4" imgW="914400" imgH="368300" progId="Equation.KSEE3">
                   <p:embed/>
                 </p:oleObj>
               </mc:Choice>
               <mc:Fallback>
-                <p:oleObj name="" r:id="rId1" imgW="914400" imgH="368300" progId="Equation.KSEE3">
+                <p:oleObj r:id="rId4" imgW="914400" imgH="368300" progId="Equation.KSEE3">
                   <p:embed/>
                   <p:pic>
                     <p:nvPicPr>
@@ -7628,7 +7560,7 @@
                       <p:nvPr/>
                     </p:nvPicPr>
                     <p:blipFill>
-                      <a:blip r:embed="rId2"/>
+                      <a:blip r:embed="rId5"/>
                       <a:stretch>
                         <a:fillRect/>
                       </a:stretch>
@@ -7651,7 +7583,7 @@
       </p:graphicFrame>
     </p:spTree>
     <p:custDataLst>
-      <p:tags r:id="rId3"/>
+      <p:tags r:id="rId2"/>
     </p:custDataLst>
   </p:cSld>
   <p:clrMapOvr>
@@ -7661,7 +7593,18 @@
 </file>
 
 <file path=ppt/tags/tag1.xml><?xml version="1.0" encoding="utf-8"?>
-<p:tagLst xmlns:p="http://schemas.openxmlformats.org/presentationml/2006/main">
+<p:tagLst xmlns:a="http://schemas.openxmlformats.org/drawingml/2006/main" xmlns:r="http://schemas.openxmlformats.org/officeDocument/2006/relationships" xmlns:p="http://schemas.openxmlformats.org/presentationml/2006/main">
+  <p:tag name="KSO_WM_TEMPLATE_THUMBS_INDEX" val="1、2、3、6、8、10、11、12、15"/>
+  <p:tag name="KSO_WM_TEMPLATE_SUBCATEGORY" val="0"/>
+  <p:tag name="KSO_WM_TAG_VERSION" val="1.0"/>
+  <p:tag name="KSO_WM_BEAUTIFY_FLAG" val="#wm#"/>
+  <p:tag name="KSO_WM_TEMPLATE_CATEGORY" val="custom"/>
+  <p:tag name="KSO_WM_TEMPLATE_INDEX" val="20187308"/>
+</p:tagLst>
+</file>
+
+<file path=ppt/tags/tag10.xml><?xml version="1.0" encoding="utf-8"?>
+<p:tagLst xmlns:a="http://schemas.openxmlformats.org/drawingml/2006/main" xmlns:r="http://schemas.openxmlformats.org/officeDocument/2006/relationships" xmlns:p="http://schemas.openxmlformats.org/presentationml/2006/main">
   <p:tag name="KSO_WM_UNIT_HIGHLIGHT" val="0"/>
   <p:tag name="KSO_WM_UNIT_COMPATIBLE" val="0"/>
   <p:tag name="KSO_WM_UNIT_DIAGRAM_ISNUMVISUAL" val="0"/>
@@ -7673,8 +7616,8 @@
 </p:tagLst>
 </file>
 
-<file path=ppt/tags/tag10.xml><?xml version="1.0" encoding="utf-8"?>
-<p:tagLst xmlns:p="http://schemas.openxmlformats.org/presentationml/2006/main">
+<file path=ppt/tags/tag11.xml><?xml version="1.0" encoding="utf-8"?>
+<p:tagLst xmlns:a="http://schemas.openxmlformats.org/drawingml/2006/main" xmlns:r="http://schemas.openxmlformats.org/officeDocument/2006/relationships" xmlns:p="http://schemas.openxmlformats.org/presentationml/2006/main">
   <p:tag name="KSO_WM_UNIT_HIGHLIGHT" val="0"/>
   <p:tag name="KSO_WM_UNIT_COMPATIBLE" val="0"/>
   <p:tag name="KSO_WM_UNIT_DIAGRAM_ISNUMVISUAL" val="0"/>
@@ -7686,8 +7629,8 @@
 </p:tagLst>
 </file>
 
-<file path=ppt/tags/tag11.xml><?xml version="1.0" encoding="utf-8"?>
-<p:tagLst xmlns:p="http://schemas.openxmlformats.org/presentationml/2006/main">
+<file path=ppt/tags/tag12.xml><?xml version="1.0" encoding="utf-8"?>
+<p:tagLst xmlns:a="http://schemas.openxmlformats.org/drawingml/2006/main" xmlns:r="http://schemas.openxmlformats.org/officeDocument/2006/relationships" xmlns:p="http://schemas.openxmlformats.org/presentationml/2006/main">
   <p:tag name="KSO_WM_UNIT_HIGHLIGHT" val="0"/>
   <p:tag name="KSO_WM_UNIT_COMPATIBLE" val="0"/>
   <p:tag name="KSO_WM_UNIT_DIAGRAM_ISNUMVISUAL" val="0"/>
@@ -7699,8 +7642,8 @@
 </p:tagLst>
 </file>
 
-<file path=ppt/tags/tag12.xml><?xml version="1.0" encoding="utf-8"?>
-<p:tagLst xmlns:p="http://schemas.openxmlformats.org/presentationml/2006/main">
+<file path=ppt/tags/tag13.xml><?xml version="1.0" encoding="utf-8"?>
+<p:tagLst xmlns:a="http://schemas.openxmlformats.org/drawingml/2006/main" xmlns:r="http://schemas.openxmlformats.org/officeDocument/2006/relationships" xmlns:p="http://schemas.openxmlformats.org/presentationml/2006/main">
   <p:tag name="KSO_WM_UNIT_HIGHLIGHT" val="0"/>
   <p:tag name="KSO_WM_UNIT_COMPATIBLE" val="0"/>
   <p:tag name="KSO_WM_UNIT_DIAGRAM_ISNUMVISUAL" val="0"/>
@@ -7712,8 +7655,8 @@
 </p:tagLst>
 </file>
 
-<file path=ppt/tags/tag13.xml><?xml version="1.0" encoding="utf-8"?>
-<p:tagLst xmlns:p="http://schemas.openxmlformats.org/presentationml/2006/main">
+<file path=ppt/tags/tag14.xml><?xml version="1.0" encoding="utf-8"?>
+<p:tagLst xmlns:a="http://schemas.openxmlformats.org/drawingml/2006/main" xmlns:r="http://schemas.openxmlformats.org/officeDocument/2006/relationships" xmlns:p="http://schemas.openxmlformats.org/presentationml/2006/main">
   <p:tag name="KSO_WM_UNIT_HIGHLIGHT" val="0"/>
   <p:tag name="KSO_WM_UNIT_COMPATIBLE" val="0"/>
   <p:tag name="KSO_WM_UNIT_DIAGRAM_ISNUMVISUAL" val="0"/>
@@ -7725,8 +7668,8 @@
 </p:tagLst>
 </file>
 
-<file path=ppt/tags/tag14.xml><?xml version="1.0" encoding="utf-8"?>
-<p:tagLst xmlns:p="http://schemas.openxmlformats.org/presentationml/2006/main">
+<file path=ppt/tags/tag15.xml><?xml version="1.0" encoding="utf-8"?>
+<p:tagLst xmlns:a="http://schemas.openxmlformats.org/drawingml/2006/main" xmlns:r="http://schemas.openxmlformats.org/officeDocument/2006/relationships" xmlns:p="http://schemas.openxmlformats.org/presentationml/2006/main">
   <p:tag name="KSO_WM_UNIT_HIGHLIGHT" val="0"/>
   <p:tag name="KSO_WM_UNIT_COMPATIBLE" val="0"/>
   <p:tag name="KSO_WM_UNIT_DIAGRAM_ISNUMVISUAL" val="0"/>
@@ -7738,8 +7681,8 @@
 </p:tagLst>
 </file>
 
-<file path=ppt/tags/tag15.xml><?xml version="1.0" encoding="utf-8"?>
-<p:tagLst xmlns:p="http://schemas.openxmlformats.org/presentationml/2006/main">
+<file path=ppt/tags/tag16.xml><?xml version="1.0" encoding="utf-8"?>
+<p:tagLst xmlns:a="http://schemas.openxmlformats.org/drawingml/2006/main" xmlns:r="http://schemas.openxmlformats.org/officeDocument/2006/relationships" xmlns:p="http://schemas.openxmlformats.org/presentationml/2006/main">
   <p:tag name="KSO_WM_UNIT_HIGHLIGHT" val="0"/>
   <p:tag name="KSO_WM_UNIT_COMPATIBLE" val="0"/>
   <p:tag name="KSO_WM_UNIT_DIAGRAM_ISNUMVISUAL" val="0"/>
@@ -7751,8 +7694,8 @@
 </p:tagLst>
 </file>
 
-<file path=ppt/tags/tag16.xml><?xml version="1.0" encoding="utf-8"?>
-<p:tagLst xmlns:p="http://schemas.openxmlformats.org/presentationml/2006/main">
+<file path=ppt/tags/tag17.xml><?xml version="1.0" encoding="utf-8"?>
+<p:tagLst xmlns:a="http://schemas.openxmlformats.org/drawingml/2006/main" xmlns:r="http://schemas.openxmlformats.org/officeDocument/2006/relationships" xmlns:p="http://schemas.openxmlformats.org/presentationml/2006/main">
   <p:tag name="KSO_WM_UNIT_HIGHLIGHT" val="0"/>
   <p:tag name="KSO_WM_UNIT_COMPATIBLE" val="0"/>
   <p:tag name="KSO_WM_UNIT_DIAGRAM_ISNUMVISUAL" val="0"/>
@@ -7764,8 +7707,8 @@
 </p:tagLst>
 </file>
 
-<file path=ppt/tags/tag17.xml><?xml version="1.0" encoding="utf-8"?>
-<p:tagLst xmlns:p="http://schemas.openxmlformats.org/presentationml/2006/main">
+<file path=ppt/tags/tag18.xml><?xml version="1.0" encoding="utf-8"?>
+<p:tagLst xmlns:a="http://schemas.openxmlformats.org/drawingml/2006/main" xmlns:r="http://schemas.openxmlformats.org/officeDocument/2006/relationships" xmlns:p="http://schemas.openxmlformats.org/presentationml/2006/main">
   <p:tag name="KSO_WM_UNIT_HIGHLIGHT" val="0"/>
   <p:tag name="KSO_WM_UNIT_COMPATIBLE" val="0"/>
   <p:tag name="KSO_WM_UNIT_DIAGRAM_ISNUMVISUAL" val="0"/>
@@ -7777,8 +7720,8 @@
 </p:tagLst>
 </file>
 
-<file path=ppt/tags/tag18.xml><?xml version="1.0" encoding="utf-8"?>
-<p:tagLst xmlns:p="http://schemas.openxmlformats.org/presentationml/2006/main">
+<file path=ppt/tags/tag19.xml><?xml version="1.0" encoding="utf-8"?>
+<p:tagLst xmlns:a="http://schemas.openxmlformats.org/drawingml/2006/main" xmlns:r="http://schemas.openxmlformats.org/officeDocument/2006/relationships" xmlns:p="http://schemas.openxmlformats.org/presentationml/2006/main">
   <p:tag name="KSO_WM_UNIT_HIGHLIGHT" val="0"/>
   <p:tag name="KSO_WM_UNIT_COMPATIBLE" val="0"/>
   <p:tag name="KSO_WM_UNIT_DIAGRAM_ISNUMVISUAL" val="0"/>
@@ -7790,8 +7733,8 @@
 </p:tagLst>
 </file>
 
-<file path=ppt/tags/tag19.xml><?xml version="1.0" encoding="utf-8"?>
-<p:tagLst xmlns:p="http://schemas.openxmlformats.org/presentationml/2006/main">
+<file path=ppt/tags/tag2.xml><?xml version="1.0" encoding="utf-8"?>
+<p:tagLst xmlns:a="http://schemas.openxmlformats.org/drawingml/2006/main" xmlns:r="http://schemas.openxmlformats.org/officeDocument/2006/relationships" xmlns:p="http://schemas.openxmlformats.org/presentationml/2006/main">
   <p:tag name="KSO_WM_UNIT_HIGHLIGHT" val="0"/>
   <p:tag name="KSO_WM_UNIT_COMPATIBLE" val="0"/>
   <p:tag name="KSO_WM_UNIT_DIAGRAM_ISNUMVISUAL" val="0"/>
@@ -7803,8 +7746,138 @@
 </p:tagLst>
 </file>
 
-<file path=ppt/tags/tag2.xml><?xml version="1.0" encoding="utf-8"?>
-<p:tagLst xmlns:p="http://schemas.openxmlformats.org/presentationml/2006/main">
+<file path=ppt/tags/tag20.xml><?xml version="1.0" encoding="utf-8"?>
+<p:tagLst xmlns:a="http://schemas.openxmlformats.org/drawingml/2006/main" xmlns:r="http://schemas.openxmlformats.org/officeDocument/2006/relationships" xmlns:p="http://schemas.openxmlformats.org/presentationml/2006/main">
+  <p:tag name="KSO_WM_UNIT_HIGHLIGHT" val="0"/>
+  <p:tag name="KSO_WM_UNIT_COMPATIBLE" val="0"/>
+  <p:tag name="KSO_WM_UNIT_DIAGRAM_ISNUMVISUAL" val="0"/>
+  <p:tag name="KSO_WM_UNIT_DIAGRAM_ISREFERUNIT" val="0"/>
+  <p:tag name="KSO_WM_UNIT_ID" val="_3**"/>
+  <p:tag name="KSO_WM_UNIT_LAYERLEVEL" val="1"/>
+  <p:tag name="KSO_WM_TAG_VERSION" val="1.0"/>
+  <p:tag name="KSO_WM_BEAUTIFY_FLAG" val="#wm#"/>
+</p:tagLst>
+</file>
+
+<file path=ppt/tags/tag21.xml><?xml version="1.0" encoding="utf-8"?>
+<p:tagLst xmlns:a="http://schemas.openxmlformats.org/drawingml/2006/main" xmlns:r="http://schemas.openxmlformats.org/officeDocument/2006/relationships" xmlns:p="http://schemas.openxmlformats.org/presentationml/2006/main">
+  <p:tag name="KSO_WM_UNIT_HIGHLIGHT" val="0"/>
+  <p:tag name="KSO_WM_UNIT_COMPATIBLE" val="0"/>
+  <p:tag name="KSO_WM_UNIT_DIAGRAM_ISNUMVISUAL" val="0"/>
+  <p:tag name="KSO_WM_UNIT_DIAGRAM_ISREFERUNIT" val="0"/>
+  <p:tag name="KSO_WM_UNIT_ID" val="_8**"/>
+  <p:tag name="KSO_WM_UNIT_LAYERLEVEL" val="1"/>
+  <p:tag name="KSO_WM_TAG_VERSION" val="1.0"/>
+  <p:tag name="KSO_WM_BEAUTIFY_FLAG" val="#wm#"/>
+</p:tagLst>
+</file>
+
+<file path=ppt/tags/tag22.xml><?xml version="1.0" encoding="utf-8"?>
+<p:tagLst xmlns:a="http://schemas.openxmlformats.org/drawingml/2006/main" xmlns:r="http://schemas.openxmlformats.org/officeDocument/2006/relationships" xmlns:p="http://schemas.openxmlformats.org/presentationml/2006/main">
+  <p:tag name="KSO_WM_UNIT_HIGHLIGHT" val="0"/>
+  <p:tag name="KSO_WM_UNIT_COMPATIBLE" val="0"/>
+  <p:tag name="KSO_WM_UNIT_DIAGRAM_ISNUMVISUAL" val="0"/>
+  <p:tag name="KSO_WM_UNIT_DIAGRAM_ISREFERUNIT" val="0"/>
+  <p:tag name="KSO_WM_UNIT_ID" val="_8**"/>
+  <p:tag name="KSO_WM_UNIT_LAYERLEVEL" val="1"/>
+  <p:tag name="KSO_WM_TAG_VERSION" val="1.0"/>
+  <p:tag name="KSO_WM_BEAUTIFY_FLAG" val="#wm#"/>
+</p:tagLst>
+</file>
+
+<file path=ppt/tags/tag23.xml><?xml version="1.0" encoding="utf-8"?>
+<p:tagLst xmlns:a="http://schemas.openxmlformats.org/drawingml/2006/main" xmlns:r="http://schemas.openxmlformats.org/officeDocument/2006/relationships" xmlns:p="http://schemas.openxmlformats.org/presentationml/2006/main">
+  <p:tag name="KSO_WM_UNIT_HIGHLIGHT" val="0"/>
+  <p:tag name="KSO_WM_UNIT_COMPATIBLE" val="0"/>
+  <p:tag name="KSO_WM_UNIT_DIAGRAM_ISNUMVISUAL" val="0"/>
+  <p:tag name="KSO_WM_UNIT_DIAGRAM_ISREFERUNIT" val="0"/>
+  <p:tag name="KSO_WM_UNIT_ID" val="_8**"/>
+  <p:tag name="KSO_WM_UNIT_LAYERLEVEL" val="1"/>
+  <p:tag name="KSO_WM_TAG_VERSION" val="1.0"/>
+  <p:tag name="KSO_WM_BEAUTIFY_FLAG" val="#wm#"/>
+</p:tagLst>
+</file>
+
+<file path=ppt/tags/tag24.xml><?xml version="1.0" encoding="utf-8"?>
+<p:tagLst xmlns:a="http://schemas.openxmlformats.org/drawingml/2006/main" xmlns:r="http://schemas.openxmlformats.org/officeDocument/2006/relationships" xmlns:p="http://schemas.openxmlformats.org/presentationml/2006/main">
+  <p:tag name="KSO_WM_UNIT_HIGHLIGHT" val="0"/>
+  <p:tag name="KSO_WM_UNIT_COMPATIBLE" val="0"/>
+  <p:tag name="KSO_WM_UNIT_DIAGRAM_ISNUMVISUAL" val="0"/>
+  <p:tag name="KSO_WM_UNIT_DIAGRAM_ISREFERUNIT" val="0"/>
+  <p:tag name="KSO_WM_UNIT_ID" val="_3**"/>
+  <p:tag name="KSO_WM_UNIT_LAYERLEVEL" val="1"/>
+  <p:tag name="KSO_WM_TAG_VERSION" val="1.0"/>
+  <p:tag name="KSO_WM_BEAUTIFY_FLAG" val="#wm#"/>
+</p:tagLst>
+</file>
+
+<file path=ppt/tags/tag25.xml><?xml version="1.0" encoding="utf-8"?>
+<p:tagLst xmlns:a="http://schemas.openxmlformats.org/drawingml/2006/main" xmlns:r="http://schemas.openxmlformats.org/officeDocument/2006/relationships" xmlns:p="http://schemas.openxmlformats.org/presentationml/2006/main">
+  <p:tag name="KSO_WM_UNIT_HIGHLIGHT" val="0"/>
+  <p:tag name="KSO_WM_UNIT_COMPATIBLE" val="0"/>
+  <p:tag name="KSO_WM_UNIT_DIAGRAM_ISNUMVISUAL" val="0"/>
+  <p:tag name="KSO_WM_UNIT_DIAGRAM_ISREFERUNIT" val="0"/>
+  <p:tag name="KSO_WM_UNIT_ID" val="_11**"/>
+  <p:tag name="KSO_WM_UNIT_LAYERLEVEL" val="1"/>
+  <p:tag name="KSO_WM_TAG_VERSION" val="1.0"/>
+  <p:tag name="KSO_WM_BEAUTIFY_FLAG" val="#wm#"/>
+</p:tagLst>
+</file>
+
+<file path=ppt/tags/tag26.xml><?xml version="1.0" encoding="utf-8"?>
+<p:tagLst xmlns:a="http://schemas.openxmlformats.org/drawingml/2006/main" xmlns:r="http://schemas.openxmlformats.org/officeDocument/2006/relationships" xmlns:p="http://schemas.openxmlformats.org/presentationml/2006/main">
+  <p:tag name="KSO_WM_UNIT_HIGHLIGHT" val="0"/>
+  <p:tag name="KSO_WM_UNIT_COMPATIBLE" val="0"/>
+  <p:tag name="KSO_WM_UNIT_DIAGRAM_ISNUMVISUAL" val="0"/>
+  <p:tag name="KSO_WM_UNIT_DIAGRAM_ISREFERUNIT" val="0"/>
+  <p:tag name="KSO_WM_UNIT_ID" val="_11**"/>
+  <p:tag name="KSO_WM_UNIT_LAYERLEVEL" val="1"/>
+  <p:tag name="KSO_WM_TAG_VERSION" val="1.0"/>
+  <p:tag name="KSO_WM_BEAUTIFY_FLAG" val="#wm#"/>
+</p:tagLst>
+</file>
+
+<file path=ppt/tags/tag27.xml><?xml version="1.0" encoding="utf-8"?>
+<p:tagLst xmlns:a="http://schemas.openxmlformats.org/drawingml/2006/main" xmlns:r="http://schemas.openxmlformats.org/officeDocument/2006/relationships" xmlns:p="http://schemas.openxmlformats.org/presentationml/2006/main">
+  <p:tag name="KSO_WM_UNIT_HIGHLIGHT" val="0"/>
+  <p:tag name="KSO_WM_UNIT_COMPATIBLE" val="0"/>
+  <p:tag name="KSO_WM_UNIT_DIAGRAM_ISNUMVISUAL" val="0"/>
+  <p:tag name="KSO_WM_UNIT_DIAGRAM_ISREFERUNIT" val="0"/>
+  <p:tag name="KSO_WM_UNIT_ID" val="_11**"/>
+  <p:tag name="KSO_WM_UNIT_LAYERLEVEL" val="1"/>
+  <p:tag name="KSO_WM_TAG_VERSION" val="1.0"/>
+  <p:tag name="KSO_WM_BEAUTIFY_FLAG" val="#wm#"/>
+</p:tagLst>
+</file>
+
+<file path=ppt/tags/tag28.xml><?xml version="1.0" encoding="utf-8"?>
+<p:tagLst xmlns:a="http://schemas.openxmlformats.org/drawingml/2006/main" xmlns:r="http://schemas.openxmlformats.org/officeDocument/2006/relationships" xmlns:p="http://schemas.openxmlformats.org/presentationml/2006/main">
+  <p:tag name="KSO_WM_UNIT_HIGHLIGHT" val="0"/>
+  <p:tag name="KSO_WM_UNIT_COMPATIBLE" val="0"/>
+  <p:tag name="KSO_WM_UNIT_DIAGRAM_ISNUMVISUAL" val="0"/>
+  <p:tag name="KSO_WM_UNIT_DIAGRAM_ISREFERUNIT" val="0"/>
+  <p:tag name="KSO_WM_UNIT_ID" val="_11**"/>
+  <p:tag name="KSO_WM_UNIT_LAYERLEVEL" val="1"/>
+  <p:tag name="KSO_WM_TAG_VERSION" val="1.0"/>
+  <p:tag name="KSO_WM_BEAUTIFY_FLAG" val="#wm#"/>
+</p:tagLst>
+</file>
+
+<file path=ppt/tags/tag29.xml><?xml version="1.0" encoding="utf-8"?>
+<p:tagLst xmlns:a="http://schemas.openxmlformats.org/drawingml/2006/main" xmlns:r="http://schemas.openxmlformats.org/officeDocument/2006/relationships" xmlns:p="http://schemas.openxmlformats.org/presentationml/2006/main">
+  <p:tag name="KSO_WM_UNIT_HIGHLIGHT" val="0"/>
+  <p:tag name="KSO_WM_UNIT_COMPATIBLE" val="0"/>
+  <p:tag name="KSO_WM_UNIT_DIAGRAM_ISNUMVISUAL" val="0"/>
+  <p:tag name="KSO_WM_UNIT_DIAGRAM_ISREFERUNIT" val="0"/>
+  <p:tag name="KSO_WM_UNIT_ID" val="_8**"/>
+  <p:tag name="KSO_WM_UNIT_LAYERLEVEL" val="1"/>
+  <p:tag name="KSO_WM_TAG_VERSION" val="1.0"/>
+  <p:tag name="KSO_WM_BEAUTIFY_FLAG" val="#wm#"/>
+</p:tagLst>
+</file>
+
+<file path=ppt/tags/tag3.xml><?xml version="1.0" encoding="utf-8"?>
+<p:tagLst xmlns:a="http://schemas.openxmlformats.org/drawingml/2006/main" xmlns:r="http://schemas.openxmlformats.org/officeDocument/2006/relationships" xmlns:p="http://schemas.openxmlformats.org/presentationml/2006/main">
   <p:tag name="KSO_WM_UNIT_HIGHLIGHT" val="0"/>
   <p:tag name="KSO_WM_UNIT_COMPATIBLE" val="0"/>
   <p:tag name="KSO_WM_UNIT_DIAGRAM_ISNUMVISUAL" val="0"/>
@@ -7816,8 +7889,8 @@
 </p:tagLst>
 </file>
 
-<file path=ppt/tags/tag20.xml><?xml version="1.0" encoding="utf-8"?>
-<p:tagLst xmlns:p="http://schemas.openxmlformats.org/presentationml/2006/main">
+<file path=ppt/tags/tag30.xml><?xml version="1.0" encoding="utf-8"?>
+<p:tagLst xmlns:a="http://schemas.openxmlformats.org/drawingml/2006/main" xmlns:r="http://schemas.openxmlformats.org/officeDocument/2006/relationships" xmlns:p="http://schemas.openxmlformats.org/presentationml/2006/main">
   <p:tag name="KSO_WM_UNIT_HIGHLIGHT" val="0"/>
   <p:tag name="KSO_WM_UNIT_COMPATIBLE" val="0"/>
   <p:tag name="KSO_WM_UNIT_DIAGRAM_ISNUMVISUAL" val="0"/>
@@ -7829,8 +7902,8 @@
 </p:tagLst>
 </file>
 
-<file path=ppt/tags/tag21.xml><?xml version="1.0" encoding="utf-8"?>
-<p:tagLst xmlns:p="http://schemas.openxmlformats.org/presentationml/2006/main">
+<file path=ppt/tags/tag31.xml><?xml version="1.0" encoding="utf-8"?>
+<p:tagLst xmlns:a="http://schemas.openxmlformats.org/drawingml/2006/main" xmlns:r="http://schemas.openxmlformats.org/officeDocument/2006/relationships" xmlns:p="http://schemas.openxmlformats.org/presentationml/2006/main">
   <p:tag name="KSO_WM_UNIT_HIGHLIGHT" val="0"/>
   <p:tag name="KSO_WM_UNIT_COMPATIBLE" val="0"/>
   <p:tag name="KSO_WM_UNIT_DIAGRAM_ISNUMVISUAL" val="0"/>
@@ -7842,8 +7915,307 @@
 </p:tagLst>
 </file>
 
-<file path=ppt/tags/tag22.xml><?xml version="1.0" encoding="utf-8"?>
-<p:tagLst xmlns:p="http://schemas.openxmlformats.org/presentationml/2006/main">
+<file path=ppt/tags/tag32.xml><?xml version="1.0" encoding="utf-8"?>
+<p:tagLst xmlns:a="http://schemas.openxmlformats.org/drawingml/2006/main" xmlns:r="http://schemas.openxmlformats.org/officeDocument/2006/relationships" xmlns:p="http://schemas.openxmlformats.org/presentationml/2006/main">
+  <p:tag name="KSO_WM_UNIT_HIGHLIGHT" val="0"/>
+  <p:tag name="KSO_WM_UNIT_COMPATIBLE" val="0"/>
+  <p:tag name="KSO_WM_UNIT_DIAGRAM_ISNUMVISUAL" val="0"/>
+  <p:tag name="KSO_WM_UNIT_DIAGRAM_ISREFERUNIT" val="0"/>
+  <p:tag name="KSO_WM_UNIT_ID" val="_4**"/>
+  <p:tag name="KSO_WM_UNIT_LAYERLEVEL" val="1"/>
+  <p:tag name="KSO_WM_TAG_VERSION" val="1.0"/>
+  <p:tag name="KSO_WM_BEAUTIFY_FLAG" val="#wm#"/>
+</p:tagLst>
+</file>
+
+<file path=ppt/tags/tag33.xml><?xml version="1.0" encoding="utf-8"?>
+<p:tagLst xmlns:a="http://schemas.openxmlformats.org/drawingml/2006/main" xmlns:r="http://schemas.openxmlformats.org/officeDocument/2006/relationships" xmlns:p="http://schemas.openxmlformats.org/presentationml/2006/main">
+  <p:tag name="KSO_WM_UNIT_HIGHLIGHT" val="0"/>
+  <p:tag name="KSO_WM_UNIT_COMPATIBLE" val="0"/>
+  <p:tag name="KSO_WM_UNIT_DIAGRAM_ISNUMVISUAL" val="0"/>
+  <p:tag name="KSO_WM_UNIT_DIAGRAM_ISREFERUNIT" val="0"/>
+  <p:tag name="KSO_WM_UNIT_ID" val="_4**"/>
+  <p:tag name="KSO_WM_UNIT_LAYERLEVEL" val="1"/>
+  <p:tag name="KSO_WM_TAG_VERSION" val="1.0"/>
+  <p:tag name="KSO_WM_BEAUTIFY_FLAG" val="#wm#"/>
+</p:tagLst>
+</file>
+
+<file path=ppt/tags/tag34.xml><?xml version="1.0" encoding="utf-8"?>
+<p:tagLst xmlns:a="http://schemas.openxmlformats.org/drawingml/2006/main" xmlns:r="http://schemas.openxmlformats.org/officeDocument/2006/relationships" xmlns:p="http://schemas.openxmlformats.org/presentationml/2006/main">
+  <p:tag name="KSO_WM_UNIT_HIGHLIGHT" val="0"/>
+  <p:tag name="KSO_WM_UNIT_COMPATIBLE" val="0"/>
+  <p:tag name="KSO_WM_UNIT_DIAGRAM_ISNUMVISUAL" val="0"/>
+  <p:tag name="KSO_WM_UNIT_DIAGRAM_ISREFERUNIT" val="0"/>
+  <p:tag name="KSO_WM_UNIT_ID" val="_4**"/>
+  <p:tag name="KSO_WM_UNIT_LAYERLEVEL" val="1"/>
+  <p:tag name="KSO_WM_TAG_VERSION" val="1.0"/>
+  <p:tag name="KSO_WM_BEAUTIFY_FLAG" val="#wm#"/>
+</p:tagLst>
+</file>
+
+<file path=ppt/tags/tag35.xml><?xml version="1.0" encoding="utf-8"?>
+<p:tagLst xmlns:a="http://schemas.openxmlformats.org/drawingml/2006/main" xmlns:r="http://schemas.openxmlformats.org/officeDocument/2006/relationships" xmlns:p="http://schemas.openxmlformats.org/presentationml/2006/main">
+  <p:tag name="KSO_WM_UNIT_HIGHLIGHT" val="0"/>
+  <p:tag name="KSO_WM_UNIT_COMPATIBLE" val="0"/>
+  <p:tag name="KSO_WM_UNIT_DIAGRAM_ISNUMVISUAL" val="0"/>
+  <p:tag name="KSO_WM_UNIT_DIAGRAM_ISREFERUNIT" val="0"/>
+  <p:tag name="KSO_WM_UNIT_ID" val="_4**"/>
+  <p:tag name="KSO_WM_UNIT_LAYERLEVEL" val="1"/>
+  <p:tag name="KSO_WM_TAG_VERSION" val="1.0"/>
+  <p:tag name="KSO_WM_BEAUTIFY_FLAG" val="#wm#"/>
+</p:tagLst>
+</file>
+
+<file path=ppt/tags/tag36.xml><?xml version="1.0" encoding="utf-8"?>
+<p:tagLst xmlns:a="http://schemas.openxmlformats.org/drawingml/2006/main" xmlns:r="http://schemas.openxmlformats.org/officeDocument/2006/relationships" xmlns:p="http://schemas.openxmlformats.org/presentationml/2006/main">
+  <p:tag name="KSO_WM_UNIT_HIGHLIGHT" val="0"/>
+  <p:tag name="KSO_WM_UNIT_COMPATIBLE" val="0"/>
+  <p:tag name="KSO_WM_UNIT_DIAGRAM_ISNUMVISUAL" val="0"/>
+  <p:tag name="KSO_WM_UNIT_DIAGRAM_ISREFERUNIT" val="0"/>
+  <p:tag name="KSO_WM_UNIT_ID" val="_4**"/>
+  <p:tag name="KSO_WM_UNIT_LAYERLEVEL" val="1"/>
+  <p:tag name="KSO_WM_TAG_VERSION" val="1.0"/>
+  <p:tag name="KSO_WM_BEAUTIFY_FLAG" val="#wm#"/>
+</p:tagLst>
+</file>
+
+<file path=ppt/tags/tag37.xml><?xml version="1.0" encoding="utf-8"?>
+<p:tagLst xmlns:a="http://schemas.openxmlformats.org/drawingml/2006/main" xmlns:r="http://schemas.openxmlformats.org/officeDocument/2006/relationships" xmlns:p="http://schemas.openxmlformats.org/presentationml/2006/main">
+  <p:tag name="KSO_WM_UNIT_HIGHLIGHT" val="0"/>
+  <p:tag name="KSO_WM_UNIT_COMPATIBLE" val="0"/>
+  <p:tag name="KSO_WM_UNIT_DIAGRAM_ISNUMVISUAL" val="0"/>
+  <p:tag name="KSO_WM_UNIT_DIAGRAM_ISREFERUNIT" val="0"/>
+  <p:tag name="KSO_WM_UNIT_ID" val="_4**"/>
+  <p:tag name="KSO_WM_UNIT_LAYERLEVEL" val="1"/>
+  <p:tag name="KSO_WM_TAG_VERSION" val="1.0"/>
+  <p:tag name="KSO_WM_BEAUTIFY_FLAG" val="#wm#"/>
+</p:tagLst>
+</file>
+
+<file path=ppt/tags/tag38.xml><?xml version="1.0" encoding="utf-8"?>
+<p:tagLst xmlns:a="http://schemas.openxmlformats.org/drawingml/2006/main" xmlns:r="http://schemas.openxmlformats.org/officeDocument/2006/relationships" xmlns:p="http://schemas.openxmlformats.org/presentationml/2006/main">
+  <p:tag name="KSO_WM_UNIT_HIGHLIGHT" val="0"/>
+  <p:tag name="KSO_WM_UNIT_COMPATIBLE" val="0"/>
+  <p:tag name="KSO_WM_UNIT_DIAGRAM_ISNUMVISUAL" val="0"/>
+  <p:tag name="KSO_WM_UNIT_DIAGRAM_ISREFERUNIT" val="0"/>
+  <p:tag name="KSO_WM_UNIT_ID" val="_5**"/>
+  <p:tag name="KSO_WM_UNIT_LAYERLEVEL" val="1"/>
+  <p:tag name="KSO_WM_TAG_VERSION" val="1.0"/>
+  <p:tag name="KSO_WM_BEAUTIFY_FLAG" val="#wm#"/>
+</p:tagLst>
+</file>
+
+<file path=ppt/tags/tag39.xml><?xml version="1.0" encoding="utf-8"?>
+<p:tagLst xmlns:a="http://schemas.openxmlformats.org/drawingml/2006/main" xmlns:r="http://schemas.openxmlformats.org/officeDocument/2006/relationships" xmlns:p="http://schemas.openxmlformats.org/presentationml/2006/main">
+  <p:tag name="KSO_WM_UNIT_HIGHLIGHT" val="0"/>
+  <p:tag name="KSO_WM_UNIT_COMPATIBLE" val="0"/>
+  <p:tag name="KSO_WM_UNIT_DIAGRAM_ISNUMVISUAL" val="0"/>
+  <p:tag name="KSO_WM_UNIT_DIAGRAM_ISREFERUNIT" val="0"/>
+  <p:tag name="KSO_WM_UNIT_ID" val="_5**"/>
+  <p:tag name="KSO_WM_UNIT_LAYERLEVEL" val="1"/>
+  <p:tag name="KSO_WM_TAG_VERSION" val="1.0"/>
+  <p:tag name="KSO_WM_BEAUTIFY_FLAG" val="#wm#"/>
+</p:tagLst>
+</file>
+
+<file path=ppt/tags/tag4.xml><?xml version="1.0" encoding="utf-8"?>
+<p:tagLst xmlns:a="http://schemas.openxmlformats.org/drawingml/2006/main" xmlns:r="http://schemas.openxmlformats.org/officeDocument/2006/relationships" xmlns:p="http://schemas.openxmlformats.org/presentationml/2006/main">
+  <p:tag name="KSO_WM_UNIT_HIGHLIGHT" val="0"/>
+  <p:tag name="KSO_WM_UNIT_COMPATIBLE" val="0"/>
+  <p:tag name="KSO_WM_UNIT_DIAGRAM_ISNUMVISUAL" val="0"/>
+  <p:tag name="KSO_WM_UNIT_DIAGRAM_ISREFERUNIT" val="0"/>
+  <p:tag name="KSO_WM_UNIT_ID" val="_5**"/>
+  <p:tag name="KSO_WM_UNIT_LAYERLEVEL" val="1"/>
+  <p:tag name="KSO_WM_TAG_VERSION" val="1.0"/>
+  <p:tag name="KSO_WM_BEAUTIFY_FLAG" val="#wm#"/>
+</p:tagLst>
+</file>
+
+<file path=ppt/tags/tag40.xml><?xml version="1.0" encoding="utf-8"?>
+<p:tagLst xmlns:a="http://schemas.openxmlformats.org/drawingml/2006/main" xmlns:r="http://schemas.openxmlformats.org/officeDocument/2006/relationships" xmlns:p="http://schemas.openxmlformats.org/presentationml/2006/main">
+  <p:tag name="KSO_WM_UNIT_HIGHLIGHT" val="0"/>
+  <p:tag name="KSO_WM_UNIT_COMPATIBLE" val="0"/>
+  <p:tag name="KSO_WM_UNIT_DIAGRAM_ISNUMVISUAL" val="0"/>
+  <p:tag name="KSO_WM_UNIT_DIAGRAM_ISREFERUNIT" val="0"/>
+  <p:tag name="KSO_WM_UNIT_ID" val="_5**"/>
+  <p:tag name="KSO_WM_UNIT_LAYERLEVEL" val="1"/>
+  <p:tag name="KSO_WM_TAG_VERSION" val="1.0"/>
+  <p:tag name="KSO_WM_BEAUTIFY_FLAG" val="#wm#"/>
+</p:tagLst>
+</file>
+
+<file path=ppt/tags/tag41.xml><?xml version="1.0" encoding="utf-8"?>
+<p:tagLst xmlns:a="http://schemas.openxmlformats.org/drawingml/2006/main" xmlns:r="http://schemas.openxmlformats.org/officeDocument/2006/relationships" xmlns:p="http://schemas.openxmlformats.org/presentationml/2006/main">
+  <p:tag name="KSO_WM_UNIT_HIGHLIGHT" val="0"/>
+  <p:tag name="KSO_WM_UNIT_COMPATIBLE" val="0"/>
+  <p:tag name="KSO_WM_UNIT_DIAGRAM_ISNUMVISUAL" val="0"/>
+  <p:tag name="KSO_WM_UNIT_DIAGRAM_ISREFERUNIT" val="0"/>
+  <p:tag name="KSO_WM_UNIT_ID" val="_5**"/>
+  <p:tag name="KSO_WM_UNIT_LAYERLEVEL" val="1"/>
+  <p:tag name="KSO_WM_TAG_VERSION" val="1.0"/>
+  <p:tag name="KSO_WM_BEAUTIFY_FLAG" val="#wm#"/>
+</p:tagLst>
+</file>
+
+<file path=ppt/tags/tag42.xml><?xml version="1.0" encoding="utf-8"?>
+<p:tagLst xmlns:a="http://schemas.openxmlformats.org/drawingml/2006/main" xmlns:r="http://schemas.openxmlformats.org/officeDocument/2006/relationships" xmlns:p="http://schemas.openxmlformats.org/presentationml/2006/main">
+  <p:tag name="KSO_WM_UNIT_HIGHLIGHT" val="0"/>
+  <p:tag name="KSO_WM_UNIT_COMPATIBLE" val="0"/>
+  <p:tag name="KSO_WM_UNIT_DIAGRAM_ISNUMVISUAL" val="0"/>
+  <p:tag name="KSO_WM_UNIT_DIAGRAM_ISREFERUNIT" val="0"/>
+  <p:tag name="KSO_WM_UNIT_ID" val="_5**"/>
+  <p:tag name="KSO_WM_UNIT_LAYERLEVEL" val="1"/>
+  <p:tag name="KSO_WM_TAG_VERSION" val="1.0"/>
+  <p:tag name="KSO_WM_BEAUTIFY_FLAG" val="#wm#"/>
+</p:tagLst>
+</file>
+
+<file path=ppt/tags/tag43.xml><?xml version="1.0" encoding="utf-8"?>
+<p:tagLst xmlns:a="http://schemas.openxmlformats.org/drawingml/2006/main" xmlns:r="http://schemas.openxmlformats.org/officeDocument/2006/relationships" xmlns:p="http://schemas.openxmlformats.org/presentationml/2006/main">
+  <p:tag name="KSO_WM_UNIT_HIGHLIGHT" val="0"/>
+  <p:tag name="KSO_WM_UNIT_COMPATIBLE" val="0"/>
+  <p:tag name="KSO_WM_UNIT_DIAGRAM_ISNUMVISUAL" val="0"/>
+  <p:tag name="KSO_WM_UNIT_DIAGRAM_ISREFERUNIT" val="0"/>
+  <p:tag name="KSO_WM_UNIT_ID" val="_5**"/>
+  <p:tag name="KSO_WM_UNIT_LAYERLEVEL" val="1"/>
+  <p:tag name="KSO_WM_TAG_VERSION" val="1.0"/>
+  <p:tag name="KSO_WM_BEAUTIFY_FLAG" val="#wm#"/>
+</p:tagLst>
+</file>
+
+<file path=ppt/tags/tag44.xml><?xml version="1.0" encoding="utf-8"?>
+<p:tagLst xmlns:a="http://schemas.openxmlformats.org/drawingml/2006/main" xmlns:r="http://schemas.openxmlformats.org/officeDocument/2006/relationships" xmlns:p="http://schemas.openxmlformats.org/presentationml/2006/main">
+  <p:tag name="KSO_WM_UNIT_HIGHLIGHT" val="0"/>
+  <p:tag name="KSO_WM_UNIT_COMPATIBLE" val="0"/>
+  <p:tag name="KSO_WM_UNIT_DIAGRAM_ISNUMVISUAL" val="0"/>
+  <p:tag name="KSO_WM_UNIT_DIAGRAM_ISREFERUNIT" val="0"/>
+  <p:tag name="KSO_WM_UNIT_ID" val="_5**"/>
+  <p:tag name="KSO_WM_UNIT_LAYERLEVEL" val="1"/>
+  <p:tag name="KSO_WM_TAG_VERSION" val="1.0"/>
+  <p:tag name="KSO_WM_BEAUTIFY_FLAG" val="#wm#"/>
+</p:tagLst>
+</file>
+
+<file path=ppt/tags/tag45.xml><?xml version="1.0" encoding="utf-8"?>
+<p:tagLst xmlns:a="http://schemas.openxmlformats.org/drawingml/2006/main" xmlns:r="http://schemas.openxmlformats.org/officeDocument/2006/relationships" xmlns:p="http://schemas.openxmlformats.org/presentationml/2006/main">
+  <p:tag name="KSO_WM_UNIT_HIGHLIGHT" val="0"/>
+  <p:tag name="KSO_WM_UNIT_COMPATIBLE" val="0"/>
+  <p:tag name="KSO_WM_UNIT_DIAGRAM_ISNUMVISUAL" val="0"/>
+  <p:tag name="KSO_WM_UNIT_DIAGRAM_ISREFERUNIT" val="0"/>
+  <p:tag name="KSO_WM_UNIT_ID" val="_5**"/>
+  <p:tag name="KSO_WM_UNIT_LAYERLEVEL" val="1"/>
+  <p:tag name="KSO_WM_TAG_VERSION" val="1.0"/>
+  <p:tag name="KSO_WM_BEAUTIFY_FLAG" val="#wm#"/>
+</p:tagLst>
+</file>
+
+<file path=ppt/tags/tag46.xml><?xml version="1.0" encoding="utf-8"?>
+<p:tagLst xmlns:a="http://schemas.openxmlformats.org/drawingml/2006/main" xmlns:r="http://schemas.openxmlformats.org/officeDocument/2006/relationships" xmlns:p="http://schemas.openxmlformats.org/presentationml/2006/main">
+  <p:tag name="KSO_WM_UNIT_HIGHLIGHT" val="0"/>
+  <p:tag name="KSO_WM_UNIT_COMPATIBLE" val="0"/>
+  <p:tag name="KSO_WM_UNIT_DIAGRAM_ISNUMVISUAL" val="0"/>
+  <p:tag name="KSO_WM_UNIT_DIAGRAM_ISREFERUNIT" val="0"/>
+  <p:tag name="KSO_WM_UNIT_ID" val="_6**"/>
+  <p:tag name="KSO_WM_UNIT_LAYERLEVEL" val="1"/>
+  <p:tag name="KSO_WM_TAG_VERSION" val="1.0"/>
+  <p:tag name="KSO_WM_BEAUTIFY_FLAG" val="#wm#"/>
+</p:tagLst>
+</file>
+
+<file path=ppt/tags/tag47.xml><?xml version="1.0" encoding="utf-8"?>
+<p:tagLst xmlns:a="http://schemas.openxmlformats.org/drawingml/2006/main" xmlns:r="http://schemas.openxmlformats.org/officeDocument/2006/relationships" xmlns:p="http://schemas.openxmlformats.org/presentationml/2006/main">
+  <p:tag name="KSO_WM_UNIT_HIGHLIGHT" val="0"/>
+  <p:tag name="KSO_WM_UNIT_COMPATIBLE" val="0"/>
+  <p:tag name="KSO_WM_UNIT_DIAGRAM_ISNUMVISUAL" val="0"/>
+  <p:tag name="KSO_WM_UNIT_DIAGRAM_ISREFERUNIT" val="0"/>
+  <p:tag name="KSO_WM_UNIT_ID" val="_6**"/>
+  <p:tag name="KSO_WM_UNIT_LAYERLEVEL" val="1"/>
+  <p:tag name="KSO_WM_TAG_VERSION" val="1.0"/>
+  <p:tag name="KSO_WM_BEAUTIFY_FLAG" val="#wm#"/>
+</p:tagLst>
+</file>
+
+<file path=ppt/tags/tag48.xml><?xml version="1.0" encoding="utf-8"?>
+<p:tagLst xmlns:a="http://schemas.openxmlformats.org/drawingml/2006/main" xmlns:r="http://schemas.openxmlformats.org/officeDocument/2006/relationships" xmlns:p="http://schemas.openxmlformats.org/presentationml/2006/main">
+  <p:tag name="KSO_WM_UNIT_HIGHLIGHT" val="0"/>
+  <p:tag name="KSO_WM_UNIT_COMPATIBLE" val="0"/>
+  <p:tag name="KSO_WM_UNIT_DIAGRAM_ISNUMVISUAL" val="0"/>
+  <p:tag name="KSO_WM_UNIT_DIAGRAM_ISREFERUNIT" val="0"/>
+  <p:tag name="KSO_WM_UNIT_ID" val="_6**"/>
+  <p:tag name="KSO_WM_UNIT_LAYERLEVEL" val="1"/>
+  <p:tag name="KSO_WM_TAG_VERSION" val="1.0"/>
+  <p:tag name="KSO_WM_BEAUTIFY_FLAG" val="#wm#"/>
+</p:tagLst>
+</file>
+
+<file path=ppt/tags/tag49.xml><?xml version="1.0" encoding="utf-8"?>
+<p:tagLst xmlns:a="http://schemas.openxmlformats.org/drawingml/2006/main" xmlns:r="http://schemas.openxmlformats.org/officeDocument/2006/relationships" xmlns:p="http://schemas.openxmlformats.org/presentationml/2006/main">
+  <p:tag name="KSO_WM_UNIT_HIGHLIGHT" val="0"/>
+  <p:tag name="KSO_WM_UNIT_COMPATIBLE" val="0"/>
+  <p:tag name="KSO_WM_UNIT_DIAGRAM_ISNUMVISUAL" val="0"/>
+  <p:tag name="KSO_WM_UNIT_DIAGRAM_ISREFERUNIT" val="0"/>
+  <p:tag name="KSO_WM_UNIT_ID" val="_6**"/>
+  <p:tag name="KSO_WM_UNIT_LAYERLEVEL" val="1"/>
+  <p:tag name="KSO_WM_TAG_VERSION" val="1.0"/>
+  <p:tag name="KSO_WM_BEAUTIFY_FLAG" val="#wm#"/>
+</p:tagLst>
+</file>
+
+<file path=ppt/tags/tag5.xml><?xml version="1.0" encoding="utf-8"?>
+<p:tagLst xmlns:a="http://schemas.openxmlformats.org/drawingml/2006/main" xmlns:r="http://schemas.openxmlformats.org/officeDocument/2006/relationships" xmlns:p="http://schemas.openxmlformats.org/presentationml/2006/main">
+  <p:tag name="KSO_WM_UNIT_HIGHLIGHT" val="0"/>
+  <p:tag name="KSO_WM_UNIT_COMPATIBLE" val="0"/>
+  <p:tag name="KSO_WM_UNIT_DIAGRAM_ISNUMVISUAL" val="0"/>
+  <p:tag name="KSO_WM_UNIT_DIAGRAM_ISREFERUNIT" val="0"/>
+  <p:tag name="KSO_WM_UNIT_ID" val="_5**"/>
+  <p:tag name="KSO_WM_UNIT_LAYERLEVEL" val="1"/>
+  <p:tag name="KSO_WM_TAG_VERSION" val="1.0"/>
+  <p:tag name="KSO_WM_BEAUTIFY_FLAG" val="#wm#"/>
+</p:tagLst>
+</file>
+
+<file path=ppt/tags/tag50.xml><?xml version="1.0" encoding="utf-8"?>
+<p:tagLst xmlns:a="http://schemas.openxmlformats.org/drawingml/2006/main" xmlns:r="http://schemas.openxmlformats.org/officeDocument/2006/relationships" xmlns:p="http://schemas.openxmlformats.org/presentationml/2006/main">
+  <p:tag name="KSO_WM_UNIT_HIGHLIGHT" val="0"/>
+  <p:tag name="KSO_WM_UNIT_COMPATIBLE" val="0"/>
+  <p:tag name="KSO_WM_UNIT_DIAGRAM_ISNUMVISUAL" val="0"/>
+  <p:tag name="KSO_WM_UNIT_DIAGRAM_ISREFERUNIT" val="0"/>
+  <p:tag name="KSO_WM_UNIT_ID" val="_7**"/>
+  <p:tag name="KSO_WM_UNIT_LAYERLEVEL" val="1"/>
+  <p:tag name="KSO_WM_TAG_VERSION" val="1.0"/>
+  <p:tag name="KSO_WM_BEAUTIFY_FLAG" val="#wm#"/>
+</p:tagLst>
+</file>
+
+<file path=ppt/tags/tag51.xml><?xml version="1.0" encoding="utf-8"?>
+<p:tagLst xmlns:a="http://schemas.openxmlformats.org/drawingml/2006/main" xmlns:r="http://schemas.openxmlformats.org/officeDocument/2006/relationships" xmlns:p="http://schemas.openxmlformats.org/presentationml/2006/main">
+  <p:tag name="KSO_WM_UNIT_HIGHLIGHT" val="0"/>
+  <p:tag name="KSO_WM_UNIT_COMPATIBLE" val="0"/>
+  <p:tag name="KSO_WM_UNIT_DIAGRAM_ISNUMVISUAL" val="0"/>
+  <p:tag name="KSO_WM_UNIT_DIAGRAM_ISREFERUNIT" val="0"/>
+  <p:tag name="KSO_WM_UNIT_ID" val="_7**"/>
+  <p:tag name="KSO_WM_UNIT_LAYERLEVEL" val="1"/>
+  <p:tag name="KSO_WM_TAG_VERSION" val="1.0"/>
+  <p:tag name="KSO_WM_BEAUTIFY_FLAG" val="#wm#"/>
+</p:tagLst>
+</file>
+
+<file path=ppt/tags/tag52.xml><?xml version="1.0" encoding="utf-8"?>
+<p:tagLst xmlns:a="http://schemas.openxmlformats.org/drawingml/2006/main" xmlns:r="http://schemas.openxmlformats.org/officeDocument/2006/relationships" xmlns:p="http://schemas.openxmlformats.org/presentationml/2006/main">
+  <p:tag name="KSO_WM_UNIT_HIGHLIGHT" val="0"/>
+  <p:tag name="KSO_WM_UNIT_COMPATIBLE" val="0"/>
+  <p:tag name="KSO_WM_UNIT_DIAGRAM_ISNUMVISUAL" val="0"/>
+  <p:tag name="KSO_WM_UNIT_DIAGRAM_ISREFERUNIT" val="0"/>
+  <p:tag name="KSO_WM_UNIT_ID" val="_7**"/>
+  <p:tag name="KSO_WM_UNIT_LAYERLEVEL" val="1"/>
+  <p:tag name="KSO_WM_TAG_VERSION" val="1.0"/>
+  <p:tag name="KSO_WM_BEAUTIFY_FLAG" val="#wm#"/>
+</p:tagLst>
+</file>
+
+<file path=ppt/tags/tag53.xml><?xml version="1.0" encoding="utf-8"?>
+<p:tagLst xmlns:a="http://schemas.openxmlformats.org/drawingml/2006/main" xmlns:r="http://schemas.openxmlformats.org/officeDocument/2006/relationships" xmlns:p="http://schemas.openxmlformats.org/presentationml/2006/main">
   <p:tag name="KSO_WM_UNIT_HIGHLIGHT" val="0"/>
   <p:tag name="KSO_WM_UNIT_COMPATIBLE" val="0"/>
   <p:tag name="KSO_WM_UNIT_DIAGRAM_ISNUMVISUAL" val="0"/>
@@ -7855,73 +8227,8 @@
 </p:tagLst>
 </file>
 
-<file path=ppt/tags/tag23.xml><?xml version="1.0" encoding="utf-8"?>
-<p:tagLst xmlns:p="http://schemas.openxmlformats.org/presentationml/2006/main">
-  <p:tag name="KSO_WM_UNIT_HIGHLIGHT" val="0"/>
-  <p:tag name="KSO_WM_UNIT_COMPATIBLE" val="0"/>
-  <p:tag name="KSO_WM_UNIT_DIAGRAM_ISNUMVISUAL" val="0"/>
-  <p:tag name="KSO_WM_UNIT_DIAGRAM_ISREFERUNIT" val="0"/>
-  <p:tag name="KSO_WM_UNIT_ID" val="_3**"/>
-  <p:tag name="KSO_WM_UNIT_LAYERLEVEL" val="1"/>
-  <p:tag name="KSO_WM_TAG_VERSION" val="1.0"/>
-  <p:tag name="KSO_WM_BEAUTIFY_FLAG" val="#wm#"/>
-</p:tagLst>
-</file>
-
-<file path=ppt/tags/tag24.xml><?xml version="1.0" encoding="utf-8"?>
-<p:tagLst xmlns:p="http://schemas.openxmlformats.org/presentationml/2006/main">
-  <p:tag name="KSO_WM_UNIT_HIGHLIGHT" val="0"/>
-  <p:tag name="KSO_WM_UNIT_COMPATIBLE" val="0"/>
-  <p:tag name="KSO_WM_UNIT_DIAGRAM_ISNUMVISUAL" val="0"/>
-  <p:tag name="KSO_WM_UNIT_DIAGRAM_ISREFERUNIT" val="0"/>
-  <p:tag name="KSO_WM_UNIT_ID" val="_11**"/>
-  <p:tag name="KSO_WM_UNIT_LAYERLEVEL" val="1"/>
-  <p:tag name="KSO_WM_TAG_VERSION" val="1.0"/>
-  <p:tag name="KSO_WM_BEAUTIFY_FLAG" val="#wm#"/>
-</p:tagLst>
-</file>
-
-<file path=ppt/tags/tag25.xml><?xml version="1.0" encoding="utf-8"?>
-<p:tagLst xmlns:p="http://schemas.openxmlformats.org/presentationml/2006/main">
-  <p:tag name="KSO_WM_UNIT_HIGHLIGHT" val="0"/>
-  <p:tag name="KSO_WM_UNIT_COMPATIBLE" val="0"/>
-  <p:tag name="KSO_WM_UNIT_DIAGRAM_ISNUMVISUAL" val="0"/>
-  <p:tag name="KSO_WM_UNIT_DIAGRAM_ISREFERUNIT" val="0"/>
-  <p:tag name="KSO_WM_UNIT_ID" val="_11**"/>
-  <p:tag name="KSO_WM_UNIT_LAYERLEVEL" val="1"/>
-  <p:tag name="KSO_WM_TAG_VERSION" val="1.0"/>
-  <p:tag name="KSO_WM_BEAUTIFY_FLAG" val="#wm#"/>
-</p:tagLst>
-</file>
-
-<file path=ppt/tags/tag26.xml><?xml version="1.0" encoding="utf-8"?>
-<p:tagLst xmlns:p="http://schemas.openxmlformats.org/presentationml/2006/main">
-  <p:tag name="KSO_WM_UNIT_HIGHLIGHT" val="0"/>
-  <p:tag name="KSO_WM_UNIT_COMPATIBLE" val="0"/>
-  <p:tag name="KSO_WM_UNIT_DIAGRAM_ISNUMVISUAL" val="0"/>
-  <p:tag name="KSO_WM_UNIT_DIAGRAM_ISREFERUNIT" val="0"/>
-  <p:tag name="KSO_WM_UNIT_ID" val="_11**"/>
-  <p:tag name="KSO_WM_UNIT_LAYERLEVEL" val="1"/>
-  <p:tag name="KSO_WM_TAG_VERSION" val="1.0"/>
-  <p:tag name="KSO_WM_BEAUTIFY_FLAG" val="#wm#"/>
-</p:tagLst>
-</file>
-
-<file path=ppt/tags/tag27.xml><?xml version="1.0" encoding="utf-8"?>
-<p:tagLst xmlns:p="http://schemas.openxmlformats.org/presentationml/2006/main">
-  <p:tag name="KSO_WM_UNIT_HIGHLIGHT" val="0"/>
-  <p:tag name="KSO_WM_UNIT_COMPATIBLE" val="0"/>
-  <p:tag name="KSO_WM_UNIT_DIAGRAM_ISNUMVISUAL" val="0"/>
-  <p:tag name="KSO_WM_UNIT_DIAGRAM_ISREFERUNIT" val="0"/>
-  <p:tag name="KSO_WM_UNIT_ID" val="_11**"/>
-  <p:tag name="KSO_WM_UNIT_LAYERLEVEL" val="1"/>
-  <p:tag name="KSO_WM_TAG_VERSION" val="1.0"/>
-  <p:tag name="KSO_WM_BEAUTIFY_FLAG" val="#wm#"/>
-</p:tagLst>
-</file>
-
-<file path=ppt/tags/tag28.xml><?xml version="1.0" encoding="utf-8"?>
-<p:tagLst xmlns:p="http://schemas.openxmlformats.org/presentationml/2006/main">
+<file path=ppt/tags/tag54.xml><?xml version="1.0" encoding="utf-8"?>
+<p:tagLst xmlns:a="http://schemas.openxmlformats.org/drawingml/2006/main" xmlns:r="http://schemas.openxmlformats.org/officeDocument/2006/relationships" xmlns:p="http://schemas.openxmlformats.org/presentationml/2006/main">
   <p:tag name="KSO_WM_UNIT_HIGHLIGHT" val="0"/>
   <p:tag name="KSO_WM_UNIT_COMPATIBLE" val="0"/>
   <p:tag name="KSO_WM_UNIT_DIAGRAM_ISNUMVISUAL" val="0"/>
@@ -7933,8 +8240,8 @@
 </p:tagLst>
 </file>
 
-<file path=ppt/tags/tag29.xml><?xml version="1.0" encoding="utf-8"?>
-<p:tagLst xmlns:p="http://schemas.openxmlformats.org/presentationml/2006/main">
+<file path=ppt/tags/tag55.xml><?xml version="1.0" encoding="utf-8"?>
+<p:tagLst xmlns:a="http://schemas.openxmlformats.org/drawingml/2006/main" xmlns:r="http://schemas.openxmlformats.org/officeDocument/2006/relationships" xmlns:p="http://schemas.openxmlformats.org/presentationml/2006/main">
   <p:tag name="KSO_WM_UNIT_HIGHLIGHT" val="0"/>
   <p:tag name="KSO_WM_UNIT_COMPATIBLE" val="0"/>
   <p:tag name="KSO_WM_UNIT_DIAGRAM_ISNUMVISUAL" val="0"/>
@@ -7946,8 +8253,60 @@
 </p:tagLst>
 </file>
 
-<file path=ppt/tags/tag3.xml><?xml version="1.0" encoding="utf-8"?>
-<p:tagLst xmlns:p="http://schemas.openxmlformats.org/presentationml/2006/main">
+<file path=ppt/tags/tag56.xml><?xml version="1.0" encoding="utf-8"?>
+<p:tagLst xmlns:a="http://schemas.openxmlformats.org/drawingml/2006/main" xmlns:r="http://schemas.openxmlformats.org/officeDocument/2006/relationships" xmlns:p="http://schemas.openxmlformats.org/presentationml/2006/main">
+  <p:tag name="KSO_WM_UNIT_HIGHLIGHT" val="0"/>
+  <p:tag name="KSO_WM_UNIT_COMPATIBLE" val="0"/>
+  <p:tag name="KSO_WM_UNIT_DIAGRAM_ISNUMVISUAL" val="0"/>
+  <p:tag name="KSO_WM_UNIT_DIAGRAM_ISREFERUNIT" val="0"/>
+  <p:tag name="KSO_WM_UNIT_ID" val="_8**"/>
+  <p:tag name="KSO_WM_UNIT_LAYERLEVEL" val="1"/>
+  <p:tag name="KSO_WM_TAG_VERSION" val="1.0"/>
+  <p:tag name="KSO_WM_BEAUTIFY_FLAG" val="#wm#"/>
+</p:tagLst>
+</file>
+
+<file path=ppt/tags/tag57.xml><?xml version="1.0" encoding="utf-8"?>
+<p:tagLst xmlns:a="http://schemas.openxmlformats.org/drawingml/2006/main" xmlns:r="http://schemas.openxmlformats.org/officeDocument/2006/relationships" xmlns:p="http://schemas.openxmlformats.org/presentationml/2006/main">
+  <p:tag name="KSO_WM_UNIT_HIGHLIGHT" val="0"/>
+  <p:tag name="KSO_WM_UNIT_COMPATIBLE" val="0"/>
+  <p:tag name="KSO_WM_UNIT_DIAGRAM_ISNUMVISUAL" val="0"/>
+  <p:tag name="KSO_WM_UNIT_DIAGRAM_ISREFERUNIT" val="0"/>
+  <p:tag name="KSO_WM_UNIT_ID" val="_8**"/>
+  <p:tag name="KSO_WM_UNIT_LAYERLEVEL" val="1"/>
+  <p:tag name="KSO_WM_TAG_VERSION" val="1.0"/>
+  <p:tag name="KSO_WM_BEAUTIFY_FLAG" val="#wm#"/>
+</p:tagLst>
+</file>
+
+<file path=ppt/tags/tag58.xml><?xml version="1.0" encoding="utf-8"?>
+<p:tagLst xmlns:a="http://schemas.openxmlformats.org/drawingml/2006/main" xmlns:r="http://schemas.openxmlformats.org/officeDocument/2006/relationships" xmlns:p="http://schemas.openxmlformats.org/presentationml/2006/main">
+  <p:tag name="KSO_WM_UNIT_HIGHLIGHT" val="0"/>
+  <p:tag name="KSO_WM_UNIT_COMPATIBLE" val="0"/>
+  <p:tag name="KSO_WM_UNIT_DIAGRAM_ISNUMVISUAL" val="0"/>
+  <p:tag name="KSO_WM_UNIT_DIAGRAM_ISREFERUNIT" val="0"/>
+  <p:tag name="KSO_WM_UNIT_ID" val="_8**"/>
+  <p:tag name="KSO_WM_UNIT_LAYERLEVEL" val="1"/>
+  <p:tag name="KSO_WM_TAG_VERSION" val="1.0"/>
+  <p:tag name="KSO_WM_BEAUTIFY_FLAG" val="#wm#"/>
+</p:tagLst>
+</file>
+
+<file path=ppt/tags/tag59.xml><?xml version="1.0" encoding="utf-8"?>
+<p:tagLst xmlns:a="http://schemas.openxmlformats.org/drawingml/2006/main" xmlns:r="http://schemas.openxmlformats.org/officeDocument/2006/relationships" xmlns:p="http://schemas.openxmlformats.org/presentationml/2006/main">
+  <p:tag name="KSO_WM_UNIT_HIGHLIGHT" val="0"/>
+  <p:tag name="KSO_WM_UNIT_COMPATIBLE" val="0"/>
+  <p:tag name="KSO_WM_UNIT_DIAGRAM_ISNUMVISUAL" val="0"/>
+  <p:tag name="KSO_WM_UNIT_DIAGRAM_ISREFERUNIT" val="0"/>
+  <p:tag name="KSO_WM_UNIT_ID" val="_9**"/>
+  <p:tag name="KSO_WM_UNIT_LAYERLEVEL" val="1"/>
+  <p:tag name="KSO_WM_TAG_VERSION" val="1.0"/>
+  <p:tag name="KSO_WM_BEAUTIFY_FLAG" val="#wm#"/>
+</p:tagLst>
+</file>
+
+<file path=ppt/tags/tag6.xml><?xml version="1.0" encoding="utf-8"?>
+<p:tagLst xmlns:a="http://schemas.openxmlformats.org/drawingml/2006/main" xmlns:r="http://schemas.openxmlformats.org/officeDocument/2006/relationships" xmlns:p="http://schemas.openxmlformats.org/presentationml/2006/main">
   <p:tag name="KSO_WM_UNIT_HIGHLIGHT" val="0"/>
   <p:tag name="KSO_WM_UNIT_COMPATIBLE" val="0"/>
   <p:tag name="KSO_WM_UNIT_DIAGRAM_ISNUMVISUAL" val="0"/>
@@ -7959,398 +8318,8 @@
 </p:tagLst>
 </file>
 
-<file path=ppt/tags/tag30.xml><?xml version="1.0" encoding="utf-8"?>
-<p:tagLst xmlns:p="http://schemas.openxmlformats.org/presentationml/2006/main">
-  <p:tag name="KSO_WM_UNIT_HIGHLIGHT" val="0"/>
-  <p:tag name="KSO_WM_UNIT_COMPATIBLE" val="0"/>
-  <p:tag name="KSO_WM_UNIT_DIAGRAM_ISNUMVISUAL" val="0"/>
-  <p:tag name="KSO_WM_UNIT_DIAGRAM_ISREFERUNIT" val="0"/>
-  <p:tag name="KSO_WM_UNIT_ID" val="_8**"/>
-  <p:tag name="KSO_WM_UNIT_LAYERLEVEL" val="1"/>
-  <p:tag name="KSO_WM_TAG_VERSION" val="1.0"/>
-  <p:tag name="KSO_WM_BEAUTIFY_FLAG" val="#wm#"/>
-</p:tagLst>
-</file>
-
-<file path=ppt/tags/tag31.xml><?xml version="1.0" encoding="utf-8"?>
-<p:tagLst xmlns:p="http://schemas.openxmlformats.org/presentationml/2006/main">
-  <p:tag name="KSO_WM_UNIT_HIGHLIGHT" val="0"/>
-  <p:tag name="KSO_WM_UNIT_COMPATIBLE" val="0"/>
-  <p:tag name="KSO_WM_UNIT_DIAGRAM_ISNUMVISUAL" val="0"/>
-  <p:tag name="KSO_WM_UNIT_DIAGRAM_ISREFERUNIT" val="0"/>
-  <p:tag name="KSO_WM_UNIT_ID" val="_4**"/>
-  <p:tag name="KSO_WM_UNIT_LAYERLEVEL" val="1"/>
-  <p:tag name="KSO_WM_TAG_VERSION" val="1.0"/>
-  <p:tag name="KSO_WM_BEAUTIFY_FLAG" val="#wm#"/>
-</p:tagLst>
-</file>
-
-<file path=ppt/tags/tag32.xml><?xml version="1.0" encoding="utf-8"?>
-<p:tagLst xmlns:p="http://schemas.openxmlformats.org/presentationml/2006/main">
-  <p:tag name="KSO_WM_UNIT_HIGHLIGHT" val="0"/>
-  <p:tag name="KSO_WM_UNIT_COMPATIBLE" val="0"/>
-  <p:tag name="KSO_WM_UNIT_DIAGRAM_ISNUMVISUAL" val="0"/>
-  <p:tag name="KSO_WM_UNIT_DIAGRAM_ISREFERUNIT" val="0"/>
-  <p:tag name="KSO_WM_UNIT_ID" val="_4**"/>
-  <p:tag name="KSO_WM_UNIT_LAYERLEVEL" val="1"/>
-  <p:tag name="KSO_WM_TAG_VERSION" val="1.0"/>
-  <p:tag name="KSO_WM_BEAUTIFY_FLAG" val="#wm#"/>
-</p:tagLst>
-</file>
-
-<file path=ppt/tags/tag33.xml><?xml version="1.0" encoding="utf-8"?>
-<p:tagLst xmlns:p="http://schemas.openxmlformats.org/presentationml/2006/main">
-  <p:tag name="KSO_WM_UNIT_HIGHLIGHT" val="0"/>
-  <p:tag name="KSO_WM_UNIT_COMPATIBLE" val="0"/>
-  <p:tag name="KSO_WM_UNIT_DIAGRAM_ISNUMVISUAL" val="0"/>
-  <p:tag name="KSO_WM_UNIT_DIAGRAM_ISREFERUNIT" val="0"/>
-  <p:tag name="KSO_WM_UNIT_ID" val="_4**"/>
-  <p:tag name="KSO_WM_UNIT_LAYERLEVEL" val="1"/>
-  <p:tag name="KSO_WM_TAG_VERSION" val="1.0"/>
-  <p:tag name="KSO_WM_BEAUTIFY_FLAG" val="#wm#"/>
-</p:tagLst>
-</file>
-
-<file path=ppt/tags/tag34.xml><?xml version="1.0" encoding="utf-8"?>
-<p:tagLst xmlns:p="http://schemas.openxmlformats.org/presentationml/2006/main">
-  <p:tag name="KSO_WM_UNIT_HIGHLIGHT" val="0"/>
-  <p:tag name="KSO_WM_UNIT_COMPATIBLE" val="0"/>
-  <p:tag name="KSO_WM_UNIT_DIAGRAM_ISNUMVISUAL" val="0"/>
-  <p:tag name="KSO_WM_UNIT_DIAGRAM_ISREFERUNIT" val="0"/>
-  <p:tag name="KSO_WM_UNIT_ID" val="_4**"/>
-  <p:tag name="KSO_WM_UNIT_LAYERLEVEL" val="1"/>
-  <p:tag name="KSO_WM_TAG_VERSION" val="1.0"/>
-  <p:tag name="KSO_WM_BEAUTIFY_FLAG" val="#wm#"/>
-</p:tagLst>
-</file>
-
-<file path=ppt/tags/tag35.xml><?xml version="1.0" encoding="utf-8"?>
-<p:tagLst xmlns:p="http://schemas.openxmlformats.org/presentationml/2006/main">
-  <p:tag name="KSO_WM_UNIT_HIGHLIGHT" val="0"/>
-  <p:tag name="KSO_WM_UNIT_COMPATIBLE" val="0"/>
-  <p:tag name="KSO_WM_UNIT_DIAGRAM_ISNUMVISUAL" val="0"/>
-  <p:tag name="KSO_WM_UNIT_DIAGRAM_ISREFERUNIT" val="0"/>
-  <p:tag name="KSO_WM_UNIT_ID" val="_4**"/>
-  <p:tag name="KSO_WM_UNIT_LAYERLEVEL" val="1"/>
-  <p:tag name="KSO_WM_TAG_VERSION" val="1.0"/>
-  <p:tag name="KSO_WM_BEAUTIFY_FLAG" val="#wm#"/>
-</p:tagLst>
-</file>
-
-<file path=ppt/tags/tag36.xml><?xml version="1.0" encoding="utf-8"?>
-<p:tagLst xmlns:p="http://schemas.openxmlformats.org/presentationml/2006/main">
-  <p:tag name="KSO_WM_UNIT_HIGHLIGHT" val="0"/>
-  <p:tag name="KSO_WM_UNIT_COMPATIBLE" val="0"/>
-  <p:tag name="KSO_WM_UNIT_DIAGRAM_ISNUMVISUAL" val="0"/>
-  <p:tag name="KSO_WM_UNIT_DIAGRAM_ISREFERUNIT" val="0"/>
-  <p:tag name="KSO_WM_UNIT_ID" val="_4**"/>
-  <p:tag name="KSO_WM_UNIT_LAYERLEVEL" val="1"/>
-  <p:tag name="KSO_WM_TAG_VERSION" val="1.0"/>
-  <p:tag name="KSO_WM_BEAUTIFY_FLAG" val="#wm#"/>
-</p:tagLst>
-</file>
-
-<file path=ppt/tags/tag37.xml><?xml version="1.0" encoding="utf-8"?>
-<p:tagLst xmlns:p="http://schemas.openxmlformats.org/presentationml/2006/main">
-  <p:tag name="KSO_WM_UNIT_HIGHLIGHT" val="0"/>
-  <p:tag name="KSO_WM_UNIT_COMPATIBLE" val="0"/>
-  <p:tag name="KSO_WM_UNIT_DIAGRAM_ISNUMVISUAL" val="0"/>
-  <p:tag name="KSO_WM_UNIT_DIAGRAM_ISREFERUNIT" val="0"/>
-  <p:tag name="KSO_WM_UNIT_ID" val="_5**"/>
-  <p:tag name="KSO_WM_UNIT_LAYERLEVEL" val="1"/>
-  <p:tag name="KSO_WM_TAG_VERSION" val="1.0"/>
-  <p:tag name="KSO_WM_BEAUTIFY_FLAG" val="#wm#"/>
-</p:tagLst>
-</file>
-
-<file path=ppt/tags/tag38.xml><?xml version="1.0" encoding="utf-8"?>
-<p:tagLst xmlns:p="http://schemas.openxmlformats.org/presentationml/2006/main">
-  <p:tag name="KSO_WM_UNIT_HIGHLIGHT" val="0"/>
-  <p:tag name="KSO_WM_UNIT_COMPATIBLE" val="0"/>
-  <p:tag name="KSO_WM_UNIT_DIAGRAM_ISNUMVISUAL" val="0"/>
-  <p:tag name="KSO_WM_UNIT_DIAGRAM_ISREFERUNIT" val="0"/>
-  <p:tag name="KSO_WM_UNIT_ID" val="_5**"/>
-  <p:tag name="KSO_WM_UNIT_LAYERLEVEL" val="1"/>
-  <p:tag name="KSO_WM_TAG_VERSION" val="1.0"/>
-  <p:tag name="KSO_WM_BEAUTIFY_FLAG" val="#wm#"/>
-</p:tagLst>
-</file>
-
-<file path=ppt/tags/tag39.xml><?xml version="1.0" encoding="utf-8"?>
-<p:tagLst xmlns:p="http://schemas.openxmlformats.org/presentationml/2006/main">
-  <p:tag name="KSO_WM_UNIT_HIGHLIGHT" val="0"/>
-  <p:tag name="KSO_WM_UNIT_COMPATIBLE" val="0"/>
-  <p:tag name="KSO_WM_UNIT_DIAGRAM_ISNUMVISUAL" val="0"/>
-  <p:tag name="KSO_WM_UNIT_DIAGRAM_ISREFERUNIT" val="0"/>
-  <p:tag name="KSO_WM_UNIT_ID" val="_5**"/>
-  <p:tag name="KSO_WM_UNIT_LAYERLEVEL" val="1"/>
-  <p:tag name="KSO_WM_TAG_VERSION" val="1.0"/>
-  <p:tag name="KSO_WM_BEAUTIFY_FLAG" val="#wm#"/>
-</p:tagLst>
-</file>
-
-<file path=ppt/tags/tag4.xml><?xml version="1.0" encoding="utf-8"?>
-<p:tagLst xmlns:p="http://schemas.openxmlformats.org/presentationml/2006/main">
-  <p:tag name="KSO_WM_UNIT_HIGHLIGHT" val="0"/>
-  <p:tag name="KSO_WM_UNIT_COMPATIBLE" val="0"/>
-  <p:tag name="KSO_WM_UNIT_DIAGRAM_ISNUMVISUAL" val="0"/>
-  <p:tag name="KSO_WM_UNIT_DIAGRAM_ISREFERUNIT" val="0"/>
-  <p:tag name="KSO_WM_UNIT_ID" val="_5**"/>
-  <p:tag name="KSO_WM_UNIT_LAYERLEVEL" val="1"/>
-  <p:tag name="KSO_WM_TAG_VERSION" val="1.0"/>
-  <p:tag name="KSO_WM_BEAUTIFY_FLAG" val="#wm#"/>
-</p:tagLst>
-</file>
-
-<file path=ppt/tags/tag40.xml><?xml version="1.0" encoding="utf-8"?>
-<p:tagLst xmlns:p="http://schemas.openxmlformats.org/presentationml/2006/main">
-  <p:tag name="KSO_WM_UNIT_HIGHLIGHT" val="0"/>
-  <p:tag name="KSO_WM_UNIT_COMPATIBLE" val="0"/>
-  <p:tag name="KSO_WM_UNIT_DIAGRAM_ISNUMVISUAL" val="0"/>
-  <p:tag name="KSO_WM_UNIT_DIAGRAM_ISREFERUNIT" val="0"/>
-  <p:tag name="KSO_WM_UNIT_ID" val="_5**"/>
-  <p:tag name="KSO_WM_UNIT_LAYERLEVEL" val="1"/>
-  <p:tag name="KSO_WM_TAG_VERSION" val="1.0"/>
-  <p:tag name="KSO_WM_BEAUTIFY_FLAG" val="#wm#"/>
-</p:tagLst>
-</file>
-
-<file path=ppt/tags/tag41.xml><?xml version="1.0" encoding="utf-8"?>
-<p:tagLst xmlns:p="http://schemas.openxmlformats.org/presentationml/2006/main">
-  <p:tag name="KSO_WM_UNIT_HIGHLIGHT" val="0"/>
-  <p:tag name="KSO_WM_UNIT_COMPATIBLE" val="0"/>
-  <p:tag name="KSO_WM_UNIT_DIAGRAM_ISNUMVISUAL" val="0"/>
-  <p:tag name="KSO_WM_UNIT_DIAGRAM_ISREFERUNIT" val="0"/>
-  <p:tag name="KSO_WM_UNIT_ID" val="_5**"/>
-  <p:tag name="KSO_WM_UNIT_LAYERLEVEL" val="1"/>
-  <p:tag name="KSO_WM_TAG_VERSION" val="1.0"/>
-  <p:tag name="KSO_WM_BEAUTIFY_FLAG" val="#wm#"/>
-</p:tagLst>
-</file>
-
-<file path=ppt/tags/tag42.xml><?xml version="1.0" encoding="utf-8"?>
-<p:tagLst xmlns:p="http://schemas.openxmlformats.org/presentationml/2006/main">
-  <p:tag name="KSO_WM_UNIT_HIGHLIGHT" val="0"/>
-  <p:tag name="KSO_WM_UNIT_COMPATIBLE" val="0"/>
-  <p:tag name="KSO_WM_UNIT_DIAGRAM_ISNUMVISUAL" val="0"/>
-  <p:tag name="KSO_WM_UNIT_DIAGRAM_ISREFERUNIT" val="0"/>
-  <p:tag name="KSO_WM_UNIT_ID" val="_5**"/>
-  <p:tag name="KSO_WM_UNIT_LAYERLEVEL" val="1"/>
-  <p:tag name="KSO_WM_TAG_VERSION" val="1.0"/>
-  <p:tag name="KSO_WM_BEAUTIFY_FLAG" val="#wm#"/>
-</p:tagLst>
-</file>
-
-<file path=ppt/tags/tag43.xml><?xml version="1.0" encoding="utf-8"?>
-<p:tagLst xmlns:p="http://schemas.openxmlformats.org/presentationml/2006/main">
-  <p:tag name="KSO_WM_UNIT_HIGHLIGHT" val="0"/>
-  <p:tag name="KSO_WM_UNIT_COMPATIBLE" val="0"/>
-  <p:tag name="KSO_WM_UNIT_DIAGRAM_ISNUMVISUAL" val="0"/>
-  <p:tag name="KSO_WM_UNIT_DIAGRAM_ISREFERUNIT" val="0"/>
-  <p:tag name="KSO_WM_UNIT_ID" val="_5**"/>
-  <p:tag name="KSO_WM_UNIT_LAYERLEVEL" val="1"/>
-  <p:tag name="KSO_WM_TAG_VERSION" val="1.0"/>
-  <p:tag name="KSO_WM_BEAUTIFY_FLAG" val="#wm#"/>
-</p:tagLst>
-</file>
-
-<file path=ppt/tags/tag44.xml><?xml version="1.0" encoding="utf-8"?>
-<p:tagLst xmlns:p="http://schemas.openxmlformats.org/presentationml/2006/main">
-  <p:tag name="KSO_WM_UNIT_HIGHLIGHT" val="0"/>
-  <p:tag name="KSO_WM_UNIT_COMPATIBLE" val="0"/>
-  <p:tag name="KSO_WM_UNIT_DIAGRAM_ISNUMVISUAL" val="0"/>
-  <p:tag name="KSO_WM_UNIT_DIAGRAM_ISREFERUNIT" val="0"/>
-  <p:tag name="KSO_WM_UNIT_ID" val="_5**"/>
-  <p:tag name="KSO_WM_UNIT_LAYERLEVEL" val="1"/>
-  <p:tag name="KSO_WM_TAG_VERSION" val="1.0"/>
-  <p:tag name="KSO_WM_BEAUTIFY_FLAG" val="#wm#"/>
-</p:tagLst>
-</file>
-
-<file path=ppt/tags/tag45.xml><?xml version="1.0" encoding="utf-8"?>
-<p:tagLst xmlns:p="http://schemas.openxmlformats.org/presentationml/2006/main">
-  <p:tag name="KSO_WM_UNIT_HIGHLIGHT" val="0"/>
-  <p:tag name="KSO_WM_UNIT_COMPATIBLE" val="0"/>
-  <p:tag name="KSO_WM_UNIT_DIAGRAM_ISNUMVISUAL" val="0"/>
-  <p:tag name="KSO_WM_UNIT_DIAGRAM_ISREFERUNIT" val="0"/>
-  <p:tag name="KSO_WM_UNIT_ID" val="_6**"/>
-  <p:tag name="KSO_WM_UNIT_LAYERLEVEL" val="1"/>
-  <p:tag name="KSO_WM_TAG_VERSION" val="1.0"/>
-  <p:tag name="KSO_WM_BEAUTIFY_FLAG" val="#wm#"/>
-</p:tagLst>
-</file>
-
-<file path=ppt/tags/tag46.xml><?xml version="1.0" encoding="utf-8"?>
-<p:tagLst xmlns:p="http://schemas.openxmlformats.org/presentationml/2006/main">
-  <p:tag name="KSO_WM_UNIT_HIGHLIGHT" val="0"/>
-  <p:tag name="KSO_WM_UNIT_COMPATIBLE" val="0"/>
-  <p:tag name="KSO_WM_UNIT_DIAGRAM_ISNUMVISUAL" val="0"/>
-  <p:tag name="KSO_WM_UNIT_DIAGRAM_ISREFERUNIT" val="0"/>
-  <p:tag name="KSO_WM_UNIT_ID" val="_6**"/>
-  <p:tag name="KSO_WM_UNIT_LAYERLEVEL" val="1"/>
-  <p:tag name="KSO_WM_TAG_VERSION" val="1.0"/>
-  <p:tag name="KSO_WM_BEAUTIFY_FLAG" val="#wm#"/>
-</p:tagLst>
-</file>
-
-<file path=ppt/tags/tag47.xml><?xml version="1.0" encoding="utf-8"?>
-<p:tagLst xmlns:p="http://schemas.openxmlformats.org/presentationml/2006/main">
-  <p:tag name="KSO_WM_UNIT_HIGHLIGHT" val="0"/>
-  <p:tag name="KSO_WM_UNIT_COMPATIBLE" val="0"/>
-  <p:tag name="KSO_WM_UNIT_DIAGRAM_ISNUMVISUAL" val="0"/>
-  <p:tag name="KSO_WM_UNIT_DIAGRAM_ISREFERUNIT" val="0"/>
-  <p:tag name="KSO_WM_UNIT_ID" val="_6**"/>
-  <p:tag name="KSO_WM_UNIT_LAYERLEVEL" val="1"/>
-  <p:tag name="KSO_WM_TAG_VERSION" val="1.0"/>
-  <p:tag name="KSO_WM_BEAUTIFY_FLAG" val="#wm#"/>
-</p:tagLst>
-</file>
-
-<file path=ppt/tags/tag48.xml><?xml version="1.0" encoding="utf-8"?>
-<p:tagLst xmlns:p="http://schemas.openxmlformats.org/presentationml/2006/main">
-  <p:tag name="KSO_WM_UNIT_HIGHLIGHT" val="0"/>
-  <p:tag name="KSO_WM_UNIT_COMPATIBLE" val="0"/>
-  <p:tag name="KSO_WM_UNIT_DIAGRAM_ISNUMVISUAL" val="0"/>
-  <p:tag name="KSO_WM_UNIT_DIAGRAM_ISREFERUNIT" val="0"/>
-  <p:tag name="KSO_WM_UNIT_ID" val="_6**"/>
-  <p:tag name="KSO_WM_UNIT_LAYERLEVEL" val="1"/>
-  <p:tag name="KSO_WM_TAG_VERSION" val="1.0"/>
-  <p:tag name="KSO_WM_BEAUTIFY_FLAG" val="#wm#"/>
-</p:tagLst>
-</file>
-
-<file path=ppt/tags/tag49.xml><?xml version="1.0" encoding="utf-8"?>
-<p:tagLst xmlns:p="http://schemas.openxmlformats.org/presentationml/2006/main">
-  <p:tag name="KSO_WM_UNIT_HIGHLIGHT" val="0"/>
-  <p:tag name="KSO_WM_UNIT_COMPATIBLE" val="0"/>
-  <p:tag name="KSO_WM_UNIT_DIAGRAM_ISNUMVISUAL" val="0"/>
-  <p:tag name="KSO_WM_UNIT_DIAGRAM_ISREFERUNIT" val="0"/>
-  <p:tag name="KSO_WM_UNIT_ID" val="_7**"/>
-  <p:tag name="KSO_WM_UNIT_LAYERLEVEL" val="1"/>
-  <p:tag name="KSO_WM_TAG_VERSION" val="1.0"/>
-  <p:tag name="KSO_WM_BEAUTIFY_FLAG" val="#wm#"/>
-</p:tagLst>
-</file>
-
-<file path=ppt/tags/tag5.xml><?xml version="1.0" encoding="utf-8"?>
-<p:tagLst xmlns:p="http://schemas.openxmlformats.org/presentationml/2006/main">
-  <p:tag name="KSO_WM_UNIT_HIGHLIGHT" val="0"/>
-  <p:tag name="KSO_WM_UNIT_COMPATIBLE" val="0"/>
-  <p:tag name="KSO_WM_UNIT_DIAGRAM_ISNUMVISUAL" val="0"/>
-  <p:tag name="KSO_WM_UNIT_DIAGRAM_ISREFERUNIT" val="0"/>
-  <p:tag name="KSO_WM_UNIT_ID" val="_5**"/>
-  <p:tag name="KSO_WM_UNIT_LAYERLEVEL" val="1"/>
-  <p:tag name="KSO_WM_TAG_VERSION" val="1.0"/>
-  <p:tag name="KSO_WM_BEAUTIFY_FLAG" val="#wm#"/>
-</p:tagLst>
-</file>
-
-<file path=ppt/tags/tag50.xml><?xml version="1.0" encoding="utf-8"?>
-<p:tagLst xmlns:p="http://schemas.openxmlformats.org/presentationml/2006/main">
-  <p:tag name="KSO_WM_UNIT_HIGHLIGHT" val="0"/>
-  <p:tag name="KSO_WM_UNIT_COMPATIBLE" val="0"/>
-  <p:tag name="KSO_WM_UNIT_DIAGRAM_ISNUMVISUAL" val="0"/>
-  <p:tag name="KSO_WM_UNIT_DIAGRAM_ISREFERUNIT" val="0"/>
-  <p:tag name="KSO_WM_UNIT_ID" val="_7**"/>
-  <p:tag name="KSO_WM_UNIT_LAYERLEVEL" val="1"/>
-  <p:tag name="KSO_WM_TAG_VERSION" val="1.0"/>
-  <p:tag name="KSO_WM_BEAUTIFY_FLAG" val="#wm#"/>
-</p:tagLst>
-</file>
-
-<file path=ppt/tags/tag51.xml><?xml version="1.0" encoding="utf-8"?>
-<p:tagLst xmlns:p="http://schemas.openxmlformats.org/presentationml/2006/main">
-  <p:tag name="KSO_WM_UNIT_HIGHLIGHT" val="0"/>
-  <p:tag name="KSO_WM_UNIT_COMPATIBLE" val="0"/>
-  <p:tag name="KSO_WM_UNIT_DIAGRAM_ISNUMVISUAL" val="0"/>
-  <p:tag name="KSO_WM_UNIT_DIAGRAM_ISREFERUNIT" val="0"/>
-  <p:tag name="KSO_WM_UNIT_ID" val="_7**"/>
-  <p:tag name="KSO_WM_UNIT_LAYERLEVEL" val="1"/>
-  <p:tag name="KSO_WM_TAG_VERSION" val="1.0"/>
-  <p:tag name="KSO_WM_BEAUTIFY_FLAG" val="#wm#"/>
-</p:tagLst>
-</file>
-
-<file path=ppt/tags/tag52.xml><?xml version="1.0" encoding="utf-8"?>
-<p:tagLst xmlns:p="http://schemas.openxmlformats.org/presentationml/2006/main">
-  <p:tag name="KSO_WM_UNIT_HIGHLIGHT" val="0"/>
-  <p:tag name="KSO_WM_UNIT_COMPATIBLE" val="0"/>
-  <p:tag name="KSO_WM_UNIT_DIAGRAM_ISNUMVISUAL" val="0"/>
-  <p:tag name="KSO_WM_UNIT_DIAGRAM_ISREFERUNIT" val="0"/>
-  <p:tag name="KSO_WM_UNIT_ID" val="_8**"/>
-  <p:tag name="KSO_WM_UNIT_LAYERLEVEL" val="1"/>
-  <p:tag name="KSO_WM_TAG_VERSION" val="1.0"/>
-  <p:tag name="KSO_WM_BEAUTIFY_FLAG" val="#wm#"/>
-</p:tagLst>
-</file>
-
-<file path=ppt/tags/tag53.xml><?xml version="1.0" encoding="utf-8"?>
-<p:tagLst xmlns:p="http://schemas.openxmlformats.org/presentationml/2006/main">
-  <p:tag name="KSO_WM_UNIT_HIGHLIGHT" val="0"/>
-  <p:tag name="KSO_WM_UNIT_COMPATIBLE" val="0"/>
-  <p:tag name="KSO_WM_UNIT_DIAGRAM_ISNUMVISUAL" val="0"/>
-  <p:tag name="KSO_WM_UNIT_DIAGRAM_ISREFERUNIT" val="0"/>
-  <p:tag name="KSO_WM_UNIT_ID" val="_8**"/>
-  <p:tag name="KSO_WM_UNIT_LAYERLEVEL" val="1"/>
-  <p:tag name="KSO_WM_TAG_VERSION" val="1.0"/>
-  <p:tag name="KSO_WM_BEAUTIFY_FLAG" val="#wm#"/>
-</p:tagLst>
-</file>
-
-<file path=ppt/tags/tag54.xml><?xml version="1.0" encoding="utf-8"?>
-<p:tagLst xmlns:p="http://schemas.openxmlformats.org/presentationml/2006/main">
-  <p:tag name="KSO_WM_UNIT_HIGHLIGHT" val="0"/>
-  <p:tag name="KSO_WM_UNIT_COMPATIBLE" val="0"/>
-  <p:tag name="KSO_WM_UNIT_DIAGRAM_ISNUMVISUAL" val="0"/>
-  <p:tag name="KSO_WM_UNIT_DIAGRAM_ISREFERUNIT" val="0"/>
-  <p:tag name="KSO_WM_UNIT_ID" val="_8**"/>
-  <p:tag name="KSO_WM_UNIT_LAYERLEVEL" val="1"/>
-  <p:tag name="KSO_WM_TAG_VERSION" val="1.0"/>
-  <p:tag name="KSO_WM_BEAUTIFY_FLAG" val="#wm#"/>
-</p:tagLst>
-</file>
-
-<file path=ppt/tags/tag55.xml><?xml version="1.0" encoding="utf-8"?>
-<p:tagLst xmlns:p="http://schemas.openxmlformats.org/presentationml/2006/main">
-  <p:tag name="KSO_WM_UNIT_HIGHLIGHT" val="0"/>
-  <p:tag name="KSO_WM_UNIT_COMPATIBLE" val="0"/>
-  <p:tag name="KSO_WM_UNIT_DIAGRAM_ISNUMVISUAL" val="0"/>
-  <p:tag name="KSO_WM_UNIT_DIAGRAM_ISREFERUNIT" val="0"/>
-  <p:tag name="KSO_WM_UNIT_ID" val="_8**"/>
-  <p:tag name="KSO_WM_UNIT_LAYERLEVEL" val="1"/>
-  <p:tag name="KSO_WM_TAG_VERSION" val="1.0"/>
-  <p:tag name="KSO_WM_BEAUTIFY_FLAG" val="#wm#"/>
-</p:tagLst>
-</file>
-
-<file path=ppt/tags/tag56.xml><?xml version="1.0" encoding="utf-8"?>
-<p:tagLst xmlns:p="http://schemas.openxmlformats.org/presentationml/2006/main">
-  <p:tag name="KSO_WM_UNIT_HIGHLIGHT" val="0"/>
-  <p:tag name="KSO_WM_UNIT_COMPATIBLE" val="0"/>
-  <p:tag name="KSO_WM_UNIT_DIAGRAM_ISNUMVISUAL" val="0"/>
-  <p:tag name="KSO_WM_UNIT_DIAGRAM_ISREFERUNIT" val="0"/>
-  <p:tag name="KSO_WM_UNIT_ID" val="_8**"/>
-  <p:tag name="KSO_WM_UNIT_LAYERLEVEL" val="1"/>
-  <p:tag name="KSO_WM_TAG_VERSION" val="1.0"/>
-  <p:tag name="KSO_WM_BEAUTIFY_FLAG" val="#wm#"/>
-</p:tagLst>
-</file>
-
-<file path=ppt/tags/tag57.xml><?xml version="1.0" encoding="utf-8"?>
-<p:tagLst xmlns:p="http://schemas.openxmlformats.org/presentationml/2006/main">
-  <p:tag name="KSO_WM_UNIT_HIGHLIGHT" val="0"/>
-  <p:tag name="KSO_WM_UNIT_COMPATIBLE" val="0"/>
-  <p:tag name="KSO_WM_UNIT_DIAGRAM_ISNUMVISUAL" val="0"/>
-  <p:tag name="KSO_WM_UNIT_DIAGRAM_ISREFERUNIT" val="0"/>
-  <p:tag name="KSO_WM_UNIT_ID" val="_8**"/>
-  <p:tag name="KSO_WM_UNIT_LAYERLEVEL" val="1"/>
-  <p:tag name="KSO_WM_TAG_VERSION" val="1.0"/>
-  <p:tag name="KSO_WM_BEAUTIFY_FLAG" val="#wm#"/>
-</p:tagLst>
-</file>
-
-<file path=ppt/tags/tag58.xml><?xml version="1.0" encoding="utf-8"?>
-<p:tagLst xmlns:p="http://schemas.openxmlformats.org/presentationml/2006/main">
+<file path=ppt/tags/tag60.xml><?xml version="1.0" encoding="utf-8"?>
+<p:tagLst xmlns:a="http://schemas.openxmlformats.org/drawingml/2006/main" xmlns:r="http://schemas.openxmlformats.org/officeDocument/2006/relationships" xmlns:p="http://schemas.openxmlformats.org/presentationml/2006/main">
   <p:tag name="KSO_WM_UNIT_HIGHLIGHT" val="0"/>
   <p:tag name="KSO_WM_UNIT_COMPATIBLE" val="0"/>
   <p:tag name="KSO_WM_UNIT_DIAGRAM_ISNUMVISUAL" val="0"/>
@@ -8362,8 +8331,8 @@
 </p:tagLst>
 </file>
 
-<file path=ppt/tags/tag59.xml><?xml version="1.0" encoding="utf-8"?>
-<p:tagLst xmlns:p="http://schemas.openxmlformats.org/presentationml/2006/main">
+<file path=ppt/tags/tag61.xml><?xml version="1.0" encoding="utf-8"?>
+<p:tagLst xmlns:a="http://schemas.openxmlformats.org/drawingml/2006/main" xmlns:r="http://schemas.openxmlformats.org/officeDocument/2006/relationships" xmlns:p="http://schemas.openxmlformats.org/presentationml/2006/main">
   <p:tag name="KSO_WM_UNIT_HIGHLIGHT" val="0"/>
   <p:tag name="KSO_WM_UNIT_COMPATIBLE" val="0"/>
   <p:tag name="KSO_WM_UNIT_DIAGRAM_ISNUMVISUAL" val="0"/>
@@ -8375,21 +8344,8 @@
 </p:tagLst>
 </file>
 
-<file path=ppt/tags/tag6.xml><?xml version="1.0" encoding="utf-8"?>
-<p:tagLst xmlns:p="http://schemas.openxmlformats.org/presentationml/2006/main">
-  <p:tag name="KSO_WM_UNIT_HIGHLIGHT" val="0"/>
-  <p:tag name="KSO_WM_UNIT_COMPATIBLE" val="0"/>
-  <p:tag name="KSO_WM_UNIT_DIAGRAM_ISNUMVISUAL" val="0"/>
-  <p:tag name="KSO_WM_UNIT_DIAGRAM_ISREFERUNIT" val="0"/>
-  <p:tag name="KSO_WM_UNIT_ID" val="_5**"/>
-  <p:tag name="KSO_WM_UNIT_LAYERLEVEL" val="1"/>
-  <p:tag name="KSO_WM_TAG_VERSION" val="1.0"/>
-  <p:tag name="KSO_WM_BEAUTIFY_FLAG" val="#wm#"/>
-</p:tagLst>
-</file>
-
-<file path=ppt/tags/tag60.xml><?xml version="1.0" encoding="utf-8"?>
-<p:tagLst xmlns:p="http://schemas.openxmlformats.org/presentationml/2006/main">
+<file path=ppt/tags/tag62.xml><?xml version="1.0" encoding="utf-8"?>
+<p:tagLst xmlns:a="http://schemas.openxmlformats.org/drawingml/2006/main" xmlns:r="http://schemas.openxmlformats.org/officeDocument/2006/relationships" xmlns:p="http://schemas.openxmlformats.org/presentationml/2006/main">
   <p:tag name="KSO_WM_UNIT_HIGHLIGHT" val="0"/>
   <p:tag name="KSO_WM_UNIT_COMPATIBLE" val="0"/>
   <p:tag name="KSO_WM_UNIT_DIAGRAM_ISNUMVISUAL" val="0"/>
@@ -8401,8 +8357,8 @@
 </p:tagLst>
 </file>
 
-<file path=ppt/tags/tag61.xml><?xml version="1.0" encoding="utf-8"?>
-<p:tagLst xmlns:p="http://schemas.openxmlformats.org/presentationml/2006/main">
+<file path=ppt/tags/tag63.xml><?xml version="1.0" encoding="utf-8"?>
+<p:tagLst xmlns:a="http://schemas.openxmlformats.org/drawingml/2006/main" xmlns:r="http://schemas.openxmlformats.org/officeDocument/2006/relationships" xmlns:p="http://schemas.openxmlformats.org/presentationml/2006/main">
   <p:tag name="KSO_WM_UNIT_HIGHLIGHT" val="0"/>
   <p:tag name="KSO_WM_UNIT_COMPATIBLE" val="0"/>
   <p:tag name="KSO_WM_UNIT_DIAGRAM_ISNUMVISUAL" val="0"/>
@@ -8414,21 +8370,8 @@
 </p:tagLst>
 </file>
 
-<file path=ppt/tags/tag62.xml><?xml version="1.0" encoding="utf-8"?>
-<p:tagLst xmlns:p="http://schemas.openxmlformats.org/presentationml/2006/main">
-  <p:tag name="KSO_WM_UNIT_HIGHLIGHT" val="0"/>
-  <p:tag name="KSO_WM_UNIT_COMPATIBLE" val="0"/>
-  <p:tag name="KSO_WM_UNIT_DIAGRAM_ISNUMVISUAL" val="0"/>
-  <p:tag name="KSO_WM_UNIT_DIAGRAM_ISREFERUNIT" val="0"/>
-  <p:tag name="KSO_WM_UNIT_ID" val="_9**"/>
-  <p:tag name="KSO_WM_UNIT_LAYERLEVEL" val="1"/>
-  <p:tag name="KSO_WM_TAG_VERSION" val="1.0"/>
-  <p:tag name="KSO_WM_BEAUTIFY_FLAG" val="#wm#"/>
-</p:tagLst>
-</file>
-
-<file path=ppt/tags/tag63.xml><?xml version="1.0" encoding="utf-8"?>
-<p:tagLst xmlns:p="http://schemas.openxmlformats.org/presentationml/2006/main">
+<file path=ppt/tags/tag64.xml><?xml version="1.0" encoding="utf-8"?>
+<p:tagLst xmlns:a="http://schemas.openxmlformats.org/drawingml/2006/main" xmlns:r="http://schemas.openxmlformats.org/officeDocument/2006/relationships" xmlns:p="http://schemas.openxmlformats.org/presentationml/2006/main">
   <p:tag name="KSO_WM_UNIT_HIGHLIGHT" val="0"/>
   <p:tag name="KSO_WM_UNIT_COMPATIBLE" val="0"/>
   <p:tag name="KSO_WM_UNIT_DIAGRAM_ISNUMVISUAL" val="0"/>
@@ -8440,8 +8383,8 @@
 </p:tagLst>
 </file>
 
-<file path=ppt/tags/tag64.xml><?xml version="1.0" encoding="utf-8"?>
-<p:tagLst xmlns:p="http://schemas.openxmlformats.org/presentationml/2006/main">
+<file path=ppt/tags/tag65.xml><?xml version="1.0" encoding="utf-8"?>
+<p:tagLst xmlns:a="http://schemas.openxmlformats.org/drawingml/2006/main" xmlns:r="http://schemas.openxmlformats.org/officeDocument/2006/relationships" xmlns:p="http://schemas.openxmlformats.org/presentationml/2006/main">
   <p:tag name="KSO_WM_UNIT_HIGHLIGHT" val="0"/>
   <p:tag name="KSO_WM_UNIT_COMPATIBLE" val="0"/>
   <p:tag name="KSO_WM_UNIT_DIAGRAM_ISNUMVISUAL" val="0"/>
@@ -8453,8 +8396,8 @@
 </p:tagLst>
 </file>
 
-<file path=ppt/tags/tag65.xml><?xml version="1.0" encoding="utf-8"?>
-<p:tagLst xmlns:p="http://schemas.openxmlformats.org/presentationml/2006/main">
+<file path=ppt/tags/tag66.xml><?xml version="1.0" encoding="utf-8"?>
+<p:tagLst xmlns:a="http://schemas.openxmlformats.org/drawingml/2006/main" xmlns:r="http://schemas.openxmlformats.org/officeDocument/2006/relationships" xmlns:p="http://schemas.openxmlformats.org/presentationml/2006/main">
   <p:tag name="KSO_WM_UNIT_HIGHLIGHT" val="0"/>
   <p:tag name="KSO_WM_UNIT_COMPATIBLE" val="0"/>
   <p:tag name="KSO_WM_UNIT_DIAGRAM_ISNUMVISUAL" val="0"/>
@@ -8466,8 +8409,8 @@
 </p:tagLst>
 </file>
 
-<file path=ppt/tags/tag66.xml><?xml version="1.0" encoding="utf-8"?>
-<p:tagLst xmlns:p="http://schemas.openxmlformats.org/presentationml/2006/main">
+<file path=ppt/tags/tag67.xml><?xml version="1.0" encoding="utf-8"?>
+<p:tagLst xmlns:a="http://schemas.openxmlformats.org/drawingml/2006/main" xmlns:r="http://schemas.openxmlformats.org/officeDocument/2006/relationships" xmlns:p="http://schemas.openxmlformats.org/presentationml/2006/main">
   <p:tag name="KSO_WM_UNIT_HIGHLIGHT" val="0"/>
   <p:tag name="KSO_WM_UNIT_COMPATIBLE" val="0"/>
   <p:tag name="KSO_WM_UNIT_DIAGRAM_ISNUMVISUAL" val="0"/>
@@ -8479,19 +8422,8 @@
 </p:tagLst>
 </file>
 
-<file path=ppt/tags/tag67.xml><?xml version="1.0" encoding="utf-8"?>
-<p:tagLst xmlns:p="http://schemas.openxmlformats.org/presentationml/2006/main">
-  <p:tag name="KSO_WM_TEMPLATE_THUMBS_INDEX" val="1、2、3、6、8、10、11、12、15"/>
-  <p:tag name="KSO_WM_TEMPLATE_SUBCATEGORY" val="0"/>
-  <p:tag name="KSO_WM_TAG_VERSION" val="1.0"/>
-  <p:tag name="KSO_WM_BEAUTIFY_FLAG" val="#wm#"/>
-  <p:tag name="KSO_WM_TEMPLATE_CATEGORY" val="custom"/>
-  <p:tag name="KSO_WM_TEMPLATE_INDEX" val="20187308"/>
-</p:tagLst>
-</file>
-
 <file path=ppt/tags/tag68.xml><?xml version="1.0" encoding="utf-8"?>
-<p:tagLst xmlns:p="http://schemas.openxmlformats.org/presentationml/2006/main">
+<p:tagLst xmlns:a="http://schemas.openxmlformats.org/drawingml/2006/main" xmlns:r="http://schemas.openxmlformats.org/officeDocument/2006/relationships" xmlns:p="http://schemas.openxmlformats.org/presentationml/2006/main">
   <p:tag name="KSO_WM_TEMPLATE_THUMBS_INDEX" val="1、2、3、6、8、10、11、12、15"/>
   <p:tag name="KSO_WM_SLIDE_ID" val="custom20187308_1"/>
   <p:tag name="KSO_WM_TEMPLATE_SUBCATEGORY" val="0"/>
@@ -8510,7 +8442,7 @@
 </file>
 
 <file path=ppt/tags/tag69.xml><?xml version="1.0" encoding="utf-8"?>
-<p:tagLst xmlns:p="http://schemas.openxmlformats.org/presentationml/2006/main">
+<p:tagLst xmlns:a="http://schemas.openxmlformats.org/drawingml/2006/main" xmlns:r="http://schemas.openxmlformats.org/officeDocument/2006/relationships" xmlns:p="http://schemas.openxmlformats.org/presentationml/2006/main">
   <p:tag name="KSO_WM_BEAUTIFY_FLAG" val="#wm#"/>
   <p:tag name="KSO_WM_TEMPLATE_CATEGORY" val="custom"/>
   <p:tag name="KSO_WM_TEMPLATE_INDEX" val="20187308"/>
@@ -8519,7 +8451,7 @@
 </file>
 
 <file path=ppt/tags/tag7.xml><?xml version="1.0" encoding="utf-8"?>
-<p:tagLst xmlns:p="http://schemas.openxmlformats.org/presentationml/2006/main">
+<p:tagLst xmlns:a="http://schemas.openxmlformats.org/drawingml/2006/main" xmlns:r="http://schemas.openxmlformats.org/officeDocument/2006/relationships" xmlns:p="http://schemas.openxmlformats.org/presentationml/2006/main">
   <p:tag name="KSO_WM_UNIT_HIGHLIGHT" val="0"/>
   <p:tag name="KSO_WM_UNIT_COMPATIBLE" val="0"/>
   <p:tag name="KSO_WM_UNIT_DIAGRAM_ISNUMVISUAL" val="0"/>
@@ -8532,7 +8464,7 @@
 </file>
 
 <file path=ppt/tags/tag70.xml><?xml version="1.0" encoding="utf-8"?>
-<p:tagLst xmlns:p="http://schemas.openxmlformats.org/presentationml/2006/main">
+<p:tagLst xmlns:a="http://schemas.openxmlformats.org/drawingml/2006/main" xmlns:r="http://schemas.openxmlformats.org/officeDocument/2006/relationships" xmlns:p="http://schemas.openxmlformats.org/presentationml/2006/main">
   <p:tag name="KSO_WM_BEAUTIFY_FLAG" val="#wm#"/>
   <p:tag name="KSO_WM_TEMPLATE_CATEGORY" val="custom"/>
   <p:tag name="KSO_WM_TEMPLATE_INDEX" val="20187308"/>
@@ -8541,7 +8473,7 @@
 </file>
 
 <file path=ppt/tags/tag71.xml><?xml version="1.0" encoding="utf-8"?>
-<p:tagLst xmlns:p="http://schemas.openxmlformats.org/presentationml/2006/main">
+<p:tagLst xmlns:a="http://schemas.openxmlformats.org/drawingml/2006/main" xmlns:r="http://schemas.openxmlformats.org/officeDocument/2006/relationships" xmlns:p="http://schemas.openxmlformats.org/presentationml/2006/main">
   <p:tag name="KSO_WM_BEAUTIFY_FLAG" val="#wm#"/>
   <p:tag name="KSO_WM_TEMPLATE_CATEGORY" val="custom"/>
   <p:tag name="KSO_WM_TEMPLATE_INDEX" val="20187308"/>
@@ -8550,7 +8482,7 @@
 </file>
 
 <file path=ppt/tags/tag72.xml><?xml version="1.0" encoding="utf-8"?>
-<p:tagLst xmlns:p="http://schemas.openxmlformats.org/presentationml/2006/main">
+<p:tagLst xmlns:a="http://schemas.openxmlformats.org/drawingml/2006/main" xmlns:r="http://schemas.openxmlformats.org/officeDocument/2006/relationships" xmlns:p="http://schemas.openxmlformats.org/presentationml/2006/main">
   <p:tag name="KSO_WM_BEAUTIFY_FLAG" val="#wm#"/>
   <p:tag name="KSO_WM_TEMPLATE_CATEGORY" val="custom"/>
   <p:tag name="KSO_WM_TEMPLATE_INDEX" val="20187308"/>
@@ -8559,7 +8491,7 @@
 </file>
 
 <file path=ppt/tags/tag73.xml><?xml version="1.0" encoding="utf-8"?>
-<p:tagLst xmlns:p="http://schemas.openxmlformats.org/presentationml/2006/main">
+<p:tagLst xmlns:a="http://schemas.openxmlformats.org/drawingml/2006/main" xmlns:r="http://schemas.openxmlformats.org/officeDocument/2006/relationships" xmlns:p="http://schemas.openxmlformats.org/presentationml/2006/main">
   <p:tag name="KSO_WM_BEAUTIFY_FLAG" val="#wm#"/>
   <p:tag name="KSO_WM_TEMPLATE_CATEGORY" val="custom"/>
   <p:tag name="KSO_WM_TEMPLATE_INDEX" val="20187308"/>
@@ -8568,7 +8500,7 @@
 </file>
 
 <file path=ppt/tags/tag74.xml><?xml version="1.0" encoding="utf-8"?>
-<p:tagLst xmlns:p="http://schemas.openxmlformats.org/presentationml/2006/main">
+<p:tagLst xmlns:a="http://schemas.openxmlformats.org/drawingml/2006/main" xmlns:r="http://schemas.openxmlformats.org/officeDocument/2006/relationships" xmlns:p="http://schemas.openxmlformats.org/presentationml/2006/main">
   <p:tag name="KSO_WM_BEAUTIFY_FLAG" val="#wm#"/>
   <p:tag name="KSO_WM_TEMPLATE_CATEGORY" val="custom"/>
   <p:tag name="KSO_WM_TEMPLATE_INDEX" val="20187308"/>
@@ -8577,7 +8509,7 @@
 </file>
 
 <file path=ppt/tags/tag75.xml><?xml version="1.0" encoding="utf-8"?>
-<p:tagLst xmlns:p="http://schemas.openxmlformats.org/presentationml/2006/main">
+<p:tagLst xmlns:a="http://schemas.openxmlformats.org/drawingml/2006/main" xmlns:r="http://schemas.openxmlformats.org/officeDocument/2006/relationships" xmlns:p="http://schemas.openxmlformats.org/presentationml/2006/main">
   <p:tag name="KSO_WM_BEAUTIFY_FLAG" val="#wm#"/>
   <p:tag name="KSO_WM_TEMPLATE_CATEGORY" val="custom"/>
   <p:tag name="KSO_WM_TEMPLATE_INDEX" val="20187308"/>
@@ -8586,7 +8518,7 @@
 </file>
 
 <file path=ppt/tags/tag76.xml><?xml version="1.0" encoding="utf-8"?>
-<p:tagLst xmlns:p="http://schemas.openxmlformats.org/presentationml/2006/main">
+<p:tagLst xmlns:a="http://schemas.openxmlformats.org/drawingml/2006/main" xmlns:r="http://schemas.openxmlformats.org/officeDocument/2006/relationships" xmlns:p="http://schemas.openxmlformats.org/presentationml/2006/main">
   <p:tag name="KSO_WM_BEAUTIFY_FLAG" val="#wm#"/>
   <p:tag name="KSO_WM_TEMPLATE_CATEGORY" val="custom"/>
   <p:tag name="KSO_WM_TEMPLATE_INDEX" val="20187308"/>
@@ -8595,7 +8527,7 @@
 </file>
 
 <file path=ppt/tags/tag77.xml><?xml version="1.0" encoding="utf-8"?>
-<p:tagLst xmlns:p="http://schemas.openxmlformats.org/presentationml/2006/main">
+<p:tagLst xmlns:a="http://schemas.openxmlformats.org/drawingml/2006/main" xmlns:r="http://schemas.openxmlformats.org/officeDocument/2006/relationships" xmlns:p="http://schemas.openxmlformats.org/presentationml/2006/main">
   <p:tag name="KSO_WM_BEAUTIFY_FLAG" val="#wm#"/>
   <p:tag name="KSO_WM_TEMPLATE_CATEGORY" val="custom"/>
   <p:tag name="KSO_WM_TEMPLATE_INDEX" val="20187308"/>
@@ -8604,7 +8536,7 @@
 </file>
 
 <file path=ppt/tags/tag78.xml><?xml version="1.0" encoding="utf-8"?>
-<p:tagLst xmlns:p="http://schemas.openxmlformats.org/presentationml/2006/main">
+<p:tagLst xmlns:a="http://schemas.openxmlformats.org/drawingml/2006/main" xmlns:r="http://schemas.openxmlformats.org/officeDocument/2006/relationships" xmlns:p="http://schemas.openxmlformats.org/presentationml/2006/main">
   <p:tag name="KSO_WM_BEAUTIFY_FLAG" val="#wm#"/>
   <p:tag name="KSO_WM_TEMPLATE_CATEGORY" val="custom"/>
   <p:tag name="KSO_WM_TEMPLATE_INDEX" val="20187308"/>
@@ -8613,7 +8545,7 @@
 </file>
 
 <file path=ppt/tags/tag79.xml><?xml version="1.0" encoding="utf-8"?>
-<p:tagLst xmlns:p="http://schemas.openxmlformats.org/presentationml/2006/main">
+<p:tagLst xmlns:a="http://schemas.openxmlformats.org/drawingml/2006/main" xmlns:r="http://schemas.openxmlformats.org/officeDocument/2006/relationships" xmlns:p="http://schemas.openxmlformats.org/presentationml/2006/main">
   <p:tag name="KSO_WM_BEAUTIFY_FLAG" val="#wm#"/>
   <p:tag name="KSO_WM_TEMPLATE_CATEGORY" val="custom"/>
   <p:tag name="KSO_WM_TEMPLATE_INDEX" val="20187308"/>
@@ -8622,7 +8554,7 @@
 </file>
 
 <file path=ppt/tags/tag8.xml><?xml version="1.0" encoding="utf-8"?>
-<p:tagLst xmlns:p="http://schemas.openxmlformats.org/presentationml/2006/main">
+<p:tagLst xmlns:a="http://schemas.openxmlformats.org/drawingml/2006/main" xmlns:r="http://schemas.openxmlformats.org/officeDocument/2006/relationships" xmlns:p="http://schemas.openxmlformats.org/presentationml/2006/main">
   <p:tag name="KSO_WM_UNIT_HIGHLIGHT" val="0"/>
   <p:tag name="KSO_WM_UNIT_COMPATIBLE" val="0"/>
   <p:tag name="KSO_WM_UNIT_DIAGRAM_ISNUMVISUAL" val="0"/>
@@ -8635,7 +8567,7 @@
 </file>
 
 <file path=ppt/tags/tag80.xml><?xml version="1.0" encoding="utf-8"?>
-<p:tagLst xmlns:p="http://schemas.openxmlformats.org/presentationml/2006/main">
+<p:tagLst xmlns:a="http://schemas.openxmlformats.org/drawingml/2006/main" xmlns:r="http://schemas.openxmlformats.org/officeDocument/2006/relationships" xmlns:p="http://schemas.openxmlformats.org/presentationml/2006/main">
   <p:tag name="KSO_WM_BEAUTIFY_FLAG" val="#wm#"/>
   <p:tag name="KSO_WM_TEMPLATE_CATEGORY" val="custom"/>
   <p:tag name="KSO_WM_TEMPLATE_INDEX" val="20187308"/>
@@ -8644,7 +8576,7 @@
 </file>
 
 <file path=ppt/tags/tag81.xml><?xml version="1.0" encoding="utf-8"?>
-<p:tagLst xmlns:p="http://schemas.openxmlformats.org/presentationml/2006/main">
+<p:tagLst xmlns:a="http://schemas.openxmlformats.org/drawingml/2006/main" xmlns:r="http://schemas.openxmlformats.org/officeDocument/2006/relationships" xmlns:p="http://schemas.openxmlformats.org/presentationml/2006/main">
   <p:tag name="KSO_WM_BEAUTIFY_FLAG" val="#wm#"/>
   <p:tag name="KSO_WM_TEMPLATE_CATEGORY" val="custom"/>
   <p:tag name="KSO_WM_TEMPLATE_INDEX" val="20187308"/>
@@ -8653,7 +8585,7 @@
 </file>
 
 <file path=ppt/tags/tag82.xml><?xml version="1.0" encoding="utf-8"?>
-<p:tagLst xmlns:p="http://schemas.openxmlformats.org/presentationml/2006/main">
+<p:tagLst xmlns:a="http://schemas.openxmlformats.org/drawingml/2006/main" xmlns:r="http://schemas.openxmlformats.org/officeDocument/2006/relationships" xmlns:p="http://schemas.openxmlformats.org/presentationml/2006/main">
   <p:tag name="KSO_WM_BEAUTIFY_FLAG" val="#wm#"/>
   <p:tag name="KSO_WM_TEMPLATE_CATEGORY" val="custom"/>
   <p:tag name="KSO_WM_TEMPLATE_INDEX" val="20187308"/>
@@ -8662,7 +8594,7 @@
 </file>
 
 <file path=ppt/tags/tag83.xml><?xml version="1.0" encoding="utf-8"?>
-<p:tagLst xmlns:p="http://schemas.openxmlformats.org/presentationml/2006/main">
+<p:tagLst xmlns:a="http://schemas.openxmlformats.org/drawingml/2006/main" xmlns:r="http://schemas.openxmlformats.org/officeDocument/2006/relationships" xmlns:p="http://schemas.openxmlformats.org/presentationml/2006/main">
   <p:tag name="KSO_WM_BEAUTIFY_FLAG" val="#wm#"/>
   <p:tag name="KSO_WM_TEMPLATE_CATEGORY" val="custom"/>
   <p:tag name="KSO_WM_TEMPLATE_INDEX" val="20187308"/>
@@ -8671,7 +8603,7 @@
 </file>
 
 <file path=ppt/tags/tag84.xml><?xml version="1.0" encoding="utf-8"?>
-<p:tagLst xmlns:p="http://schemas.openxmlformats.org/presentationml/2006/main">
+<p:tagLst xmlns:a="http://schemas.openxmlformats.org/drawingml/2006/main" xmlns:r="http://schemas.openxmlformats.org/officeDocument/2006/relationships" xmlns:p="http://schemas.openxmlformats.org/presentationml/2006/main">
   <p:tag name="KSO_WM_BEAUTIFY_FLAG" val="#wm#"/>
   <p:tag name="KSO_WM_TEMPLATE_CATEGORY" val="custom"/>
   <p:tag name="KSO_WM_TEMPLATE_INDEX" val="20187308"/>
@@ -8680,12 +8612,12 @@
 </file>
 
 <file path=ppt/tags/tag9.xml><?xml version="1.0" encoding="utf-8"?>
-<p:tagLst xmlns:p="http://schemas.openxmlformats.org/presentationml/2006/main">
+<p:tagLst xmlns:a="http://schemas.openxmlformats.org/drawingml/2006/main" xmlns:r="http://schemas.openxmlformats.org/officeDocument/2006/relationships" xmlns:p="http://schemas.openxmlformats.org/presentationml/2006/main">
   <p:tag name="KSO_WM_UNIT_HIGHLIGHT" val="0"/>
   <p:tag name="KSO_WM_UNIT_COMPATIBLE" val="0"/>
   <p:tag name="KSO_WM_UNIT_DIAGRAM_ISNUMVISUAL" val="0"/>
   <p:tag name="KSO_WM_UNIT_DIAGRAM_ISREFERUNIT" val="0"/>
-  <p:tag name="KSO_WM_UNIT_ID" val="_3**"/>
+  <p:tag name="KSO_WM_UNIT_ID" val="_5**"/>
   <p:tag name="KSO_WM_UNIT_LAYERLEVEL" val="1"/>
   <p:tag name="KSO_WM_TAG_VERSION" val="1.0"/>
   <p:tag name="KSO_WM_BEAUTIFY_FLAG" val="#wm#"/>
@@ -8883,6 +8815,8 @@
       </a:bgFillStyleLst>
     </a:fmtScheme>
   </a:themeElements>
+  <a:objectDefaults/>
+  <a:extraClrSchemeLst/>
   <a:extLst>
     <a:ext uri="{05A4C25C-085E-4340-85A3-A5531E510DB2}">
       <thm15:themeFamily xmlns:thm15="http://schemas.microsoft.com/office/thememl/2012/main" name="Office Theme" id="{62F939B6-93AF-4DB8-9C6B-D6C7DFDC589F}" vid="{4A3C46E8-61CC-4603-A589-7422A47A8E4A}"/>
@@ -9142,6 +9076,8 @@
       </a:bgFillStyleLst>
     </a:fmtScheme>
   </a:themeElements>
+  <a:objectDefaults/>
+  <a:extraClrSchemeLst/>
   <a:extLst>
     <a:ext uri="{05A4C25C-085E-4340-85A3-A5531E510DB2}">
       <thm15:themeFamily xmlns:thm15="http://schemas.microsoft.com/office/thememl/2012/main" name="Office Theme" id="{62F939B6-93AF-4DB8-9C6B-D6C7DFDC589F}" vid="{4A3C46E8-61CC-4603-A589-7422A47A8E4A}"/>
@@ -9401,6 +9337,8 @@
       </a:bgFillStyleLst>
     </a:fmtScheme>
   </a:themeElements>
+  <a:objectDefaults/>
+  <a:extraClrSchemeLst/>
   <a:extLst>
     <a:ext uri="{05A4C25C-085E-4340-85A3-A5531E510DB2}">
       <thm15:themeFamily xmlns:thm15="http://schemas.microsoft.com/office/thememl/2012/main" name="Office Theme" id="{62F939B6-93AF-4DB8-9C6B-D6C7DFDC589F}" vid="{4A3C46E8-61CC-4603-A589-7422A47A8E4A}"/>
